--- a/Licenta2017GrozaVasile/TowardsASmartCity.pptx
+++ b/Licenta2017GrozaVasile/TowardsASmartCity.pptx
@@ -1501,895 +1501,6 @@
       <dsp:cNvGrpSpPr/>
     </dsp:nvGrpSpPr>
     <dsp:grpSpPr/>
-    <dsp:sp modelId="{62624312-B6AB-4491-B341-2BB3F078D684}">
-      <dsp:nvSpPr>
-        <dsp:cNvPr id="0" name=""/>
-        <dsp:cNvSpPr/>
-      </dsp:nvSpPr>
-      <dsp:spPr>
-        <a:xfrm>
-          <a:off x="0" y="1403684"/>
-          <a:ext cx="3657600" cy="3657600"/>
-        </a:xfrm>
-        <a:prstGeom prst="ellipse">
-          <a:avLst/>
-        </a:prstGeom>
-        <a:gradFill rotWithShape="0">
-          <a:gsLst>
-            <a:gs pos="0">
-              <a:schemeClr val="accent2">
-                <a:hueOff val="-1455363"/>
-                <a:satOff val="-83928"/>
-                <a:lumOff val="8628"/>
-                <a:alphaOff val="0"/>
-                <a:tint val="60000"/>
-                <a:satMod val="160000"/>
-              </a:schemeClr>
-            </a:gs>
-            <a:gs pos="46000">
-              <a:schemeClr val="accent2">
-                <a:hueOff val="-1455363"/>
-                <a:satOff val="-83928"/>
-                <a:lumOff val="8628"/>
-                <a:alphaOff val="0"/>
-                <a:tint val="86000"/>
-                <a:satMod val="160000"/>
-              </a:schemeClr>
-            </a:gs>
-            <a:gs pos="100000">
-              <a:schemeClr val="accent2">
-                <a:hueOff val="-1455363"/>
-                <a:satOff val="-83928"/>
-                <a:lumOff val="8628"/>
-                <a:alphaOff val="0"/>
-                <a:shade val="40000"/>
-                <a:satMod val="160000"/>
-              </a:schemeClr>
-            </a:gs>
-          </a:gsLst>
-          <a:path path="circle">
-            <a:fillToRect l="50000" t="155000" r="50000" b="-55000"/>
-          </a:path>
-        </a:gradFill>
-        <a:ln w="9525" cap="flat" cmpd="sng" algn="ctr">
-          <a:solidFill>
-            <a:schemeClr val="lt1">
-              <a:hueOff val="0"/>
-              <a:satOff val="0"/>
-              <a:lumOff val="0"/>
-              <a:alphaOff val="0"/>
-            </a:schemeClr>
-          </a:solidFill>
-          <a:prstDash val="solid"/>
-        </a:ln>
-        <a:effectLst>
-          <a:outerShdw blurRad="50800" dist="38100" dir="14700000" algn="t" rotWithShape="0">
-            <a:srgbClr val="000000">
-              <a:alpha val="60000"/>
-            </a:srgbClr>
-          </a:outerShdw>
-        </a:effectLst>
-      </dsp:spPr>
-      <dsp:style>
-        <a:lnRef idx="1">
-          <a:scrgbClr r="0" g="0" b="0"/>
-        </a:lnRef>
-        <a:fillRef idx="3">
-          <a:scrgbClr r="0" g="0" b="0"/>
-        </a:fillRef>
-        <a:effectRef idx="2">
-          <a:scrgbClr r="0" g="0" b="0"/>
-        </a:effectRef>
-        <a:fontRef idx="minor">
-          <a:schemeClr val="lt1"/>
-        </a:fontRef>
-      </dsp:style>
-    </dsp:sp>
-    <dsp:sp modelId="{B736C755-26C8-4FEA-91D7-F8104FF77E82}">
-      <dsp:nvSpPr>
-        <dsp:cNvPr id="0" name=""/>
-        <dsp:cNvSpPr/>
-      </dsp:nvSpPr>
-      <dsp:spPr>
-        <a:xfrm>
-          <a:off x="731520" y="2135204"/>
-          <a:ext cx="2194560" cy="2194560"/>
-        </a:xfrm>
-        <a:prstGeom prst="ellipse">
-          <a:avLst/>
-        </a:prstGeom>
-        <a:gradFill rotWithShape="0">
-          <a:gsLst>
-            <a:gs pos="0">
-              <a:schemeClr val="accent2">
-                <a:hueOff val="-727682"/>
-                <a:satOff val="-41964"/>
-                <a:lumOff val="4314"/>
-                <a:alphaOff val="0"/>
-                <a:tint val="60000"/>
-                <a:satMod val="160000"/>
-              </a:schemeClr>
-            </a:gs>
-            <a:gs pos="46000">
-              <a:schemeClr val="accent2">
-                <a:hueOff val="-727682"/>
-                <a:satOff val="-41964"/>
-                <a:lumOff val="4314"/>
-                <a:alphaOff val="0"/>
-                <a:tint val="86000"/>
-                <a:satMod val="160000"/>
-              </a:schemeClr>
-            </a:gs>
-            <a:gs pos="100000">
-              <a:schemeClr val="accent2">
-                <a:hueOff val="-727682"/>
-                <a:satOff val="-41964"/>
-                <a:lumOff val="4314"/>
-                <a:alphaOff val="0"/>
-                <a:shade val="40000"/>
-                <a:satMod val="160000"/>
-              </a:schemeClr>
-            </a:gs>
-          </a:gsLst>
-          <a:path path="circle">
-            <a:fillToRect l="50000" t="155000" r="50000" b="-55000"/>
-          </a:path>
-        </a:gradFill>
-        <a:ln w="9525" cap="flat" cmpd="sng" algn="ctr">
-          <a:solidFill>
-            <a:schemeClr val="lt1">
-              <a:hueOff val="0"/>
-              <a:satOff val="0"/>
-              <a:lumOff val="0"/>
-              <a:alphaOff val="0"/>
-            </a:schemeClr>
-          </a:solidFill>
-          <a:prstDash val="solid"/>
-        </a:ln>
-        <a:effectLst>
-          <a:outerShdw blurRad="50800" dist="38100" dir="14700000" algn="t" rotWithShape="0">
-            <a:srgbClr val="000000">
-              <a:alpha val="60000"/>
-            </a:srgbClr>
-          </a:outerShdw>
-        </a:effectLst>
-      </dsp:spPr>
-      <dsp:style>
-        <a:lnRef idx="1">
-          <a:scrgbClr r="0" g="0" b="0"/>
-        </a:lnRef>
-        <a:fillRef idx="3">
-          <a:scrgbClr r="0" g="0" b="0"/>
-        </a:fillRef>
-        <a:effectRef idx="2">
-          <a:scrgbClr r="0" g="0" b="0"/>
-        </a:effectRef>
-        <a:fontRef idx="minor">
-          <a:schemeClr val="lt1"/>
-        </a:fontRef>
-      </dsp:style>
-    </dsp:sp>
-    <dsp:sp modelId="{CBC7FCC3-4508-4A2C-A699-80B56AC4DB56}">
-      <dsp:nvSpPr>
-        <dsp:cNvPr id="0" name=""/>
-        <dsp:cNvSpPr/>
-      </dsp:nvSpPr>
-      <dsp:spPr>
-        <a:xfrm>
-          <a:off x="1463040" y="2866724"/>
-          <a:ext cx="731520" cy="731520"/>
-        </a:xfrm>
-        <a:prstGeom prst="ellipse">
-          <a:avLst/>
-        </a:prstGeom>
-        <a:gradFill rotWithShape="0">
-          <a:gsLst>
-            <a:gs pos="0">
-              <a:schemeClr val="accent2">
-                <a:hueOff val="0"/>
-                <a:satOff val="0"/>
-                <a:lumOff val="0"/>
-                <a:alphaOff val="0"/>
-                <a:tint val="60000"/>
-                <a:satMod val="160000"/>
-              </a:schemeClr>
-            </a:gs>
-            <a:gs pos="46000">
-              <a:schemeClr val="accent2">
-                <a:hueOff val="0"/>
-                <a:satOff val="0"/>
-                <a:lumOff val="0"/>
-                <a:alphaOff val="0"/>
-                <a:tint val="86000"/>
-                <a:satMod val="160000"/>
-              </a:schemeClr>
-            </a:gs>
-            <a:gs pos="100000">
-              <a:schemeClr val="accent2">
-                <a:hueOff val="0"/>
-                <a:satOff val="0"/>
-                <a:lumOff val="0"/>
-                <a:alphaOff val="0"/>
-                <a:shade val="40000"/>
-                <a:satMod val="160000"/>
-              </a:schemeClr>
-            </a:gs>
-          </a:gsLst>
-          <a:path path="circle">
-            <a:fillToRect l="50000" t="155000" r="50000" b="-55000"/>
-          </a:path>
-        </a:gradFill>
-        <a:ln w="9525" cap="flat" cmpd="sng" algn="ctr">
-          <a:solidFill>
-            <a:schemeClr val="lt1">
-              <a:hueOff val="0"/>
-              <a:satOff val="0"/>
-              <a:lumOff val="0"/>
-              <a:alphaOff val="0"/>
-            </a:schemeClr>
-          </a:solidFill>
-          <a:prstDash val="solid"/>
-        </a:ln>
-        <a:effectLst>
-          <a:outerShdw blurRad="50800" dist="38100" dir="14700000" algn="t" rotWithShape="0">
-            <a:srgbClr val="000000">
-              <a:alpha val="60000"/>
-            </a:srgbClr>
-          </a:outerShdw>
-        </a:effectLst>
-      </dsp:spPr>
-      <dsp:style>
-        <a:lnRef idx="1">
-          <a:scrgbClr r="0" g="0" b="0"/>
-        </a:lnRef>
-        <a:fillRef idx="3">
-          <a:scrgbClr r="0" g="0" b="0"/>
-        </a:fillRef>
-        <a:effectRef idx="2">
-          <a:scrgbClr r="0" g="0" b="0"/>
-        </a:effectRef>
-        <a:fontRef idx="minor">
-          <a:schemeClr val="lt1"/>
-        </a:fontRef>
-      </dsp:style>
-    </dsp:sp>
-    <dsp:sp modelId="{721C4484-2C4E-47CE-9E3D-C44F02A7E166}">
-      <dsp:nvSpPr>
-        <dsp:cNvPr id="0" name=""/>
-        <dsp:cNvSpPr/>
-      </dsp:nvSpPr>
-      <dsp:spPr>
-        <a:xfrm>
-          <a:off x="4267200" y="184483"/>
-          <a:ext cx="1828800" cy="1066800"/>
-        </a:xfrm>
-        <a:prstGeom prst="rect">
-          <a:avLst/>
-        </a:prstGeom>
-        <a:noFill/>
-        <a:ln>
-          <a:noFill/>
-        </a:ln>
-        <a:effectLst/>
-      </dsp:spPr>
-      <dsp:style>
-        <a:lnRef idx="0">
-          <a:scrgbClr r="0" g="0" b="0"/>
-        </a:lnRef>
-        <a:fillRef idx="0">
-          <a:scrgbClr r="0" g="0" b="0"/>
-        </a:fillRef>
-        <a:effectRef idx="0">
-          <a:scrgbClr r="0" g="0" b="0"/>
-        </a:effectRef>
-        <a:fontRef idx="minor"/>
-      </dsp:style>
-      <dsp:txBody>
-        <a:bodyPr spcFirstLastPara="0" vert="horz" wrap="square" lIns="128016" tIns="22860" rIns="22860" bIns="22860" numCol="1" spcCol="1270" anchor="t" anchorCtr="0">
-          <a:noAutofit/>
-        </a:bodyPr>
-        <a:lstStyle/>
-        <a:p>
-          <a:pPr lvl="0" algn="l" defTabSz="800100">
-            <a:lnSpc>
-              <a:spcPct val="90000"/>
-            </a:lnSpc>
-            <a:spcBef>
-              <a:spcPct val="0"/>
-            </a:spcBef>
-            <a:spcAft>
-              <a:spcPct val="35000"/>
-            </a:spcAft>
-          </a:pPr>
-          <a:r>
-            <a:rPr lang="ro-MD" sz="1800" kern="1200" dirty="0" smtClean="0"/>
-            <a:t>Utilizator</a:t>
-          </a:r>
-          <a:endParaRPr lang="en-US" sz="1800" kern="1200" dirty="0"/>
-        </a:p>
-        <a:p>
-          <a:pPr marL="114300" lvl="1" indent="-114300" algn="l" defTabSz="622300">
-            <a:lnSpc>
-              <a:spcPct val="90000"/>
-            </a:lnSpc>
-            <a:spcBef>
-              <a:spcPct val="0"/>
-            </a:spcBef>
-            <a:spcAft>
-              <a:spcPct val="15000"/>
-            </a:spcAft>
-            <a:buChar char="••"/>
-          </a:pPr>
-          <a:r>
-            <a:rPr lang="ro-MD" sz="1400" kern="1200" dirty="0" smtClean="0"/>
-            <a:t>Confort</a:t>
-          </a:r>
-          <a:endParaRPr lang="en-US" sz="1400" kern="1200" dirty="0"/>
-        </a:p>
-        <a:p>
-          <a:pPr marL="114300" lvl="1" indent="-114300" algn="l" defTabSz="622300">
-            <a:lnSpc>
-              <a:spcPct val="90000"/>
-            </a:lnSpc>
-            <a:spcBef>
-              <a:spcPct val="0"/>
-            </a:spcBef>
-            <a:spcAft>
-              <a:spcPct val="15000"/>
-            </a:spcAft>
-            <a:buChar char="••"/>
-          </a:pPr>
-          <a:r>
-            <a:rPr lang="ro-MD" sz="1400" kern="1200" dirty="0" smtClean="0"/>
-            <a:t>Recreare</a:t>
-          </a:r>
-          <a:endParaRPr lang="en-US" sz="1400" kern="1200" dirty="0"/>
-        </a:p>
-      </dsp:txBody>
-      <dsp:txXfrm>
-        <a:off x="4267200" y="184483"/>
-        <a:ext cx="1828800" cy="1066800"/>
-      </dsp:txXfrm>
-    </dsp:sp>
-    <dsp:sp modelId="{BD57CE74-1890-43D3-8AF8-CC63CCCAD27B}">
-      <dsp:nvSpPr>
-        <dsp:cNvPr id="0" name=""/>
-        <dsp:cNvSpPr/>
-      </dsp:nvSpPr>
-      <dsp:spPr>
-        <a:xfrm>
-          <a:off x="3810000" y="717883"/>
-          <a:ext cx="457200" cy="0"/>
-        </a:xfrm>
-        <a:prstGeom prst="line">
-          <a:avLst/>
-        </a:prstGeom>
-        <a:solidFill>
-          <a:schemeClr val="accent2">
-            <a:hueOff val="0"/>
-            <a:satOff val="0"/>
-            <a:lumOff val="0"/>
-            <a:alphaOff val="0"/>
-          </a:schemeClr>
-        </a:solidFill>
-        <a:ln w="12700" cap="flat" cmpd="sng" algn="ctr">
-          <a:solidFill>
-            <a:schemeClr val="accent2">
-              <a:tint val="50000"/>
-              <a:hueOff val="0"/>
-              <a:satOff val="0"/>
-              <a:lumOff val="0"/>
-              <a:alphaOff val="0"/>
-            </a:schemeClr>
-          </a:solidFill>
-          <a:prstDash val="solid"/>
-        </a:ln>
-        <a:effectLst>
-          <a:outerShdw blurRad="63500" dist="25400" dir="14700000" algn="t" rotWithShape="0">
-            <a:srgbClr val="000000">
-              <a:alpha val="50000"/>
-            </a:srgbClr>
-          </a:outerShdw>
-        </a:effectLst>
-      </dsp:spPr>
-      <dsp:style>
-        <a:lnRef idx="2">
-          <a:scrgbClr r="0" g="0" b="0"/>
-        </a:lnRef>
-        <a:fillRef idx="1">
-          <a:scrgbClr r="0" g="0" b="0"/>
-        </a:fillRef>
-        <a:effectRef idx="1">
-          <a:scrgbClr r="0" g="0" b="0"/>
-        </a:effectRef>
-        <a:fontRef idx="minor"/>
-      </dsp:style>
-    </dsp:sp>
-    <dsp:sp modelId="{47E073D5-28F9-48F7-9EE3-CD1ABC58D94E}">
-      <dsp:nvSpPr>
-        <dsp:cNvPr id="0" name=""/>
-        <dsp:cNvSpPr/>
-      </dsp:nvSpPr>
-      <dsp:spPr>
-        <a:xfrm rot="5400000">
-          <a:off x="1561490" y="985803"/>
-          <a:ext cx="2513990" cy="1979371"/>
-        </a:xfrm>
-        <a:prstGeom prst="line">
-          <a:avLst/>
-        </a:prstGeom>
-        <a:solidFill>
-          <a:schemeClr val="accent2">
-            <a:hueOff val="0"/>
-            <a:satOff val="0"/>
-            <a:lumOff val="0"/>
-            <a:alphaOff val="0"/>
-          </a:schemeClr>
-        </a:solidFill>
-        <a:ln w="12700" cap="flat" cmpd="sng" algn="ctr">
-          <a:solidFill>
-            <a:schemeClr val="accent2">
-              <a:tint val="50000"/>
-              <a:hueOff val="0"/>
-              <a:satOff val="0"/>
-              <a:lumOff val="0"/>
-              <a:alphaOff val="0"/>
-            </a:schemeClr>
-          </a:solidFill>
-          <a:prstDash val="solid"/>
-        </a:ln>
-        <a:effectLst>
-          <a:outerShdw blurRad="63500" dist="25400" dir="14700000" algn="t" rotWithShape="0">
-            <a:srgbClr val="000000">
-              <a:alpha val="50000"/>
-            </a:srgbClr>
-          </a:outerShdw>
-        </a:effectLst>
-      </dsp:spPr>
-      <dsp:style>
-        <a:lnRef idx="2">
-          <a:scrgbClr r="0" g="0" b="0"/>
-        </a:lnRef>
-        <a:fillRef idx="1">
-          <a:scrgbClr r="0" g="0" b="0"/>
-        </a:fillRef>
-        <a:effectRef idx="1">
-          <a:scrgbClr r="0" g="0" b="0"/>
-        </a:effectRef>
-        <a:fontRef idx="minor"/>
-      </dsp:style>
-    </dsp:sp>
-    <dsp:sp modelId="{CEA4BEA9-01EB-4151-A2FD-98FDADE4D4C5}">
-      <dsp:nvSpPr>
-        <dsp:cNvPr id="0" name=""/>
-        <dsp:cNvSpPr/>
-      </dsp:nvSpPr>
-      <dsp:spPr>
-        <a:xfrm>
-          <a:off x="4267200" y="1251283"/>
-          <a:ext cx="1828800" cy="1066800"/>
-        </a:xfrm>
-        <a:prstGeom prst="rect">
-          <a:avLst/>
-        </a:prstGeom>
-        <a:noFill/>
-        <a:ln>
-          <a:noFill/>
-        </a:ln>
-        <a:effectLst/>
-      </dsp:spPr>
-      <dsp:style>
-        <a:lnRef idx="0">
-          <a:scrgbClr r="0" g="0" b="0"/>
-        </a:lnRef>
-        <a:fillRef idx="0">
-          <a:scrgbClr r="0" g="0" b="0"/>
-        </a:fillRef>
-        <a:effectRef idx="0">
-          <a:scrgbClr r="0" g="0" b="0"/>
-        </a:effectRef>
-        <a:fontRef idx="minor"/>
-      </dsp:style>
-      <dsp:txBody>
-        <a:bodyPr spcFirstLastPara="0" vert="horz" wrap="square" lIns="128016" tIns="22860" rIns="22860" bIns="22860" numCol="1" spcCol="1270" anchor="t" anchorCtr="0">
-          <a:noAutofit/>
-        </a:bodyPr>
-        <a:lstStyle/>
-        <a:p>
-          <a:pPr lvl="0" algn="l" defTabSz="800100">
-            <a:lnSpc>
-              <a:spcPct val="90000"/>
-            </a:lnSpc>
-            <a:spcBef>
-              <a:spcPct val="0"/>
-            </a:spcBef>
-            <a:spcAft>
-              <a:spcPct val="35000"/>
-            </a:spcAft>
-          </a:pPr>
-          <a:r>
-            <a:rPr lang="ro-MD" sz="1800" kern="1200" dirty="0" smtClean="0"/>
-            <a:t>Eveniment</a:t>
-          </a:r>
-          <a:endParaRPr lang="en-US" sz="1800" kern="1200" dirty="0"/>
-        </a:p>
-        <a:p>
-          <a:pPr marL="114300" lvl="1" indent="-114300" algn="l" defTabSz="622300">
-            <a:lnSpc>
-              <a:spcPct val="90000"/>
-            </a:lnSpc>
-            <a:spcBef>
-              <a:spcPct val="0"/>
-            </a:spcBef>
-            <a:spcAft>
-              <a:spcPct val="15000"/>
-            </a:spcAft>
-            <a:buChar char="••"/>
-          </a:pPr>
-          <a:r>
-            <a:rPr lang="ro-MD" sz="1400" kern="1200" dirty="0" smtClean="0"/>
-            <a:t>Locație</a:t>
-          </a:r>
-          <a:endParaRPr lang="en-US" sz="1400" kern="1200" dirty="0"/>
-        </a:p>
-        <a:p>
-          <a:pPr marL="228600" lvl="2" indent="-114300" algn="l" defTabSz="622300">
-            <a:lnSpc>
-              <a:spcPct val="90000"/>
-            </a:lnSpc>
-            <a:spcBef>
-              <a:spcPct val="0"/>
-            </a:spcBef>
-            <a:spcAft>
-              <a:spcPct val="15000"/>
-            </a:spcAft>
-            <a:buChar char="••"/>
-          </a:pPr>
-          <a:r>
-            <a:rPr lang="ro-MD" sz="1400" kern="1200" dirty="0" smtClean="0"/>
-            <a:t>Informație</a:t>
-          </a:r>
-          <a:endParaRPr lang="en-US" sz="1400" kern="1200" dirty="0"/>
-        </a:p>
-        <a:p>
-          <a:pPr marL="114300" lvl="1" indent="-114300" algn="l" defTabSz="622300">
-            <a:lnSpc>
-              <a:spcPct val="90000"/>
-            </a:lnSpc>
-            <a:spcBef>
-              <a:spcPct val="0"/>
-            </a:spcBef>
-            <a:spcAft>
-              <a:spcPct val="15000"/>
-            </a:spcAft>
-            <a:buChar char="••"/>
-          </a:pPr>
-          <a:r>
-            <a:rPr lang="ro-MD" sz="1400" kern="1200" dirty="0" smtClean="0"/>
-            <a:t>Detalii</a:t>
-          </a:r>
-          <a:endParaRPr lang="en-US" sz="1400" kern="1200" dirty="0"/>
-        </a:p>
-      </dsp:txBody>
-      <dsp:txXfrm>
-        <a:off x="4267200" y="1251283"/>
-        <a:ext cx="1828800" cy="1066800"/>
-      </dsp:txXfrm>
-    </dsp:sp>
-    <dsp:sp modelId="{ED3D34C2-9BDC-4865-B076-019F361ABD54}">
-      <dsp:nvSpPr>
-        <dsp:cNvPr id="0" name=""/>
-        <dsp:cNvSpPr/>
-      </dsp:nvSpPr>
-      <dsp:spPr>
-        <a:xfrm>
-          <a:off x="3810000" y="1784683"/>
-          <a:ext cx="457200" cy="0"/>
-        </a:xfrm>
-        <a:prstGeom prst="line">
-          <a:avLst/>
-        </a:prstGeom>
-        <a:solidFill>
-          <a:schemeClr val="accent2">
-            <a:hueOff val="0"/>
-            <a:satOff val="0"/>
-            <a:lumOff val="0"/>
-            <a:alphaOff val="0"/>
-          </a:schemeClr>
-        </a:solidFill>
-        <a:ln w="12700" cap="flat" cmpd="sng" algn="ctr">
-          <a:solidFill>
-            <a:schemeClr val="accent2">
-              <a:tint val="50000"/>
-              <a:hueOff val="0"/>
-              <a:satOff val="0"/>
-              <a:lumOff val="0"/>
-              <a:alphaOff val="0"/>
-            </a:schemeClr>
-          </a:solidFill>
-          <a:prstDash val="solid"/>
-        </a:ln>
-        <a:effectLst>
-          <a:outerShdw blurRad="63500" dist="25400" dir="14700000" algn="t" rotWithShape="0">
-            <a:srgbClr val="000000">
-              <a:alpha val="50000"/>
-            </a:srgbClr>
-          </a:outerShdw>
-        </a:effectLst>
-      </dsp:spPr>
-      <dsp:style>
-        <a:lnRef idx="2">
-          <a:scrgbClr r="0" g="0" b="0"/>
-        </a:lnRef>
-        <a:fillRef idx="1">
-          <a:scrgbClr r="0" g="0" b="0"/>
-        </a:fillRef>
-        <a:effectRef idx="1">
-          <a:scrgbClr r="0" g="0" b="0"/>
-        </a:effectRef>
-        <a:fontRef idx="minor"/>
-      </dsp:style>
-    </dsp:sp>
-    <dsp:sp modelId="{6EAB163B-9BDD-4B30-AF27-57BCEF47A7CE}">
-      <dsp:nvSpPr>
-        <dsp:cNvPr id="0" name=""/>
-        <dsp:cNvSpPr/>
-      </dsp:nvSpPr>
-      <dsp:spPr>
-        <a:xfrm rot="5400000">
-          <a:off x="2101108" y="2035961"/>
-          <a:ext cx="1959010" cy="1455115"/>
-        </a:xfrm>
-        <a:prstGeom prst="line">
-          <a:avLst/>
-        </a:prstGeom>
-        <a:solidFill>
-          <a:schemeClr val="accent2">
-            <a:hueOff val="0"/>
-            <a:satOff val="0"/>
-            <a:lumOff val="0"/>
-            <a:alphaOff val="0"/>
-          </a:schemeClr>
-        </a:solidFill>
-        <a:ln w="12700" cap="flat" cmpd="sng" algn="ctr">
-          <a:solidFill>
-            <a:schemeClr val="accent2">
-              <a:tint val="50000"/>
-              <a:hueOff val="0"/>
-              <a:satOff val="0"/>
-              <a:lumOff val="0"/>
-              <a:alphaOff val="0"/>
-            </a:schemeClr>
-          </a:solidFill>
-          <a:prstDash val="solid"/>
-        </a:ln>
-        <a:effectLst>
-          <a:outerShdw blurRad="63500" dist="25400" dir="14700000" algn="t" rotWithShape="0">
-            <a:srgbClr val="000000">
-              <a:alpha val="50000"/>
-            </a:srgbClr>
-          </a:outerShdw>
-        </a:effectLst>
-      </dsp:spPr>
-      <dsp:style>
-        <a:lnRef idx="2">
-          <a:scrgbClr r="0" g="0" b="0"/>
-        </a:lnRef>
-        <a:fillRef idx="1">
-          <a:scrgbClr r="0" g="0" b="0"/>
-        </a:fillRef>
-        <a:effectRef idx="1">
-          <a:scrgbClr r="0" g="0" b="0"/>
-        </a:effectRef>
-        <a:fontRef idx="minor"/>
-      </dsp:style>
-    </dsp:sp>
-    <dsp:sp modelId="{F4B3DB09-8D8A-4833-A3A0-C8C2FB6EE995}">
-      <dsp:nvSpPr>
-        <dsp:cNvPr id="0" name=""/>
-        <dsp:cNvSpPr/>
-      </dsp:nvSpPr>
-      <dsp:spPr>
-        <a:xfrm>
-          <a:off x="4267200" y="2318083"/>
-          <a:ext cx="1828800" cy="1066800"/>
-        </a:xfrm>
-        <a:prstGeom prst="rect">
-          <a:avLst/>
-        </a:prstGeom>
-        <a:noFill/>
-        <a:ln>
-          <a:noFill/>
-        </a:ln>
-        <a:effectLst/>
-      </dsp:spPr>
-      <dsp:style>
-        <a:lnRef idx="0">
-          <a:scrgbClr r="0" g="0" b="0"/>
-        </a:lnRef>
-        <a:fillRef idx="0">
-          <a:scrgbClr r="0" g="0" b="0"/>
-        </a:fillRef>
-        <a:effectRef idx="0">
-          <a:scrgbClr r="0" g="0" b="0"/>
-        </a:effectRef>
-        <a:fontRef idx="minor"/>
-      </dsp:style>
-      <dsp:txBody>
-        <a:bodyPr spcFirstLastPara="0" vert="horz" wrap="square" lIns="128016" tIns="22860" rIns="22860" bIns="22860" numCol="1" spcCol="1270" anchor="t" anchorCtr="0">
-          <a:noAutofit/>
-        </a:bodyPr>
-        <a:lstStyle/>
-        <a:p>
-          <a:pPr lvl="0" algn="l" defTabSz="800100">
-            <a:lnSpc>
-              <a:spcPct val="90000"/>
-            </a:lnSpc>
-            <a:spcBef>
-              <a:spcPct val="0"/>
-            </a:spcBef>
-            <a:spcAft>
-              <a:spcPct val="35000"/>
-            </a:spcAft>
-          </a:pPr>
-          <a:r>
-            <a:rPr lang="ro-MD" sz="1800" kern="1200" dirty="0" smtClean="0"/>
-            <a:t>Oraș</a:t>
-          </a:r>
-          <a:endParaRPr lang="en-US" sz="1800" kern="1200" dirty="0"/>
-        </a:p>
-        <a:p>
-          <a:pPr marL="114300" lvl="1" indent="-114300" algn="l" defTabSz="622300">
-            <a:lnSpc>
-              <a:spcPct val="90000"/>
-            </a:lnSpc>
-            <a:spcBef>
-              <a:spcPct val="0"/>
-            </a:spcBef>
-            <a:spcAft>
-              <a:spcPct val="15000"/>
-            </a:spcAft>
-            <a:buChar char="••"/>
-          </a:pPr>
-          <a:r>
-            <a:rPr lang="ro-MD" sz="1400" kern="1200" dirty="0" smtClean="0"/>
-            <a:t>Interacțiune</a:t>
-          </a:r>
-          <a:endParaRPr lang="en-US" sz="1400" kern="1200" dirty="0"/>
-        </a:p>
-        <a:p>
-          <a:pPr marL="114300" lvl="1" indent="-114300" algn="l" defTabSz="622300">
-            <a:lnSpc>
-              <a:spcPct val="90000"/>
-            </a:lnSpc>
-            <a:spcBef>
-              <a:spcPct val="0"/>
-            </a:spcBef>
-            <a:spcAft>
-              <a:spcPct val="15000"/>
-            </a:spcAft>
-            <a:buChar char="••"/>
-          </a:pPr>
-          <a:r>
-            <a:rPr lang="ro-MD" sz="1400" kern="1200" dirty="0" smtClean="0"/>
-            <a:t>Integritate</a:t>
-          </a:r>
-          <a:endParaRPr lang="en-US" sz="1400" kern="1200" dirty="0"/>
-        </a:p>
-      </dsp:txBody>
-      <dsp:txXfrm>
-        <a:off x="4267200" y="2318083"/>
-        <a:ext cx="1828800" cy="1066800"/>
-      </dsp:txXfrm>
-    </dsp:sp>
-    <dsp:sp modelId="{A0324D28-E700-487E-A5A5-E2FB1D5914A7}">
-      <dsp:nvSpPr>
-        <dsp:cNvPr id="0" name=""/>
-        <dsp:cNvSpPr/>
-      </dsp:nvSpPr>
-      <dsp:spPr>
-        <a:xfrm>
-          <a:off x="3810000" y="2851484"/>
-          <a:ext cx="457200" cy="0"/>
-        </a:xfrm>
-        <a:prstGeom prst="line">
-          <a:avLst/>
-        </a:prstGeom>
-        <a:solidFill>
-          <a:schemeClr val="accent2">
-            <a:hueOff val="0"/>
-            <a:satOff val="0"/>
-            <a:lumOff val="0"/>
-            <a:alphaOff val="0"/>
-          </a:schemeClr>
-        </a:solidFill>
-        <a:ln w="12700" cap="flat" cmpd="sng" algn="ctr">
-          <a:solidFill>
-            <a:schemeClr val="accent2">
-              <a:tint val="50000"/>
-              <a:hueOff val="0"/>
-              <a:satOff val="0"/>
-              <a:lumOff val="0"/>
-              <a:alphaOff val="0"/>
-            </a:schemeClr>
-          </a:solidFill>
-          <a:prstDash val="solid"/>
-        </a:ln>
-        <a:effectLst>
-          <a:outerShdw blurRad="63500" dist="25400" dir="14700000" algn="t" rotWithShape="0">
-            <a:srgbClr val="000000">
-              <a:alpha val="50000"/>
-            </a:srgbClr>
-          </a:outerShdw>
-        </a:effectLst>
-      </dsp:spPr>
-      <dsp:style>
-        <a:lnRef idx="2">
-          <a:scrgbClr r="0" g="0" b="0"/>
-        </a:lnRef>
-        <a:fillRef idx="1">
-          <a:scrgbClr r="0" g="0" b="0"/>
-        </a:fillRef>
-        <a:effectRef idx="1">
-          <a:scrgbClr r="0" g="0" b="0"/>
-        </a:effectRef>
-        <a:fontRef idx="minor"/>
-      </dsp:style>
-    </dsp:sp>
-    <dsp:sp modelId="{822C1557-A7EF-4D85-AEDD-F484CC850E49}">
-      <dsp:nvSpPr>
-        <dsp:cNvPr id="0" name=""/>
-        <dsp:cNvSpPr/>
-      </dsp:nvSpPr>
-      <dsp:spPr>
-        <a:xfrm rot="5400000">
-          <a:off x="2641396" y="3085265"/>
-          <a:ext cx="1399641" cy="930859"/>
-        </a:xfrm>
-        <a:prstGeom prst="line">
-          <a:avLst/>
-        </a:prstGeom>
-        <a:solidFill>
-          <a:schemeClr val="accent2">
-            <a:hueOff val="0"/>
-            <a:satOff val="0"/>
-            <a:lumOff val="0"/>
-            <a:alphaOff val="0"/>
-          </a:schemeClr>
-        </a:solidFill>
-        <a:ln w="12700" cap="flat" cmpd="sng" algn="ctr">
-          <a:solidFill>
-            <a:schemeClr val="accent2">
-              <a:tint val="50000"/>
-              <a:hueOff val="0"/>
-              <a:satOff val="0"/>
-              <a:lumOff val="0"/>
-              <a:alphaOff val="0"/>
-            </a:schemeClr>
-          </a:solidFill>
-          <a:prstDash val="solid"/>
-        </a:ln>
-        <a:effectLst>
-          <a:outerShdw blurRad="63500" dist="25400" dir="14700000" algn="t" rotWithShape="0">
-            <a:srgbClr val="000000">
-              <a:alpha val="50000"/>
-            </a:srgbClr>
-          </a:outerShdw>
-        </a:effectLst>
-      </dsp:spPr>
-      <dsp:style>
-        <a:lnRef idx="2">
-          <a:scrgbClr r="0" g="0" b="0"/>
-        </a:lnRef>
-        <a:fillRef idx="1">
-          <a:scrgbClr r="0" g="0" b="0"/>
-        </a:fillRef>
-        <a:effectRef idx="1">
-          <a:scrgbClr r="0" g="0" b="0"/>
-        </a:effectRef>
-        <a:fontRef idx="minor"/>
-      </dsp:style>
-    </dsp:sp>
   </dsp:spTree>
 </dsp:drawing>
 </file>
@@ -4625,7 +3736,7 @@
           <a:p>
             <a:fld id="{41658A34-83F4-4B2E-BC5A-DE51EE8822F9}" type="datetimeFigureOut">
               <a:rPr lang="en-US" smtClean="0"/>
-              <a:t>6/26/2017</a:t>
+              <a:t>7/3/2017</a:t>
             </a:fld>
             <a:endParaRPr lang="en-US"/>
           </a:p>
@@ -4790,7 +3901,7 @@
           <a:p>
             <a:fld id="{7F2E1917-0BAF-4687-978A-82FFF05559C3}" type="datetimeFigureOut">
               <a:rPr lang="en-US" smtClean="0"/>
-              <a:t>6/26/2017</a:t>
+              <a:t>7/3/2017</a:t>
             </a:fld>
             <a:endParaRPr lang="en-US"/>
           </a:p>
@@ -5101,99 +4212,85 @@
           <a:bodyPr/>
           <a:lstStyle/>
           <a:p>
-            <a:pPr marL="0" marR="0" indent="0" algn="l" defTabSz="914400" rtl="0" eaLnBrk="1" fontAlgn="auto" latinLnBrk="0" hangingPunct="1">
-              <a:lnSpc>
-                <a:spcPct val="100000"/>
-              </a:lnSpc>
-              <a:spcBef>
-                <a:spcPts val="0"/>
-              </a:spcBef>
-              <a:spcAft>
-                <a:spcPts val="0"/>
-              </a:spcAft>
-              <a:buClrTx/>
-              <a:buSzTx/>
-              <a:buFontTx/>
-              <a:buNone/>
-              <a:tabLst/>
-              <a:defRPr/>
-            </a:pPr>
-            <a:r>
-              <a:rPr lang="en-US" baseline="0" dirty="0" smtClean="0"/>
+            <a:r>
+              <a:rPr lang="en-US" sz="1200" kern="1200" dirty="0" smtClean="0">
+                <a:solidFill>
+                  <a:schemeClr val="tx1"/>
+                </a:solidFill>
+                <a:effectLst/>
+                <a:latin typeface="+mn-lt"/>
+                <a:ea typeface="+mn-ea"/>
+                <a:cs typeface="+mn-cs"/>
+              </a:rPr>
               <a:t>Bun</a:t>
             </a:r>
             <a:r>
-              <a:rPr lang="ro-MD" baseline="0" dirty="0" smtClean="0"/>
-              <a:t>ă zua numele meu este Groza Vasile și</a:t>
-            </a:r>
-            <a:endParaRPr lang="en-US" baseline="0" dirty="0" smtClean="0"/>
-          </a:p>
-          <a:p>
-            <a:pPr marL="0" marR="0" indent="0" algn="l" defTabSz="914400" rtl="0" eaLnBrk="1" fontAlgn="auto" latinLnBrk="0" hangingPunct="1">
-              <a:lnSpc>
-                <a:spcPct val="100000"/>
-              </a:lnSpc>
-              <a:spcBef>
-                <a:spcPts val="0"/>
-              </a:spcBef>
-              <a:spcAft>
-                <a:spcPts val="0"/>
-              </a:spcAft>
-              <a:buClrTx/>
-              <a:buSzTx/>
-              <a:buFontTx/>
-              <a:buNone/>
-              <a:tabLst/>
-              <a:defRPr/>
-            </a:pPr>
-            <a:endParaRPr lang="en-US" baseline="0" dirty="0" smtClean="0"/>
-          </a:p>
-          <a:p>
-            <a:pPr marL="0" marR="0" indent="0" algn="l" defTabSz="914400" rtl="0" eaLnBrk="1" fontAlgn="auto" latinLnBrk="0" hangingPunct="1">
-              <a:lnSpc>
-                <a:spcPct val="100000"/>
-              </a:lnSpc>
-              <a:spcBef>
-                <a:spcPts val="0"/>
-              </a:spcBef>
-              <a:spcAft>
-                <a:spcPts val="0"/>
-              </a:spcAft>
-              <a:buClrTx/>
-              <a:buSzTx/>
-              <a:buFontTx/>
-              <a:buNone/>
-              <a:tabLst/>
-              <a:defRPr/>
-            </a:pPr>
-            <a:r>
-              <a:rPr lang="ro-MD" baseline="0" dirty="0" smtClean="0"/>
-              <a:t>În aceastră prezentare vă aduc la cunoștință lucrarea Smart City, </a:t>
-            </a:r>
-          </a:p>
-          <a:p>
-            <a:pPr marL="0" marR="0" indent="0" algn="l" defTabSz="914400" rtl="0" eaLnBrk="1" fontAlgn="auto" latinLnBrk="0" hangingPunct="1">
-              <a:lnSpc>
-                <a:spcPct val="100000"/>
-              </a:lnSpc>
-              <a:spcBef>
-                <a:spcPts val="0"/>
-              </a:spcBef>
-              <a:spcAft>
-                <a:spcPts val="0"/>
-              </a:spcAft>
-              <a:buClrTx/>
-              <a:buSzTx/>
-              <a:buFontTx/>
-              <a:buNone/>
-              <a:tabLst/>
-              <a:defRPr/>
-            </a:pPr>
-            <a:r>
-              <a:rPr lang="ro-MD" baseline="0" dirty="0" smtClean="0"/>
-              <a:t>O platformă ce aduce orașul inteligent către utilizator prin intermediul unei aplicații.</a:t>
-            </a:r>
-            <a:endParaRPr lang="en-US" dirty="0" smtClean="0"/>
+              <a:rPr lang="ro-MD" sz="1200" kern="1200" dirty="0" smtClean="0">
+                <a:solidFill>
+                  <a:schemeClr val="tx1"/>
+                </a:solidFill>
+                <a:effectLst/>
+                <a:latin typeface="+mn-lt"/>
+                <a:ea typeface="+mn-ea"/>
+                <a:cs typeface="+mn-cs"/>
+              </a:rPr>
+              <a:t>ă ziua numele meu este Groza Vasile și</a:t>
+            </a:r>
+            <a:endParaRPr lang="en-US" sz="1200" kern="1200" dirty="0" smtClean="0">
+              <a:solidFill>
+                <a:schemeClr val="tx1"/>
+              </a:solidFill>
+              <a:effectLst/>
+              <a:latin typeface="+mn-lt"/>
+              <a:ea typeface="+mn-ea"/>
+              <a:cs typeface="+mn-cs"/>
+            </a:endParaRPr>
+          </a:p>
+          <a:p>
+            <a:r>
+              <a:rPr lang="ro-MD" sz="1200" kern="1200" dirty="0" smtClean="0">
+                <a:solidFill>
+                  <a:schemeClr val="tx1"/>
+                </a:solidFill>
+                <a:effectLst/>
+                <a:latin typeface="+mn-lt"/>
+                <a:ea typeface="+mn-ea"/>
+                <a:cs typeface="+mn-cs"/>
+              </a:rPr>
+              <a:t>În aceastră prezentare vă aduc la cunoștință lucrarea Towards a Smart City, </a:t>
+            </a:r>
+            <a:endParaRPr lang="en-US" sz="1200" kern="1200" dirty="0" smtClean="0">
+              <a:solidFill>
+                <a:schemeClr val="tx1"/>
+              </a:solidFill>
+              <a:effectLst/>
+              <a:latin typeface="+mn-lt"/>
+              <a:ea typeface="+mn-ea"/>
+              <a:cs typeface="+mn-cs"/>
+            </a:endParaRPr>
+          </a:p>
+          <a:p>
+            <a:r>
+              <a:rPr lang="ro-MD" sz="1200" kern="1200" dirty="0" smtClean="0">
+                <a:solidFill>
+                  <a:schemeClr val="tx1"/>
+                </a:solidFill>
+                <a:effectLst/>
+                <a:latin typeface="+mn-lt"/>
+                <a:ea typeface="+mn-ea"/>
+                <a:cs typeface="+mn-cs"/>
+              </a:rPr>
+              <a:t>O platformă ce incearca sa aduca orașul inteligent către utilizator prin intermediul unei aplicații.</a:t>
+            </a:r>
+            <a:endParaRPr lang="en-US" sz="1200" kern="1200" dirty="0">
+              <a:solidFill>
+                <a:schemeClr val="tx1"/>
+              </a:solidFill>
+              <a:effectLst/>
+              <a:latin typeface="+mn-lt"/>
+              <a:ea typeface="+mn-ea"/>
+              <a:cs typeface="+mn-cs"/>
+            </a:endParaRPr>
           </a:p>
         </p:txBody>
       </p:sp>
@@ -5277,67 +4374,144 @@
           <a:bodyPr/>
           <a:lstStyle/>
           <a:p>
-            <a:pPr marL="0" marR="0" indent="0" algn="l" defTabSz="914400" rtl="0" eaLnBrk="1" fontAlgn="auto" latinLnBrk="0" hangingPunct="1">
-              <a:lnSpc>
-                <a:spcPct val="100000"/>
-              </a:lnSpc>
-              <a:spcBef>
-                <a:spcPts val="0"/>
-              </a:spcBef>
-              <a:spcAft>
-                <a:spcPts val="0"/>
-              </a:spcAft>
-              <a:buClrTx/>
-              <a:buSzTx/>
-              <a:buFontTx/>
-              <a:buNone/>
-              <a:tabLst/>
-              <a:defRPr/>
-            </a:pPr>
-            <a:r>
-              <a:rPr lang="ro-MD" dirty="0" smtClean="0"/>
-              <a:t>Î</a:t>
-            </a:r>
-            <a:r>
-              <a:rPr lang="ro-MD" baseline="0" dirty="0" smtClean="0"/>
-              <a:t>n cele ce urmează vom discuta despre cum putem transfmora orașul într-un mediu atractiv pentru a locui, munci și recrea.</a:t>
-            </a:r>
-          </a:p>
-          <a:p>
-            <a:r>
-              <a:rPr lang="ro-MD" baseline="0" dirty="0" smtClean="0"/>
-              <a:t>Și cum cum putem realiza acest lucru cu ajutorul tehnologiei. Precum și  scurta descriere arhitecturala a soluției cu care am venit.</a:t>
-            </a:r>
-          </a:p>
-          <a:p>
-            <a:endParaRPr lang="ro-MD" baseline="0" dirty="0" smtClean="0"/>
-          </a:p>
-          <a:p>
-            <a:r>
-              <a:rPr lang="ro-MD" baseline="0" dirty="0" smtClean="0"/>
-              <a:t>demo....</a:t>
-            </a:r>
-          </a:p>
-          <a:p>
-            <a:endParaRPr lang="ro-MD" baseline="0" dirty="0" smtClean="0"/>
-          </a:p>
-          <a:p>
-            <a:r>
-              <a:rPr lang="ro-MD" baseline="0" dirty="0" smtClean="0"/>
+            <a:r>
+              <a:rPr lang="ro-MD" sz="1200" kern="1200" dirty="0" smtClean="0">
+                <a:solidFill>
+                  <a:schemeClr val="tx1"/>
+                </a:solidFill>
+                <a:effectLst/>
+                <a:latin typeface="+mn-lt"/>
+                <a:ea typeface="+mn-ea"/>
+                <a:cs typeface="+mn-cs"/>
+              </a:rPr>
+              <a:t>În cele ce urmează vom discuta despre cum putem transfmora orașul într-un mediu atractiv pentru a locui, munci și recrea.</a:t>
+            </a:r>
+            <a:endParaRPr lang="en-US" sz="1200" kern="1200" dirty="0" smtClean="0">
+              <a:solidFill>
+                <a:schemeClr val="tx1"/>
+              </a:solidFill>
+              <a:effectLst/>
+              <a:latin typeface="+mn-lt"/>
+              <a:ea typeface="+mn-ea"/>
+              <a:cs typeface="+mn-cs"/>
+            </a:endParaRPr>
+          </a:p>
+          <a:p>
+            <a:r>
+              <a:rPr lang="ro-MD" sz="1200" kern="1200" dirty="0" smtClean="0">
+                <a:solidFill>
+                  <a:schemeClr val="tx1"/>
+                </a:solidFill>
+                <a:effectLst/>
+                <a:latin typeface="+mn-lt"/>
+                <a:ea typeface="+mn-ea"/>
+                <a:cs typeface="+mn-cs"/>
+              </a:rPr>
+              <a:t>Și cum putem realiza acest lucru cu ajutorul tehnologiei. Precum și  scurta descriere arhitecturala a soluției cu care am venit.</a:t>
+            </a:r>
+            <a:endParaRPr lang="en-US" sz="1200" kern="1200" dirty="0" smtClean="0">
+              <a:solidFill>
+                <a:schemeClr val="tx1"/>
+              </a:solidFill>
+              <a:effectLst/>
+              <a:latin typeface="+mn-lt"/>
+              <a:ea typeface="+mn-ea"/>
+              <a:cs typeface="+mn-cs"/>
+            </a:endParaRPr>
+          </a:p>
+          <a:p>
+            <a:r>
+              <a:rPr lang="en-US" sz="1200" kern="1200" dirty="0" smtClean="0">
+                <a:solidFill>
+                  <a:schemeClr val="tx1"/>
+                </a:solidFill>
+                <a:effectLst/>
+                <a:latin typeface="+mn-lt"/>
+                <a:ea typeface="+mn-ea"/>
+                <a:cs typeface="+mn-cs"/>
+              </a:rPr>
+              <a:t>Dup</a:t>
+            </a:r>
+            <a:r>
+              <a:rPr lang="ro-MD" sz="1200" kern="1200" dirty="0" smtClean="0">
+                <a:solidFill>
+                  <a:schemeClr val="tx1"/>
+                </a:solidFill>
+                <a:effectLst/>
+                <a:latin typeface="+mn-lt"/>
+                <a:ea typeface="+mn-ea"/>
+                <a:cs typeface="+mn-cs"/>
+              </a:rPr>
+              <a:t>ă care v-a urma un demo</a:t>
+            </a:r>
+            <a:endParaRPr lang="en-US" sz="1200" kern="1200" dirty="0" smtClean="0">
+              <a:solidFill>
+                <a:schemeClr val="tx1"/>
+              </a:solidFill>
+              <a:effectLst/>
+              <a:latin typeface="+mn-lt"/>
+              <a:ea typeface="+mn-ea"/>
+              <a:cs typeface="+mn-cs"/>
+            </a:endParaRPr>
+          </a:p>
+          <a:p>
+            <a:r>
+              <a:rPr lang="ro-MD" sz="1200" kern="1200" dirty="0" smtClean="0">
+                <a:solidFill>
+                  <a:schemeClr val="tx1"/>
+                </a:solidFill>
+                <a:effectLst/>
+                <a:latin typeface="+mn-lt"/>
+                <a:ea typeface="+mn-ea"/>
+                <a:cs typeface="+mn-cs"/>
+              </a:rPr>
               <a:t>Si desigur ca </a:t>
             </a:r>
             <a:r>
-              <a:rPr lang="en-US" baseline="0" dirty="0" err="1" smtClean="0"/>
+              <a:rPr lang="en-US" sz="1200" kern="1200" dirty="0" err="1" smtClean="0">
+                <a:solidFill>
+                  <a:schemeClr val="tx1"/>
+                </a:solidFill>
+                <a:effectLst/>
+                <a:latin typeface="+mn-lt"/>
+                <a:ea typeface="+mn-ea"/>
+                <a:cs typeface="+mn-cs"/>
+              </a:rPr>
               <a:t>orice</a:t>
             </a:r>
             <a:r>
-              <a:rPr lang="en-US" baseline="0" dirty="0" smtClean="0"/>
+              <a:rPr lang="en-US" sz="1200" kern="1200" dirty="0" smtClean="0">
+                <a:solidFill>
+                  <a:schemeClr val="tx1"/>
+                </a:solidFill>
+                <a:effectLst/>
+                <a:latin typeface="+mn-lt"/>
+                <a:ea typeface="+mn-ea"/>
+                <a:cs typeface="+mn-cs"/>
+              </a:rPr>
               <a:t>  </a:t>
             </a:r>
             <a:r>
-              <a:rPr lang="ro-MD" baseline="0" dirty="0" smtClean="0"/>
+              <a:rPr lang="ro-MD" sz="1200" kern="1200" dirty="0" smtClean="0">
+                <a:solidFill>
+                  <a:schemeClr val="tx1"/>
+                </a:solidFill>
+                <a:effectLst/>
+                <a:latin typeface="+mn-lt"/>
+                <a:ea typeface="+mn-ea"/>
+                <a:cs typeface="+mn-cs"/>
+              </a:rPr>
               <a:t>dezvoltator îmi doresc ca acest proiect să aibă un viitor. Despre aceasta spre finalul prezentării.</a:t>
             </a:r>
+            <a:endParaRPr lang="en-US" sz="1200" kern="1200" dirty="0">
+              <a:solidFill>
+                <a:schemeClr val="tx1"/>
+              </a:solidFill>
+              <a:effectLst/>
+              <a:latin typeface="+mn-lt"/>
+              <a:ea typeface="+mn-ea"/>
+              <a:cs typeface="+mn-cs"/>
+            </a:endParaRPr>
           </a:p>
         </p:txBody>
       </p:sp>
@@ -5422,93 +4596,329 @@
           <a:lstStyle/>
           <a:p>
             <a:r>
-              <a:rPr lang="ro-MD" dirty="0" smtClean="0"/>
-              <a:t>În</a:t>
-            </a:r>
-            <a:r>
-              <a:rPr lang="ro-MD" baseline="0" dirty="0" smtClean="0"/>
-              <a:t> urma unor studii reaizate se estimează ca pentru anul 2050 circa 66% din populația globului va trăi în mediul urban. Ce înseamnă  o creștere de 3 ori în raport cu cifrele actuale.</a:t>
-            </a:r>
-          </a:p>
-          <a:p>
-            <a:r>
-              <a:rPr lang="ro-MD" baseline="0" dirty="0" smtClean="0"/>
-              <a:t>Fapt care ar  putea pune în pericol liniștea și nivelul de  comoditate a traiului din oraș.</a:t>
-            </a:r>
-          </a:p>
-          <a:p>
-            <a:endParaRPr lang="ro-MD" baseline="0" dirty="0" smtClean="0"/>
-          </a:p>
-          <a:p>
-            <a:r>
-              <a:rPr lang="ro-MD" baseline="0" dirty="0" smtClean="0"/>
+              <a:rPr lang="ro-MD" sz="1200" kern="1200" dirty="0" smtClean="0">
+                <a:solidFill>
+                  <a:schemeClr val="tx1"/>
+                </a:solidFill>
+                <a:effectLst/>
+                <a:latin typeface="+mn-lt"/>
+                <a:ea typeface="+mn-ea"/>
+                <a:cs typeface="+mn-cs"/>
+              </a:rPr>
+              <a:t>În urma unor studii realizate se estimează ca pentru anul 2050 circa 66% din populația globului va trăi în mediul urban. Ce înseamnă  o creștere de 3 ori în raport cu cifrele actuale.</a:t>
+            </a:r>
+            <a:endParaRPr lang="en-US" sz="1200" kern="1200" dirty="0" smtClean="0">
+              <a:solidFill>
+                <a:schemeClr val="tx1"/>
+              </a:solidFill>
+              <a:effectLst/>
+              <a:latin typeface="+mn-lt"/>
+              <a:ea typeface="+mn-ea"/>
+              <a:cs typeface="+mn-cs"/>
+            </a:endParaRPr>
+          </a:p>
+          <a:p>
+            <a:r>
+              <a:rPr lang="ro-MD" sz="1200" kern="1200" dirty="0" smtClean="0">
+                <a:solidFill>
+                  <a:schemeClr val="tx1"/>
+                </a:solidFill>
+                <a:effectLst/>
+                <a:latin typeface="+mn-lt"/>
+                <a:ea typeface="+mn-ea"/>
+                <a:cs typeface="+mn-cs"/>
+              </a:rPr>
+              <a:t>Fapt care ar  putea pune în pericol liniștea și </a:t>
+            </a:r>
+            <a:r>
+              <a:rPr lang="en-US" sz="1200" kern="1200" dirty="0" err="1" smtClean="0">
+                <a:solidFill>
+                  <a:schemeClr val="tx1"/>
+                </a:solidFill>
+                <a:effectLst/>
+                <a:latin typeface="+mn-lt"/>
+                <a:ea typeface="+mn-ea"/>
+                <a:cs typeface="+mn-cs"/>
+              </a:rPr>
+              <a:t>confortul</a:t>
+            </a:r>
+            <a:r>
+              <a:rPr lang="en-US" sz="1200" kern="1200" dirty="0" smtClean="0">
+                <a:solidFill>
+                  <a:schemeClr val="tx1"/>
+                </a:solidFill>
+                <a:effectLst/>
+                <a:latin typeface="+mn-lt"/>
+                <a:ea typeface="+mn-ea"/>
+                <a:cs typeface="+mn-cs"/>
+              </a:rPr>
+              <a:t> in </a:t>
+            </a:r>
+            <a:r>
+              <a:rPr lang="en-US" sz="1200" kern="1200" dirty="0" err="1" smtClean="0">
+                <a:solidFill>
+                  <a:schemeClr val="tx1"/>
+                </a:solidFill>
+                <a:effectLst/>
+                <a:latin typeface="+mn-lt"/>
+                <a:ea typeface="+mn-ea"/>
+                <a:cs typeface="+mn-cs"/>
+              </a:rPr>
+              <a:t>cadrul</a:t>
+            </a:r>
+            <a:r>
+              <a:rPr lang="en-US" sz="1200" kern="1200" dirty="0" smtClean="0">
+                <a:solidFill>
+                  <a:schemeClr val="tx1"/>
+                </a:solidFill>
+                <a:effectLst/>
+                <a:latin typeface="+mn-lt"/>
+                <a:ea typeface="+mn-ea"/>
+                <a:cs typeface="+mn-cs"/>
+              </a:rPr>
+              <a:t> </a:t>
+            </a:r>
+            <a:r>
+              <a:rPr lang="en-US" sz="1200" kern="1200" dirty="0" err="1" smtClean="0">
+                <a:solidFill>
+                  <a:schemeClr val="tx1"/>
+                </a:solidFill>
+                <a:effectLst/>
+                <a:latin typeface="+mn-lt"/>
+                <a:ea typeface="+mn-ea"/>
+                <a:cs typeface="+mn-cs"/>
+              </a:rPr>
+              <a:t>unui</a:t>
+            </a:r>
+            <a:r>
+              <a:rPr lang="ro-MD" sz="1200" kern="1200" dirty="0" smtClean="0">
+                <a:solidFill>
+                  <a:schemeClr val="tx1"/>
+                </a:solidFill>
+                <a:effectLst/>
+                <a:latin typeface="+mn-lt"/>
+                <a:ea typeface="+mn-ea"/>
+                <a:cs typeface="+mn-cs"/>
+              </a:rPr>
+              <a:t> oraș.</a:t>
+            </a:r>
+            <a:endParaRPr lang="en-US" sz="1200" kern="1200" dirty="0" smtClean="0">
+              <a:solidFill>
+                <a:schemeClr val="tx1"/>
+              </a:solidFill>
+              <a:effectLst/>
+              <a:latin typeface="+mn-lt"/>
+              <a:ea typeface="+mn-ea"/>
+              <a:cs typeface="+mn-cs"/>
+            </a:endParaRPr>
+          </a:p>
+          <a:p>
+            <a:r>
+              <a:rPr lang="ro-MD" sz="1200" kern="1200" dirty="0" smtClean="0">
+                <a:solidFill>
+                  <a:schemeClr val="tx1"/>
+                </a:solidFill>
+                <a:effectLst/>
+                <a:latin typeface="+mn-lt"/>
+                <a:ea typeface="+mn-ea"/>
+                <a:cs typeface="+mn-cs"/>
+              </a:rPr>
               <a:t>După cum puteți vedea pe slide-ul curent avem 3 componente  ce formează un întreg. </a:t>
             </a:r>
-          </a:p>
-          <a:p>
-            <a:r>
-              <a:rPr lang="ro-MD" baseline="0" dirty="0" smtClean="0"/>
+            <a:endParaRPr lang="en-US" sz="1200" kern="1200" dirty="0" smtClean="0">
+              <a:solidFill>
+                <a:schemeClr val="tx1"/>
+              </a:solidFill>
+              <a:effectLst/>
+              <a:latin typeface="+mn-lt"/>
+              <a:ea typeface="+mn-ea"/>
+              <a:cs typeface="+mn-cs"/>
+            </a:endParaRPr>
+          </a:p>
+          <a:p>
+            <a:r>
+              <a:rPr lang="ro-MD" sz="1200" kern="1200" dirty="0" smtClean="0">
+                <a:solidFill>
+                  <a:schemeClr val="tx1"/>
+                </a:solidFill>
+                <a:effectLst/>
+                <a:latin typeface="+mn-lt"/>
+                <a:ea typeface="+mn-ea"/>
+                <a:cs typeface="+mn-cs"/>
+              </a:rPr>
               <a:t>Orașul în care au loc evenimente</a:t>
             </a:r>
-          </a:p>
-          <a:p>
-            <a:r>
-              <a:rPr lang="ro-MD" baseline="0" dirty="0" smtClean="0"/>
+            <a:endParaRPr lang="en-US" sz="1200" kern="1200" dirty="0" smtClean="0">
+              <a:solidFill>
+                <a:schemeClr val="tx1"/>
+              </a:solidFill>
+              <a:effectLst/>
+              <a:latin typeface="+mn-lt"/>
+              <a:ea typeface="+mn-ea"/>
+              <a:cs typeface="+mn-cs"/>
+            </a:endParaRPr>
+          </a:p>
+          <a:p>
+            <a:r>
+              <a:rPr lang="ro-MD" sz="1200" kern="1200" dirty="0" smtClean="0">
+                <a:solidFill>
+                  <a:schemeClr val="tx1"/>
+                </a:solidFill>
+                <a:effectLst/>
+                <a:latin typeface="+mn-lt"/>
+                <a:ea typeface="+mn-ea"/>
+                <a:cs typeface="+mn-cs"/>
+              </a:rPr>
               <a:t>Și oamenii care merg la acele evenimente</a:t>
             </a:r>
-          </a:p>
-          <a:p>
-            <a:r>
-              <a:rPr lang="ro-MD" baseline="0" dirty="0" smtClean="0"/>
+            <a:endParaRPr lang="en-US" sz="1200" kern="1200" dirty="0" smtClean="0">
+              <a:solidFill>
+                <a:schemeClr val="tx1"/>
+              </a:solidFill>
+              <a:effectLst/>
+              <a:latin typeface="+mn-lt"/>
+              <a:ea typeface="+mn-ea"/>
+              <a:cs typeface="+mn-cs"/>
+            </a:endParaRPr>
+          </a:p>
+          <a:p>
+            <a:r>
+              <a:rPr lang="ro-MD" sz="1200" kern="1200" dirty="0" smtClean="0">
+                <a:solidFill>
+                  <a:schemeClr val="tx1"/>
+                </a:solidFill>
+                <a:effectLst/>
+                <a:latin typeface="+mn-lt"/>
+                <a:ea typeface="+mn-ea"/>
+                <a:cs typeface="+mn-cs"/>
+              </a:rPr>
               <a:t>Imediat se </a:t>
             </a:r>
             <a:r>
-              <a:rPr lang="en-US" baseline="0" dirty="0" smtClean="0"/>
+              <a:rPr lang="en-US" sz="1200" kern="1200" dirty="0" smtClean="0">
+                <a:solidFill>
+                  <a:schemeClr val="tx1"/>
+                </a:solidFill>
+                <a:effectLst/>
+                <a:latin typeface="+mn-lt"/>
+                <a:ea typeface="+mn-ea"/>
+                <a:cs typeface="+mn-cs"/>
+              </a:rPr>
               <a:t>o</a:t>
             </a:r>
             <a:r>
-              <a:rPr lang="ro-MD" baseline="0" dirty="0" smtClean="0"/>
-              <a:t>bservă că evenimentul este puntea ce leagă acele 2 enitntăți </a:t>
-            </a:r>
-          </a:p>
-          <a:p>
-            <a:endParaRPr lang="ro-MD" baseline="0" dirty="0" smtClean="0"/>
-          </a:p>
-          <a:p>
-            <a:r>
-              <a:rPr lang="ro-MD" baseline="0" dirty="0" smtClean="0"/>
+              <a:rPr lang="ro-MD" sz="1200" kern="1200" dirty="0" smtClean="0">
+                <a:solidFill>
+                  <a:schemeClr val="tx1"/>
+                </a:solidFill>
+                <a:effectLst/>
+                <a:latin typeface="+mn-lt"/>
+                <a:ea typeface="+mn-ea"/>
+                <a:cs typeface="+mn-cs"/>
+              </a:rPr>
+              <a:t>bservă că evenimentul este puntea ce leagă acele 2 entități.</a:t>
+            </a:r>
+            <a:endParaRPr lang="en-US" sz="1200" kern="1200" dirty="0" smtClean="0">
+              <a:solidFill>
+                <a:schemeClr val="tx1"/>
+              </a:solidFill>
+              <a:effectLst/>
+              <a:latin typeface="+mn-lt"/>
+              <a:ea typeface="+mn-ea"/>
+              <a:cs typeface="+mn-cs"/>
+            </a:endParaRPr>
+          </a:p>
+          <a:p>
+            <a:r>
+              <a:rPr lang="ro-MD" sz="1200" kern="1200" dirty="0" smtClean="0">
+                <a:solidFill>
+                  <a:schemeClr val="tx1"/>
+                </a:solidFill>
+                <a:effectLst/>
+                <a:latin typeface="+mn-lt"/>
+                <a:ea typeface="+mn-ea"/>
+                <a:cs typeface="+mn-cs"/>
+              </a:rPr>
               <a:t>Cuvintele cheie aici sunt interacțiune, confort , recreare.</a:t>
             </a:r>
-          </a:p>
-          <a:p>
-            <a:r>
-              <a:rPr lang="ro-MD" baseline="0" dirty="0" smtClean="0"/>
-              <a:t>Problema pusă este cum asigur :</a:t>
-            </a:r>
-          </a:p>
-          <a:p>
-            <a:r>
-              <a:rPr lang="ro-MD" baseline="0" dirty="0" smtClean="0"/>
+            <a:endParaRPr lang="en-US" sz="1200" kern="1200" dirty="0" smtClean="0">
+              <a:solidFill>
+                <a:schemeClr val="tx1"/>
+              </a:solidFill>
+              <a:effectLst/>
+              <a:latin typeface="+mn-lt"/>
+              <a:ea typeface="+mn-ea"/>
+              <a:cs typeface="+mn-cs"/>
+            </a:endParaRPr>
+          </a:p>
+          <a:p>
+            <a:r>
+              <a:rPr lang="ro-MD" sz="1200" kern="1200" dirty="0" smtClean="0">
+                <a:solidFill>
+                  <a:schemeClr val="tx1"/>
+                </a:solidFill>
+                <a:effectLst/>
+                <a:latin typeface="+mn-lt"/>
+                <a:ea typeface="+mn-ea"/>
+                <a:cs typeface="+mn-cs"/>
+              </a:rPr>
+              <a:t>Prin urmare problema pusă este cum asigur :</a:t>
+            </a:r>
+            <a:endParaRPr lang="en-US" sz="1200" kern="1200" dirty="0" smtClean="0">
+              <a:solidFill>
+                <a:schemeClr val="tx1"/>
+              </a:solidFill>
+              <a:effectLst/>
+              <a:latin typeface="+mn-lt"/>
+              <a:ea typeface="+mn-ea"/>
+              <a:cs typeface="+mn-cs"/>
+            </a:endParaRPr>
+          </a:p>
+          <a:p>
+            <a:r>
+              <a:rPr lang="ro-MD" sz="1200" kern="1200" dirty="0" smtClean="0">
+                <a:solidFill>
+                  <a:schemeClr val="tx1"/>
+                </a:solidFill>
+                <a:effectLst/>
+                <a:latin typeface="+mn-lt"/>
+                <a:ea typeface="+mn-ea"/>
+                <a:cs typeface="+mn-cs"/>
+              </a:rPr>
               <a:t>	Confortul și recrearea utilizatorului</a:t>
             </a:r>
-          </a:p>
-          <a:p>
-            <a:r>
-              <a:rPr lang="ro-MD" baseline="0" dirty="0" smtClean="0"/>
+            <a:endParaRPr lang="en-US" sz="1200" kern="1200" dirty="0" smtClean="0">
+              <a:solidFill>
+                <a:schemeClr val="tx1"/>
+              </a:solidFill>
+              <a:effectLst/>
+              <a:latin typeface="+mn-lt"/>
+              <a:ea typeface="+mn-ea"/>
+              <a:cs typeface="+mn-cs"/>
+            </a:endParaRPr>
+          </a:p>
+          <a:p>
+            <a:r>
+              <a:rPr lang="ro-MD" sz="1200" kern="1200" dirty="0" smtClean="0">
+                <a:solidFill>
+                  <a:schemeClr val="tx1"/>
+                </a:solidFill>
+                <a:effectLst/>
+                <a:latin typeface="+mn-lt"/>
+                <a:ea typeface="+mn-ea"/>
+                <a:cs typeface="+mn-cs"/>
+              </a:rPr>
               <a:t>	precum si interctiunea oraș - utilizator.</a:t>
             </a:r>
-          </a:p>
-          <a:p>
-            <a:endParaRPr lang="ro-MD" baseline="0" dirty="0" smtClean="0"/>
-          </a:p>
-          <a:p>
-            <a:endParaRPr lang="ro-MD" baseline="0" dirty="0" smtClean="0"/>
-          </a:p>
-          <a:p>
-            <a:endParaRPr lang="ro-MD" baseline="0" dirty="0" smtClean="0"/>
-          </a:p>
-          <a:p>
-            <a:endParaRPr lang="ro-MD" baseline="0" dirty="0" smtClean="0"/>
+            <a:endParaRPr lang="en-US" sz="1200" kern="1200" dirty="0">
+              <a:solidFill>
+                <a:schemeClr val="tx1"/>
+              </a:solidFill>
+              <a:effectLst/>
+              <a:latin typeface="+mn-lt"/>
+              <a:ea typeface="+mn-ea"/>
+              <a:cs typeface="+mn-cs"/>
+            </a:endParaRPr>
           </a:p>
         </p:txBody>
       </p:sp>
@@ -5593,123 +5003,339 @@
           <a:lstStyle/>
           <a:p>
             <a:r>
-              <a:rPr lang="ro-MD" dirty="0" smtClean="0"/>
-              <a:t>Tehnologia</a:t>
-            </a:r>
-            <a:r>
-              <a:rPr lang="ro-MD" baseline="0" dirty="0" smtClean="0"/>
-              <a:t> este cuvantul cheie și anume cu ajutorul cenceptului IoT putem construi un sistem urban integru.</a:t>
-            </a:r>
-          </a:p>
-          <a:p>
-            <a:r>
-              <a:rPr lang="ro-MD" baseline="0" dirty="0" smtClean="0"/>
-              <a:t>Crearea unui mediu social confortabil a devenit scopul principal în cadrul acestei lucrări.</a:t>
-            </a:r>
-          </a:p>
-          <a:p>
-            <a:r>
-              <a:rPr lang="ro-MD" baseline="0" dirty="0" smtClean="0"/>
-              <a:t>Pentru a asigura acest lucru ne focusăm pe colectarea datelor din cadrul orașului</a:t>
-            </a:r>
-          </a:p>
-          <a:p>
-            <a:r>
-              <a:rPr lang="ro-MD" baseline="0" dirty="0" smtClean="0"/>
+              <a:rPr lang="ro-MD" sz="1200" kern="1200" dirty="0" smtClean="0">
+                <a:solidFill>
+                  <a:schemeClr val="tx1"/>
+                </a:solidFill>
+                <a:effectLst/>
+                <a:latin typeface="+mn-lt"/>
+                <a:ea typeface="+mn-ea"/>
+                <a:cs typeface="+mn-cs"/>
+              </a:rPr>
+              <a:t>Tehnologia este cuvantul cheie și anume cu ajutorul cenceptului IoT putem dezvolta un sistem urban integru ce va conduce la crearea unui mediu social confortabil acest lucru fiind scopul principal al lucrări de fata.</a:t>
+            </a:r>
+            <a:endParaRPr lang="en-US" sz="1200" kern="1200" dirty="0" smtClean="0">
+              <a:solidFill>
+                <a:schemeClr val="tx1"/>
+              </a:solidFill>
+              <a:effectLst/>
+              <a:latin typeface="+mn-lt"/>
+              <a:ea typeface="+mn-ea"/>
+              <a:cs typeface="+mn-cs"/>
+            </a:endParaRPr>
+          </a:p>
+          <a:p>
+            <a:r>
+              <a:rPr lang="ro-MD" sz="1200" kern="1200" dirty="0" smtClean="0">
+                <a:solidFill>
+                  <a:schemeClr val="tx1"/>
+                </a:solidFill>
+                <a:effectLst/>
+                <a:latin typeface="+mn-lt"/>
+                <a:ea typeface="+mn-ea"/>
+                <a:cs typeface="+mn-cs"/>
+              </a:rPr>
+              <a:t>Pentru indeplinirea acestui scop ne focusăm pe colectarea datelor din cadrul orașului</a:t>
+            </a:r>
+            <a:endParaRPr lang="en-US" sz="1200" kern="1200" dirty="0" smtClean="0">
+              <a:solidFill>
+                <a:schemeClr val="tx1"/>
+              </a:solidFill>
+              <a:effectLst/>
+              <a:latin typeface="+mn-lt"/>
+              <a:ea typeface="+mn-ea"/>
+              <a:cs typeface="+mn-cs"/>
+            </a:endParaRPr>
+          </a:p>
+          <a:p>
+            <a:r>
+              <a:rPr lang="ro-MD" sz="1200" kern="1200" dirty="0" smtClean="0">
+                <a:solidFill>
+                  <a:schemeClr val="tx1"/>
+                </a:solidFill>
+                <a:effectLst/>
+                <a:latin typeface="+mn-lt"/>
+                <a:ea typeface="+mn-ea"/>
+                <a:cs typeface="+mn-cs"/>
+              </a:rPr>
               <a:t>Acestea fiind:</a:t>
             </a:r>
             <a:br>
-              <a:rPr lang="ro-MD" baseline="0" dirty="0" smtClean="0"/>
+              <a:rPr lang="ro-MD" sz="1200" kern="1200" dirty="0" smtClean="0">
+                <a:solidFill>
+                  <a:schemeClr val="tx1"/>
+                </a:solidFill>
+                <a:effectLst/>
+                <a:latin typeface="+mn-lt"/>
+                <a:ea typeface="+mn-ea"/>
+                <a:cs typeface="+mn-cs"/>
+              </a:rPr>
             </a:br>
             <a:r>
-              <a:rPr lang="ro-MD" baseline="0" dirty="0" smtClean="0"/>
+              <a:rPr lang="ro-MD" sz="1200" kern="1200" dirty="0" smtClean="0">
+                <a:solidFill>
+                  <a:schemeClr val="tx1"/>
+                </a:solidFill>
+                <a:effectLst/>
+                <a:latin typeface="+mn-lt"/>
+                <a:ea typeface="+mn-ea"/>
+                <a:cs typeface="+mn-cs"/>
+              </a:rPr>
+              <a:t>Evenimentele</a:t>
+            </a:r>
+            <a:endParaRPr lang="en-US" sz="1200" kern="1200" dirty="0" smtClean="0">
+              <a:solidFill>
+                <a:schemeClr val="tx1"/>
+              </a:solidFill>
+              <a:effectLst/>
+              <a:latin typeface="+mn-lt"/>
+              <a:ea typeface="+mn-ea"/>
+              <a:cs typeface="+mn-cs"/>
+            </a:endParaRPr>
+          </a:p>
+          <a:p>
+            <a:r>
+              <a:rPr lang="ro-MD" sz="1200" kern="1200" dirty="0" smtClean="0">
+                <a:solidFill>
+                  <a:schemeClr val="tx1"/>
+                </a:solidFill>
+                <a:effectLst/>
+                <a:latin typeface="+mn-lt"/>
+                <a:ea typeface="+mn-ea"/>
+                <a:cs typeface="+mn-cs"/>
+              </a:rPr>
               <a:t>Indicatorul de ecosistem exprimat prin :</a:t>
             </a:r>
-          </a:p>
-          <a:p>
-            <a:r>
-              <a:rPr lang="ro-MD" baseline="0" dirty="0" smtClean="0"/>
+            <a:endParaRPr lang="en-US" sz="1200" kern="1200" dirty="0" smtClean="0">
+              <a:solidFill>
+                <a:schemeClr val="tx1"/>
+              </a:solidFill>
+              <a:effectLst/>
+              <a:latin typeface="+mn-lt"/>
+              <a:ea typeface="+mn-ea"/>
+              <a:cs typeface="+mn-cs"/>
+            </a:endParaRPr>
+          </a:p>
+          <a:p>
+            <a:r>
+              <a:rPr lang="ro-MD" sz="1200" kern="1200" dirty="0" smtClean="0">
+                <a:solidFill>
+                  <a:schemeClr val="tx1"/>
+                </a:solidFill>
+                <a:effectLst/>
+                <a:latin typeface="+mn-lt"/>
+                <a:ea typeface="+mn-ea"/>
+                <a:cs typeface="+mn-cs"/>
+              </a:rPr>
               <a:t>	- nivel de zgomot</a:t>
             </a:r>
-          </a:p>
-          <a:p>
-            <a:r>
-              <a:rPr lang="ro-MD" baseline="0" dirty="0" smtClean="0"/>
+            <a:endParaRPr lang="en-US" sz="1200" kern="1200" dirty="0" smtClean="0">
+              <a:solidFill>
+                <a:schemeClr val="tx1"/>
+              </a:solidFill>
+              <a:effectLst/>
+              <a:latin typeface="+mn-lt"/>
+              <a:ea typeface="+mn-ea"/>
+              <a:cs typeface="+mn-cs"/>
+            </a:endParaRPr>
+          </a:p>
+          <a:p>
+            <a:r>
+              <a:rPr lang="ro-MD" sz="1200" kern="1200" dirty="0" smtClean="0">
+                <a:solidFill>
+                  <a:schemeClr val="tx1"/>
+                </a:solidFill>
+                <a:effectLst/>
+                <a:latin typeface="+mn-lt"/>
+                <a:ea typeface="+mn-ea"/>
+                <a:cs typeface="+mn-cs"/>
+              </a:rPr>
               <a:t>	- starea vremii</a:t>
             </a:r>
-            <a:endParaRPr lang="en-US" baseline="0" dirty="0" smtClean="0"/>
-          </a:p>
-          <a:p>
-            <a:r>
-              <a:rPr lang="en-US" baseline="0" dirty="0" smtClean="0"/>
+            <a:endParaRPr lang="en-US" sz="1200" kern="1200" dirty="0" smtClean="0">
+              <a:solidFill>
+                <a:schemeClr val="tx1"/>
+              </a:solidFill>
+              <a:effectLst/>
+              <a:latin typeface="+mn-lt"/>
+              <a:ea typeface="+mn-ea"/>
+              <a:cs typeface="+mn-cs"/>
+            </a:endParaRPr>
+          </a:p>
+          <a:p>
+            <a:r>
+              <a:rPr lang="en-US" sz="1200" kern="1200" dirty="0" smtClean="0">
+                <a:solidFill>
+                  <a:schemeClr val="tx1"/>
+                </a:solidFill>
+                <a:effectLst/>
+                <a:latin typeface="+mn-lt"/>
+                <a:ea typeface="+mn-ea"/>
+                <a:cs typeface="+mn-cs"/>
+              </a:rPr>
               <a:t>		-temperature.</a:t>
             </a:r>
           </a:p>
           <a:p>
             <a:r>
-              <a:rPr lang="en-US" baseline="0" dirty="0" smtClean="0"/>
+              <a:rPr lang="en-US" sz="1200" kern="1200" dirty="0" smtClean="0">
+                <a:solidFill>
+                  <a:schemeClr val="tx1"/>
+                </a:solidFill>
+                <a:effectLst/>
+                <a:latin typeface="+mn-lt"/>
+                <a:ea typeface="+mn-ea"/>
+                <a:cs typeface="+mn-cs"/>
+              </a:rPr>
               <a:t>		-</a:t>
             </a:r>
             <a:r>
-              <a:rPr lang="en-US" baseline="0" dirty="0" err="1" smtClean="0"/>
+              <a:rPr lang="en-US" sz="1200" kern="1200" dirty="0" err="1" smtClean="0">
+                <a:solidFill>
+                  <a:schemeClr val="tx1"/>
+                </a:solidFill>
+                <a:effectLst/>
+                <a:latin typeface="+mn-lt"/>
+                <a:ea typeface="+mn-ea"/>
+                <a:cs typeface="+mn-cs"/>
+              </a:rPr>
               <a:t>presiune</a:t>
             </a:r>
             <a:r>
-              <a:rPr lang="en-US" baseline="0" dirty="0" smtClean="0"/>
+              <a:rPr lang="en-US" sz="1200" kern="1200" dirty="0" smtClean="0">
+                <a:solidFill>
+                  <a:schemeClr val="tx1"/>
+                </a:solidFill>
+                <a:effectLst/>
+                <a:latin typeface="+mn-lt"/>
+                <a:ea typeface="+mn-ea"/>
+                <a:cs typeface="+mn-cs"/>
+              </a:rPr>
               <a:t>.</a:t>
             </a:r>
           </a:p>
           <a:p>
             <a:r>
-              <a:rPr lang="en-US" baseline="0" dirty="0" smtClean="0"/>
+              <a:rPr lang="en-US" sz="1200" kern="1200" dirty="0" smtClean="0">
+                <a:solidFill>
+                  <a:schemeClr val="tx1"/>
+                </a:solidFill>
+                <a:effectLst/>
+                <a:latin typeface="+mn-lt"/>
+                <a:ea typeface="+mn-ea"/>
+                <a:cs typeface="+mn-cs"/>
+              </a:rPr>
               <a:t>		-</a:t>
             </a:r>
             <a:r>
-              <a:rPr lang="en-US" baseline="0" dirty="0" err="1" smtClean="0"/>
+              <a:rPr lang="en-US" sz="1200" kern="1200" dirty="0" err="1" smtClean="0">
+                <a:solidFill>
+                  <a:schemeClr val="tx1"/>
+                </a:solidFill>
+                <a:effectLst/>
+                <a:latin typeface="+mn-lt"/>
+                <a:ea typeface="+mn-ea"/>
+                <a:cs typeface="+mn-cs"/>
+              </a:rPr>
               <a:t>precipitatii</a:t>
             </a:r>
             <a:r>
-              <a:rPr lang="en-US" baseline="0" dirty="0" smtClean="0"/>
+              <a:rPr lang="en-US" sz="1200" kern="1200" dirty="0" smtClean="0">
+                <a:solidFill>
+                  <a:schemeClr val="tx1"/>
+                </a:solidFill>
+                <a:effectLst/>
+                <a:latin typeface="+mn-lt"/>
+                <a:ea typeface="+mn-ea"/>
+                <a:cs typeface="+mn-cs"/>
+              </a:rPr>
               <a:t>.</a:t>
             </a:r>
           </a:p>
           <a:p>
             <a:r>
-              <a:rPr lang="en-US" baseline="0" dirty="0" smtClean="0"/>
+              <a:rPr lang="en-US" sz="1200" kern="1200" dirty="0" smtClean="0">
+                <a:solidFill>
+                  <a:schemeClr val="tx1"/>
+                </a:solidFill>
+                <a:effectLst/>
+                <a:latin typeface="+mn-lt"/>
+                <a:ea typeface="+mn-ea"/>
+                <a:cs typeface="+mn-cs"/>
+              </a:rPr>
               <a:t>		-</a:t>
             </a:r>
             <a:r>
-              <a:rPr lang="en-US" baseline="0" dirty="0" err="1" smtClean="0"/>
+              <a:rPr lang="en-US" sz="1200" kern="1200" dirty="0" err="1" smtClean="0">
+                <a:solidFill>
+                  <a:schemeClr val="tx1"/>
+                </a:solidFill>
+                <a:effectLst/>
+                <a:latin typeface="+mn-lt"/>
+                <a:ea typeface="+mn-ea"/>
+                <a:cs typeface="+mn-cs"/>
+              </a:rPr>
               <a:t>viteza</a:t>
             </a:r>
             <a:r>
-              <a:rPr lang="en-US" baseline="0" dirty="0" smtClean="0"/>
+              <a:rPr lang="en-US" sz="1200" kern="1200" dirty="0" smtClean="0">
+                <a:solidFill>
+                  <a:schemeClr val="tx1"/>
+                </a:solidFill>
+                <a:effectLst/>
+                <a:latin typeface="+mn-lt"/>
+                <a:ea typeface="+mn-ea"/>
+                <a:cs typeface="+mn-cs"/>
+              </a:rPr>
               <a:t> </a:t>
             </a:r>
             <a:r>
-              <a:rPr lang="en-US" baseline="0" dirty="0" err="1" smtClean="0"/>
+              <a:rPr lang="en-US" sz="1200" kern="1200" dirty="0" err="1" smtClean="0">
+                <a:solidFill>
+                  <a:schemeClr val="tx1"/>
+                </a:solidFill>
+                <a:effectLst/>
+                <a:latin typeface="+mn-lt"/>
+                <a:ea typeface="+mn-ea"/>
+                <a:cs typeface="+mn-cs"/>
+              </a:rPr>
               <a:t>vantului</a:t>
             </a:r>
             <a:r>
-              <a:rPr lang="en-US" baseline="0" dirty="0" smtClean="0"/>
+              <a:rPr lang="en-US" sz="1200" kern="1200" dirty="0" smtClean="0">
+                <a:solidFill>
+                  <a:schemeClr val="tx1"/>
+                </a:solidFill>
+                <a:effectLst/>
+                <a:latin typeface="+mn-lt"/>
+                <a:ea typeface="+mn-ea"/>
+                <a:cs typeface="+mn-cs"/>
+              </a:rPr>
               <a:t>.</a:t>
             </a:r>
-            <a:endParaRPr lang="ro-MD" baseline="0" dirty="0" smtClean="0"/>
-          </a:p>
-          <a:p>
-            <a:r>
-              <a:rPr lang="ro-MD" baseline="0" dirty="0" smtClean="0"/>
-              <a:t>Și evenimente.</a:t>
-            </a:r>
-          </a:p>
-          <a:p>
-            <a:endParaRPr lang="ro-MD" baseline="0" dirty="0" smtClean="0"/>
-          </a:p>
-          <a:p>
-            <a:r>
-              <a:rPr lang="ro-MD" baseline="0" dirty="0" smtClean="0"/>
-              <a:t>Astfel putem realiza o interacțiune cetățean-oraș mai productivă oferind informații din urma cărora utilizatorul să poată lua decizia de a merge sau nu intr-o anumita zona ori la un anumit eveniment. </a:t>
-            </a:r>
+          </a:p>
+          <a:p>
+            <a:r>
+              <a:rPr lang="ro-MD" sz="1200" kern="1200" dirty="0" smtClean="0">
+                <a:solidFill>
+                  <a:schemeClr val="tx1"/>
+                </a:solidFill>
+                <a:effectLst/>
+                <a:latin typeface="+mn-lt"/>
+                <a:ea typeface="+mn-ea"/>
+                <a:cs typeface="+mn-cs"/>
+              </a:rPr>
+              <a:t>Odata ce avem aceste date putem realiza o interacțiune cetățean-oraș mai productivă oferind informații din urma cărora utilizatorul să poată lua decizia de a merge sau nu intr-o anumita zona ori la un anumit eveniment.</a:t>
+            </a:r>
+            <a:endParaRPr lang="en-US" sz="1200" kern="1200" dirty="0">
+              <a:solidFill>
+                <a:schemeClr val="tx1"/>
+              </a:solidFill>
+              <a:effectLst/>
+              <a:latin typeface="+mn-lt"/>
+              <a:ea typeface="+mn-ea"/>
+              <a:cs typeface="+mn-cs"/>
+            </a:endParaRPr>
           </a:p>
         </p:txBody>
       </p:sp>
@@ -5794,64 +5420,251 @@
           <a:lstStyle/>
           <a:p>
             <a:r>
-              <a:rPr lang="ro-MD" dirty="0" smtClean="0"/>
+              <a:rPr lang="ro-MD" sz="1200" kern="1200" dirty="0" smtClean="0">
+                <a:solidFill>
+                  <a:schemeClr val="tx1"/>
+                </a:solidFill>
+                <a:effectLst/>
+                <a:latin typeface="+mn-lt"/>
+                <a:ea typeface="+mn-ea"/>
+                <a:cs typeface="+mn-cs"/>
+              </a:rPr>
               <a:t>Ce am creat?</a:t>
             </a:r>
-          </a:p>
-          <a:p>
-            <a:endParaRPr lang="ro-MD" dirty="0" smtClean="0"/>
-          </a:p>
-          <a:p>
-            <a:r>
-              <a:rPr lang="ro-MD" dirty="0" smtClean="0"/>
-              <a:t>Împlementarea</a:t>
-            </a:r>
-            <a:r>
-              <a:rPr lang="ro-MD" baseline="0" dirty="0" smtClean="0"/>
-              <a:t> tehnologică a soluției cu care am venit este o platformă web</a:t>
-            </a:r>
-          </a:p>
-          <a:p>
-            <a:r>
-              <a:rPr lang="ro-MD" baseline="0" dirty="0" smtClean="0"/>
+            <a:endParaRPr lang="en-US" sz="1200" kern="1200" dirty="0" smtClean="0">
+              <a:solidFill>
+                <a:schemeClr val="tx1"/>
+              </a:solidFill>
+              <a:effectLst/>
+              <a:latin typeface="+mn-lt"/>
+              <a:ea typeface="+mn-ea"/>
+              <a:cs typeface="+mn-cs"/>
+            </a:endParaRPr>
+          </a:p>
+          <a:p>
+            <a:r>
+              <a:rPr lang="ro-MD" sz="1200" kern="1200" dirty="0" smtClean="0">
+                <a:solidFill>
+                  <a:schemeClr val="tx1"/>
+                </a:solidFill>
+                <a:effectLst/>
+                <a:latin typeface="+mn-lt"/>
+                <a:ea typeface="+mn-ea"/>
+                <a:cs typeface="+mn-cs"/>
+              </a:rPr>
+              <a:t>Implementarea tehnologică a soluției cu care am venit este o platformă web</a:t>
+            </a:r>
+            <a:endParaRPr lang="en-US" sz="1200" kern="1200" dirty="0" smtClean="0">
+              <a:solidFill>
+                <a:schemeClr val="tx1"/>
+              </a:solidFill>
+              <a:effectLst/>
+              <a:latin typeface="+mn-lt"/>
+              <a:ea typeface="+mn-ea"/>
+              <a:cs typeface="+mn-cs"/>
+            </a:endParaRPr>
+          </a:p>
+          <a:p>
+            <a:r>
+              <a:rPr lang="ro-MD" sz="1200" kern="1200" dirty="0" smtClean="0">
+                <a:solidFill>
+                  <a:schemeClr val="tx1"/>
+                </a:solidFill>
+                <a:effectLst/>
+                <a:latin typeface="+mn-lt"/>
+                <a:ea typeface="+mn-ea"/>
+                <a:cs typeface="+mn-cs"/>
+              </a:rPr>
               <a:t>Cu un thin client (în forma unei aplicații mobil)</a:t>
             </a:r>
             <a:r>
-              <a:rPr lang="en-US" baseline="0" dirty="0" smtClean="0"/>
-              <a:t>. Un server de </a:t>
-            </a:r>
-            <a:r>
-              <a:rPr lang="en-US" baseline="0" dirty="0" err="1" smtClean="0"/>
+              <a:rPr lang="en-US" sz="1200" kern="1200" dirty="0" smtClean="0">
+                <a:solidFill>
+                  <a:schemeClr val="tx1"/>
+                </a:solidFill>
+                <a:effectLst/>
+                <a:latin typeface="+mn-lt"/>
+                <a:ea typeface="+mn-ea"/>
+                <a:cs typeface="+mn-cs"/>
+              </a:rPr>
+              <a:t>. </a:t>
+            </a:r>
+          </a:p>
+          <a:p>
+            <a:r>
+              <a:rPr lang="en-US" sz="1200" kern="1200" dirty="0" smtClean="0">
+                <a:solidFill>
+                  <a:schemeClr val="tx1"/>
+                </a:solidFill>
+                <a:effectLst/>
+                <a:latin typeface="+mn-lt"/>
+                <a:ea typeface="+mn-ea"/>
+                <a:cs typeface="+mn-cs"/>
+              </a:rPr>
+              <a:t>Un server de </a:t>
+            </a:r>
+            <a:r>
+              <a:rPr lang="en-US" sz="1200" kern="1200" dirty="0" err="1" smtClean="0">
+                <a:solidFill>
+                  <a:schemeClr val="tx1"/>
+                </a:solidFill>
+                <a:effectLst/>
+                <a:latin typeface="+mn-lt"/>
+                <a:ea typeface="+mn-ea"/>
+                <a:cs typeface="+mn-cs"/>
+              </a:rPr>
               <a:t>procesare</a:t>
             </a:r>
             <a:r>
-              <a:rPr lang="en-US" baseline="0" dirty="0" smtClean="0"/>
+              <a:rPr lang="en-US" sz="1200" kern="1200" dirty="0" smtClean="0">
+                <a:solidFill>
+                  <a:schemeClr val="tx1"/>
+                </a:solidFill>
+                <a:effectLst/>
+                <a:latin typeface="+mn-lt"/>
+                <a:ea typeface="+mn-ea"/>
+                <a:cs typeface="+mn-cs"/>
+              </a:rPr>
               <a:t> a </a:t>
             </a:r>
             <a:r>
-              <a:rPr lang="en-US" baseline="0" dirty="0" err="1" smtClean="0"/>
+              <a:rPr lang="en-US" sz="1200" kern="1200" dirty="0" err="1" smtClean="0">
+                <a:solidFill>
+                  <a:schemeClr val="tx1"/>
+                </a:solidFill>
+                <a:effectLst/>
+                <a:latin typeface="+mn-lt"/>
+                <a:ea typeface="+mn-ea"/>
+                <a:cs typeface="+mn-cs"/>
+              </a:rPr>
               <a:t>cererilor</a:t>
             </a:r>
-            <a:r>
-              <a:rPr lang="ru-RU" baseline="0" dirty="0" smtClean="0"/>
+            <a:endParaRPr lang="en-US" sz="1200" kern="1200" dirty="0" smtClean="0">
+              <a:solidFill>
+                <a:schemeClr val="tx1"/>
+              </a:solidFill>
+              <a:effectLst/>
+              <a:latin typeface="+mn-lt"/>
+              <a:ea typeface="+mn-ea"/>
+              <a:cs typeface="+mn-cs"/>
+            </a:endParaRPr>
+          </a:p>
+          <a:p>
+            <a:r>
+              <a:rPr lang="en-US" sz="1200" kern="1200" dirty="0" smtClean="0">
+                <a:solidFill>
+                  <a:schemeClr val="tx1"/>
+                </a:solidFill>
+                <a:effectLst/>
+                <a:latin typeface="+mn-lt"/>
+                <a:ea typeface="+mn-ea"/>
+                <a:cs typeface="+mn-cs"/>
+              </a:rPr>
+              <a:t>Si</a:t>
+            </a:r>
+            <a:r>
+              <a:rPr lang="ro-MD" sz="1200" kern="1200" dirty="0" smtClean="0">
+                <a:solidFill>
+                  <a:schemeClr val="tx1"/>
+                </a:solidFill>
+                <a:effectLst/>
+                <a:latin typeface="+mn-lt"/>
+                <a:ea typeface="+mn-ea"/>
+                <a:cs typeface="+mn-cs"/>
+              </a:rPr>
+              <a:t> un API RESTfull de evenimente. </a:t>
+            </a:r>
+            <a:endParaRPr lang="en-US" sz="1200" kern="1200" dirty="0" smtClean="0">
+              <a:solidFill>
+                <a:schemeClr val="tx1"/>
+              </a:solidFill>
+              <a:effectLst/>
+              <a:latin typeface="+mn-lt"/>
+              <a:ea typeface="+mn-ea"/>
+              <a:cs typeface="+mn-cs"/>
+            </a:endParaRPr>
+          </a:p>
+          <a:p>
+            <a:r>
+              <a:rPr lang="ro-MD" sz="1200" kern="1200" dirty="0" smtClean="0">
+                <a:solidFill>
+                  <a:schemeClr val="tx1"/>
+                </a:solidFill>
+                <a:effectLst/>
+                <a:latin typeface="+mn-lt"/>
+                <a:ea typeface="+mn-ea"/>
+                <a:cs typeface="+mn-cs"/>
+              </a:rPr>
+              <a:t>Platforma a reușite să integreze entitățile discutate anterior. Utilizand servicii cloud am făcut disponibile resursele platformei pentru orice dispozitiv mobil ce are instalata</a:t>
+            </a:r>
+            <a:r>
+              <a:rPr lang="en-US" sz="1200" kern="1200" dirty="0" smtClean="0">
+                <a:solidFill>
+                  <a:schemeClr val="tx1"/>
+                </a:solidFill>
+                <a:effectLst/>
+                <a:latin typeface="+mn-lt"/>
+                <a:ea typeface="+mn-ea"/>
+                <a:cs typeface="+mn-cs"/>
+              </a:rPr>
               <a:t> </a:t>
             </a:r>
             <a:r>
-              <a:rPr lang="ro-MD" baseline="0" dirty="0" smtClean="0"/>
-              <a:t>și un API REST-full de evenimente. Platforma a reușite să integreze entitățile discutate anterior. Utilizand servicii cloud am făcut disponibile resursele platformei pentru orice dispozitiv ce are instalata clientul.</a:t>
-            </a:r>
-          </a:p>
-          <a:p>
-            <a:endParaRPr lang="ro-MD" baseline="0" dirty="0" smtClean="0"/>
-          </a:p>
-          <a:p>
-            <a:r>
-              <a:rPr lang="ro-MD" baseline="0" dirty="0" smtClean="0"/>
+              <a:rPr lang="en-US" sz="1200" kern="1200" dirty="0" err="1" smtClean="0">
+                <a:solidFill>
+                  <a:schemeClr val="tx1"/>
+                </a:solidFill>
+                <a:effectLst/>
+                <a:latin typeface="+mn-lt"/>
+                <a:ea typeface="+mn-ea"/>
+                <a:cs typeface="+mn-cs"/>
+              </a:rPr>
+              <a:t>aplica</a:t>
+            </a:r>
+            <a:r>
+              <a:rPr lang="ro-MD" sz="1200" kern="1200" dirty="0" smtClean="0">
+                <a:solidFill>
+                  <a:schemeClr val="tx1"/>
+                </a:solidFill>
+                <a:effectLst/>
+                <a:latin typeface="+mn-lt"/>
+                <a:ea typeface="+mn-ea"/>
+                <a:cs typeface="+mn-cs"/>
+              </a:rPr>
+              <a:t>ția client.</a:t>
+            </a:r>
+            <a:endParaRPr lang="en-US" sz="1200" kern="1200" dirty="0" smtClean="0">
+              <a:solidFill>
+                <a:schemeClr val="tx1"/>
+              </a:solidFill>
+              <a:effectLst/>
+              <a:latin typeface="+mn-lt"/>
+              <a:ea typeface="+mn-ea"/>
+              <a:cs typeface="+mn-cs"/>
+            </a:endParaRPr>
+          </a:p>
+          <a:p>
+            <a:r>
+              <a:rPr lang="ro-MD" sz="1200" kern="1200" dirty="0" smtClean="0">
+                <a:solidFill>
+                  <a:schemeClr val="tx1"/>
+                </a:solidFill>
+                <a:effectLst/>
+                <a:latin typeface="+mn-lt"/>
+                <a:ea typeface="+mn-ea"/>
+                <a:cs typeface="+mn-cs"/>
+              </a:rPr>
               <a:t>Să urmărim aspectele arhitecturale ale acestora</a:t>
             </a:r>
-          </a:p>
-          <a:p>
-            <a:endParaRPr lang="ro-MD" dirty="0" smtClean="0"/>
+            <a:endParaRPr lang="en-US" sz="1200" kern="1200" dirty="0">
+              <a:solidFill>
+                <a:schemeClr val="tx1"/>
+              </a:solidFill>
+              <a:effectLst/>
+              <a:latin typeface="+mn-lt"/>
+              <a:ea typeface="+mn-ea"/>
+              <a:cs typeface="+mn-cs"/>
+            </a:endParaRPr>
           </a:p>
         </p:txBody>
       </p:sp>
@@ -5936,74 +5749,275 @@
           <a:lstStyle/>
           <a:p>
             <a:r>
-              <a:rPr lang="ro-MD" dirty="0" smtClean="0"/>
-              <a:t>Aplicația mobil este construită</a:t>
-            </a:r>
-            <a:r>
-              <a:rPr lang="ro-MD" baseline="0" dirty="0" smtClean="0"/>
-              <a:t> folosind framework-ul Ionic 2 și angular 2</a:t>
-            </a:r>
-          </a:p>
-          <a:p>
-            <a:r>
-              <a:rPr lang="ro-MD" baseline="0" dirty="0" smtClean="0"/>
+              <a:rPr lang="ro-MD" sz="1200" kern="1200" dirty="0" smtClean="0">
+                <a:solidFill>
+                  <a:schemeClr val="tx1"/>
+                </a:solidFill>
+                <a:effectLst/>
+                <a:latin typeface="+mn-lt"/>
+                <a:ea typeface="+mn-ea"/>
+                <a:cs typeface="+mn-cs"/>
+              </a:rPr>
+              <a:t>Aplicația mobil este construită folosind framework-ul Ionic 2 și angular 2</a:t>
+            </a:r>
+            <a:endParaRPr lang="en-US" sz="1100" kern="1200" dirty="0" smtClean="0">
+              <a:solidFill>
+                <a:schemeClr val="tx1"/>
+              </a:solidFill>
+              <a:effectLst/>
+              <a:latin typeface="+mn-lt"/>
+              <a:ea typeface="+mn-ea"/>
+              <a:cs typeface="+mn-cs"/>
+            </a:endParaRPr>
+          </a:p>
+          <a:p>
+            <a:pPr lvl="0"/>
+            <a:r>
+              <a:rPr lang="ro-MD" sz="1200" kern="1200" dirty="0" smtClean="0">
+                <a:solidFill>
+                  <a:schemeClr val="tx1"/>
+                </a:solidFill>
+                <a:effectLst/>
+                <a:latin typeface="+mn-lt"/>
+                <a:ea typeface="+mn-ea"/>
+                <a:cs typeface="+mn-cs"/>
+              </a:rPr>
               <a:t>Datorită Framework-ului Ionic2 și pluginurilor cordova am acces nativ la senzorii dispozitivului astfel monitorzand nivelul de zgomot de la locatia curenta a utilizatorului.</a:t>
             </a:r>
-          </a:p>
-          <a:p>
-            <a:endParaRPr lang="ro-MD" baseline="0" dirty="0" smtClean="0"/>
-          </a:p>
-          <a:p>
-            <a:r>
-              <a:rPr lang="ro-MD" baseline="0" dirty="0" smtClean="0"/>
-              <a:t>Partea de server este in nodejs ce este conectată baza de date in </a:t>
-            </a:r>
-            <a:r>
-              <a:rPr lang="ro-MD" baseline="0" smtClean="0"/>
-              <a:t>memory redis </a:t>
-            </a:r>
-            <a:r>
-              <a:rPr lang="ro-MD" baseline="0" dirty="0" smtClean="0"/>
-              <a:t>care este hostata pe o instantanta de ec2</a:t>
-            </a:r>
-          </a:p>
-          <a:p>
-            <a:endParaRPr lang="ro-MD" baseline="0" dirty="0" smtClean="0"/>
-          </a:p>
-          <a:p>
-            <a:pPr marL="0" marR="0" indent="0" algn="l" defTabSz="914400" rtl="0" eaLnBrk="1" fontAlgn="auto" latinLnBrk="0" hangingPunct="1">
-              <a:lnSpc>
-                <a:spcPct val="100000"/>
-              </a:lnSpc>
-              <a:spcBef>
-                <a:spcPts val="0"/>
-              </a:spcBef>
-              <a:spcAft>
-                <a:spcPts val="0"/>
-              </a:spcAft>
-              <a:buClrTx/>
-              <a:buSzTx/>
-              <a:buFontTx/>
-              <a:buNone/>
-              <a:tabLst/>
-              <a:defRPr/>
-            </a:pPr>
-            <a:r>
-              <a:rPr lang="ro-MD" baseline="0" dirty="0" smtClean="0"/>
+            <a:endParaRPr lang="en-US" sz="1100" kern="1200" dirty="0" smtClean="0">
+              <a:solidFill>
+                <a:schemeClr val="tx1"/>
+              </a:solidFill>
+              <a:effectLst/>
+              <a:latin typeface="+mn-lt"/>
+              <a:ea typeface="+mn-ea"/>
+              <a:cs typeface="+mn-cs"/>
+            </a:endParaRPr>
+          </a:p>
+          <a:p>
+            <a:r>
+              <a:rPr lang="ro-MD" sz="1200" kern="1200" dirty="0" smtClean="0">
+                <a:solidFill>
+                  <a:schemeClr val="tx1"/>
+                </a:solidFill>
+                <a:effectLst/>
+                <a:latin typeface="+mn-lt"/>
+                <a:ea typeface="+mn-ea"/>
+                <a:cs typeface="+mn-cs"/>
+              </a:rPr>
+              <a:t>Partea de server este scrisa in nodejs folosind framework-ul express ce este conectată baza de date in memory redis </a:t>
+            </a:r>
+            <a:endParaRPr lang="en-US" sz="1100" kern="1200" dirty="0" smtClean="0">
+              <a:solidFill>
+                <a:schemeClr val="tx1"/>
+              </a:solidFill>
+              <a:effectLst/>
+              <a:latin typeface="+mn-lt"/>
+              <a:ea typeface="+mn-ea"/>
+              <a:cs typeface="+mn-cs"/>
+            </a:endParaRPr>
+          </a:p>
+          <a:p>
+            <a:pPr lvl="0"/>
+            <a:r>
+              <a:rPr lang="ro-MD" sz="1200" kern="1200" dirty="0" smtClean="0">
+                <a:solidFill>
+                  <a:schemeClr val="tx1"/>
+                </a:solidFill>
+                <a:effectLst/>
+                <a:latin typeface="+mn-lt"/>
+                <a:ea typeface="+mn-ea"/>
+                <a:cs typeface="+mn-cs"/>
+              </a:rPr>
+              <a:t>Serverul e hostat pe o instantanta de ec2</a:t>
+            </a:r>
+            <a:endParaRPr lang="en-US" sz="1100" kern="1200" dirty="0" smtClean="0">
+              <a:solidFill>
+                <a:schemeClr val="tx1"/>
+              </a:solidFill>
+              <a:effectLst/>
+              <a:latin typeface="+mn-lt"/>
+              <a:ea typeface="+mn-ea"/>
+              <a:cs typeface="+mn-cs"/>
+            </a:endParaRPr>
+          </a:p>
+          <a:p>
+            <a:r>
+              <a:rPr lang="ro-MD" sz="1200" kern="1200" dirty="0" smtClean="0">
+                <a:solidFill>
+                  <a:schemeClr val="tx1"/>
+                </a:solidFill>
+                <a:effectLst/>
+                <a:latin typeface="+mn-lt"/>
+                <a:ea typeface="+mn-ea"/>
+                <a:cs typeface="+mn-cs"/>
+              </a:rPr>
               <a:t>Serverul eventApi oferă un API REST-full  ce ruleaza în cloud-ul Microsoft Azure</a:t>
             </a:r>
-          </a:p>
-          <a:p>
-            <a:r>
-              <a:rPr lang="ro-MD" baseline="0" dirty="0" smtClean="0"/>
-              <a:t>Funția acestuia este de a realiza operații CRUD asupra coleției de evenimente. Acesta e conectaăt la o baza de date global distribuită Cosmos DB</a:t>
-            </a:r>
-          </a:p>
-          <a:p>
-            <a:endParaRPr lang="ro-MD" baseline="0" dirty="0" smtClean="0"/>
-          </a:p>
-          <a:p>
-            <a:endParaRPr lang="en-US" dirty="0"/>
+            <a:endParaRPr lang="en-US" sz="1100" kern="1200" dirty="0" smtClean="0">
+              <a:solidFill>
+                <a:schemeClr val="tx1"/>
+              </a:solidFill>
+              <a:effectLst/>
+              <a:latin typeface="+mn-lt"/>
+              <a:ea typeface="+mn-ea"/>
+              <a:cs typeface="+mn-cs"/>
+            </a:endParaRPr>
+          </a:p>
+          <a:p>
+            <a:pPr lvl="0"/>
+            <a:r>
+              <a:rPr lang="ro-MD" sz="1200" kern="1200" dirty="0" smtClean="0">
+                <a:solidFill>
+                  <a:schemeClr val="tx1"/>
+                </a:solidFill>
+                <a:effectLst/>
+                <a:latin typeface="+mn-lt"/>
+                <a:ea typeface="+mn-ea"/>
+                <a:cs typeface="+mn-cs"/>
+              </a:rPr>
+              <a:t>Funția lui este de a realiza operații CRUD asupra coleției de evenimente. Acesta e conectaăt la o baza de date global distribuită Cosmos DB</a:t>
+            </a:r>
+            <a:endParaRPr lang="en-US" sz="1100" kern="1200" dirty="0" smtClean="0">
+              <a:solidFill>
+                <a:schemeClr val="tx1"/>
+              </a:solidFill>
+              <a:effectLst/>
+              <a:latin typeface="+mn-lt"/>
+              <a:ea typeface="+mn-ea"/>
+              <a:cs typeface="+mn-cs"/>
+            </a:endParaRPr>
+          </a:p>
+          <a:p>
+            <a:r>
+              <a:rPr lang="en-GB" sz="1200" kern="1200" dirty="0" err="1" smtClean="0">
+                <a:solidFill>
+                  <a:schemeClr val="tx1"/>
+                </a:solidFill>
+                <a:effectLst/>
+                <a:latin typeface="+mn-lt"/>
+                <a:ea typeface="+mn-ea"/>
+                <a:cs typeface="+mn-cs"/>
+              </a:rPr>
+              <a:t>Interac</a:t>
+            </a:r>
+            <a:r>
+              <a:rPr lang="ro-MD" sz="1200" kern="1200" dirty="0" smtClean="0">
+                <a:solidFill>
+                  <a:schemeClr val="tx1"/>
+                </a:solidFill>
+                <a:effectLst/>
+                <a:latin typeface="+mn-lt"/>
+                <a:ea typeface="+mn-ea"/>
+                <a:cs typeface="+mn-cs"/>
+              </a:rPr>
+              <a:t>țiunea dintre aceste componente este urmatoarea</a:t>
+            </a:r>
+            <a:endParaRPr lang="en-US" sz="1100" kern="1200" dirty="0" smtClean="0">
+              <a:solidFill>
+                <a:schemeClr val="tx1"/>
+              </a:solidFill>
+              <a:effectLst/>
+              <a:latin typeface="+mn-lt"/>
+              <a:ea typeface="+mn-ea"/>
+              <a:cs typeface="+mn-cs"/>
+            </a:endParaRPr>
+          </a:p>
+          <a:p>
+            <a:pPr lvl="0"/>
+            <a:r>
+              <a:rPr lang="ro-MD" sz="1200" kern="1200" dirty="0" smtClean="0">
+                <a:solidFill>
+                  <a:schemeClr val="tx1"/>
+                </a:solidFill>
+                <a:effectLst/>
+                <a:latin typeface="+mn-lt"/>
+                <a:ea typeface="+mn-ea"/>
+                <a:cs typeface="+mn-cs"/>
+              </a:rPr>
+              <a:t>Clientul monitorizeaza nivelul de zgomot și locatia sa și tirmite aceste date catre server</a:t>
+            </a:r>
+            <a:endParaRPr lang="en-US" sz="1100" kern="1200" dirty="0" smtClean="0">
+              <a:solidFill>
+                <a:schemeClr val="tx1"/>
+              </a:solidFill>
+              <a:effectLst/>
+              <a:latin typeface="+mn-lt"/>
+              <a:ea typeface="+mn-ea"/>
+              <a:cs typeface="+mn-cs"/>
+            </a:endParaRPr>
+          </a:p>
+          <a:p>
+            <a:pPr lvl="0"/>
+            <a:r>
+              <a:rPr lang="ro-MD" sz="1200" kern="1200" dirty="0" smtClean="0">
+                <a:solidFill>
+                  <a:schemeClr val="tx1"/>
+                </a:solidFill>
+                <a:effectLst/>
+                <a:latin typeface="+mn-lt"/>
+                <a:ea typeface="+mn-ea"/>
+                <a:cs typeface="+mn-cs"/>
+              </a:rPr>
+              <a:t>Serverul la randul sau proceseaza aceste date, determina orașul in care se afla clientul</a:t>
+            </a:r>
+            <a:endParaRPr lang="en-US" sz="1100" kern="1200" dirty="0" smtClean="0">
+              <a:solidFill>
+                <a:schemeClr val="tx1"/>
+              </a:solidFill>
+              <a:effectLst/>
+              <a:latin typeface="+mn-lt"/>
+              <a:ea typeface="+mn-ea"/>
+              <a:cs typeface="+mn-cs"/>
+            </a:endParaRPr>
+          </a:p>
+          <a:p>
+            <a:pPr lvl="1"/>
+            <a:r>
+              <a:rPr lang="ro-MD" sz="1200" kern="1200" dirty="0" smtClean="0">
+                <a:solidFill>
+                  <a:schemeClr val="tx1"/>
+                </a:solidFill>
+                <a:effectLst/>
+                <a:latin typeface="+mn-lt"/>
+                <a:ea typeface="+mn-ea"/>
+                <a:cs typeface="+mn-cs"/>
+              </a:rPr>
+              <a:t>Apeleaza la eventApi pentru a lua evenimentele din apropierea utilizatorului și la Api-ul google Places pentru a vedea localurile din apropiere și la weather api pentru a colecta informatiile refereitoare la starea vremii</a:t>
+            </a:r>
+            <a:endParaRPr lang="en-US" sz="1100" kern="1200" dirty="0" smtClean="0">
+              <a:solidFill>
+                <a:schemeClr val="tx1"/>
+              </a:solidFill>
+              <a:effectLst/>
+              <a:latin typeface="+mn-lt"/>
+              <a:ea typeface="+mn-ea"/>
+              <a:cs typeface="+mn-cs"/>
+            </a:endParaRPr>
+          </a:p>
+          <a:p>
+            <a:pPr lvl="1"/>
+            <a:r>
+              <a:rPr lang="ro-MD" sz="1200" kern="1200" dirty="0" smtClean="0">
+                <a:solidFill>
+                  <a:schemeClr val="tx1"/>
+                </a:solidFill>
+                <a:effectLst/>
+                <a:latin typeface="+mn-lt"/>
+                <a:ea typeface="+mn-ea"/>
+                <a:cs typeface="+mn-cs"/>
+              </a:rPr>
+              <a:t>Și formeaza raspunsul pentru client, astfel incat fiecare eveniment și local sa fie insotite de indicatorul de ecosistem.</a:t>
+            </a:r>
+            <a:endParaRPr lang="en-US" sz="1100" kern="1200" dirty="0">
+              <a:solidFill>
+                <a:schemeClr val="tx1"/>
+              </a:solidFill>
+              <a:effectLst/>
+              <a:latin typeface="+mn-lt"/>
+              <a:ea typeface="+mn-ea"/>
+              <a:cs typeface="+mn-cs"/>
+            </a:endParaRPr>
           </a:p>
         </p:txBody>
       </p:sp>
@@ -6087,14 +6101,6 @@
           <a:bodyPr/>
           <a:lstStyle/>
           <a:p>
-            <a:r>
-              <a:rPr lang="ro-MD" dirty="0" smtClean="0"/>
-              <a:t>Urmează</a:t>
-            </a:r>
-            <a:r>
-              <a:rPr lang="ro-MD" baseline="0" dirty="0" smtClean="0"/>
-              <a:t> ...</a:t>
-            </a:r>
             <a:endParaRPr lang="en-US" dirty="0"/>
           </a:p>
         </p:txBody>
@@ -6116,7 +6122,7 @@
           <a:p>
             <a:fld id="{810E1E9A-E921-4174-A0FC-51868D7AC568}" type="slidenum">
               <a:rPr lang="en-US" smtClean="0"/>
-              <a:t>8</a:t>
+              <a:t>7</a:t>
             </a:fld>
             <a:endParaRPr lang="en-US"/>
           </a:p>
@@ -6125,7 +6131,7 @@
     </p:spTree>
     <p:extLst>
       <p:ext uri="{BB962C8B-B14F-4D97-AF65-F5344CB8AC3E}">
-        <p14:creationId xmlns:p14="http://schemas.microsoft.com/office/powerpoint/2010/main" val="3105799871"/>
+        <p14:creationId xmlns:p14="http://schemas.microsoft.com/office/powerpoint/2010/main" val="1434019167"/>
       </p:ext>
     </p:extLst>
   </p:cSld>
@@ -6178,6 +6184,252 @@
         <p:txBody>
           <a:bodyPr/>
           <a:lstStyle/>
+          <a:p>
+            <a:r>
+              <a:rPr lang="ro-MD" sz="1200" kern="1200" dirty="0" smtClean="0">
+                <a:solidFill>
+                  <a:schemeClr val="tx1"/>
+                </a:solidFill>
+                <a:effectLst/>
+                <a:latin typeface="+mn-lt"/>
+                <a:ea typeface="+mn-ea"/>
+                <a:cs typeface="+mn-cs"/>
+              </a:rPr>
+              <a:t>Țin să cred că am realizat un prim pas în apropierea de un oraș inteligent. Și anume aduc utilizatorului posibilitatea de a afla indicatorii de ecosistem de la o anumita locație. Acestea sunt nivelul de zgomot, temperatura presiune, etc. </a:t>
+            </a:r>
+            <a:endParaRPr lang="en-US" sz="1200" kern="1200" dirty="0" smtClean="0">
+              <a:solidFill>
+                <a:schemeClr val="tx1"/>
+              </a:solidFill>
+              <a:effectLst/>
+              <a:latin typeface="+mn-lt"/>
+              <a:ea typeface="+mn-ea"/>
+              <a:cs typeface="+mn-cs"/>
+            </a:endParaRPr>
+          </a:p>
+          <a:p>
+            <a:r>
+              <a:rPr lang="ro-MD" sz="1200" kern="1200" dirty="0" smtClean="0">
+                <a:solidFill>
+                  <a:schemeClr val="tx1"/>
+                </a:solidFill>
+                <a:effectLst/>
+                <a:latin typeface="+mn-lt"/>
+                <a:ea typeface="+mn-ea"/>
+                <a:cs typeface="+mn-cs"/>
+              </a:rPr>
+              <a:t>Și nu în utlimul rand ofer utilizatorului posibilitatea de a cunoaste evenimentele ce au loc în apropierea lui. Precum și principalele localuri din preajma.</a:t>
+            </a:r>
+            <a:endParaRPr lang="en-US" sz="1200" kern="1200" dirty="0">
+              <a:solidFill>
+                <a:schemeClr val="tx1"/>
+              </a:solidFill>
+              <a:effectLst/>
+              <a:latin typeface="+mn-lt"/>
+              <a:ea typeface="+mn-ea"/>
+              <a:cs typeface="+mn-cs"/>
+            </a:endParaRPr>
+          </a:p>
+        </p:txBody>
+      </p:sp>
+      <p:sp>
+        <p:nvSpPr>
+          <p:cNvPr id="4" name="Slide Number Placeholder 3"/>
+          <p:cNvSpPr>
+            <a:spLocks noGrp="1"/>
+          </p:cNvSpPr>
+          <p:nvPr>
+            <p:ph type="sldNum" sz="quarter" idx="10"/>
+          </p:nvPr>
+        </p:nvSpPr>
+        <p:spPr/>
+        <p:txBody>
+          <a:bodyPr/>
+          <a:lstStyle/>
+          <a:p>
+            <a:fld id="{810E1E9A-E921-4174-A0FC-51868D7AC568}" type="slidenum">
+              <a:rPr lang="en-US" smtClean="0"/>
+              <a:t>8</a:t>
+            </a:fld>
+            <a:endParaRPr lang="en-US"/>
+          </a:p>
+        </p:txBody>
+      </p:sp>
+    </p:spTree>
+    <p:extLst>
+      <p:ext uri="{BB962C8B-B14F-4D97-AF65-F5344CB8AC3E}">
+        <p14:creationId xmlns:p14="http://schemas.microsoft.com/office/powerpoint/2010/main" val="3105799871"/>
+      </p:ext>
+    </p:extLst>
+  </p:cSld>
+  <p:clrMapOvr>
+    <a:masterClrMapping/>
+  </p:clrMapOvr>
+</p:notes>
+</file>
+
+<file path=ppt/notesSlides/notesSlide9.xml><?xml version="1.0" encoding="utf-8"?>
+<p:notes xmlns:a="http://schemas.openxmlformats.org/drawingml/2006/main" xmlns:r="http://schemas.openxmlformats.org/officeDocument/2006/relationships" xmlns:p="http://schemas.openxmlformats.org/presentationml/2006/main">
+  <p:cSld>
+    <p:spTree>
+      <p:nvGrpSpPr>
+        <p:cNvPr id="1" name=""/>
+        <p:cNvGrpSpPr/>
+        <p:nvPr/>
+      </p:nvGrpSpPr>
+      <p:grpSpPr>
+        <a:xfrm>
+          <a:off x="0" y="0"/>
+          <a:ext cx="0" cy="0"/>
+          <a:chOff x="0" y="0"/>
+          <a:chExt cx="0" cy="0"/>
+        </a:xfrm>
+      </p:grpSpPr>
+      <p:sp>
+        <p:nvSpPr>
+          <p:cNvPr id="2" name="Slide Image Placeholder 1"/>
+          <p:cNvSpPr>
+            <a:spLocks noGrp="1" noRot="1" noChangeAspect="1"/>
+          </p:cNvSpPr>
+          <p:nvPr>
+            <p:ph type="sldImg"/>
+          </p:nvPr>
+        </p:nvSpPr>
+        <p:spPr/>
+      </p:sp>
+      <p:sp>
+        <p:nvSpPr>
+          <p:cNvPr id="3" name="Notes Placeholder 2"/>
+          <p:cNvSpPr>
+            <a:spLocks noGrp="1"/>
+          </p:cNvSpPr>
+          <p:nvPr>
+            <p:ph type="body" idx="1"/>
+          </p:nvPr>
+        </p:nvSpPr>
+        <p:spPr/>
+        <p:txBody>
+          <a:bodyPr/>
+          <a:lstStyle/>
+          <a:p>
+            <a:r>
+              <a:rPr lang="ro-MD" sz="1200" kern="1200" dirty="0" smtClean="0">
+                <a:solidFill>
+                  <a:schemeClr val="tx1"/>
+                </a:solidFill>
+                <a:effectLst/>
+                <a:latin typeface="+mn-lt"/>
+                <a:ea typeface="+mn-ea"/>
+                <a:cs typeface="+mn-cs"/>
+              </a:rPr>
+              <a:t>Cat despre directii de dezvoltare ale platformei imi doresc să fac următoarele lucruri</a:t>
+            </a:r>
+            <a:endParaRPr lang="en-US" sz="1200" kern="1200" dirty="0" smtClean="0">
+              <a:solidFill>
+                <a:schemeClr val="tx1"/>
+              </a:solidFill>
+              <a:effectLst/>
+              <a:latin typeface="+mn-lt"/>
+              <a:ea typeface="+mn-ea"/>
+              <a:cs typeface="+mn-cs"/>
+            </a:endParaRPr>
+          </a:p>
+          <a:p>
+            <a:pPr lvl="0"/>
+            <a:r>
+              <a:rPr lang="ro-MD" sz="1200" kern="1200" dirty="0" smtClean="0">
+                <a:solidFill>
+                  <a:schemeClr val="tx1"/>
+                </a:solidFill>
+                <a:effectLst/>
+                <a:latin typeface="+mn-lt"/>
+                <a:ea typeface="+mn-ea"/>
+                <a:cs typeface="+mn-cs"/>
+              </a:rPr>
+              <a:t>Sa pot colecta mai multi indicatori de ecosistem, sa integrez și alte tipuri de dispozitive in cadrul platformei, nu doar telefoanele mobile.</a:t>
+            </a:r>
+            <a:endParaRPr lang="en-US" sz="1200" kern="1200" dirty="0" smtClean="0">
+              <a:solidFill>
+                <a:schemeClr val="tx1"/>
+              </a:solidFill>
+              <a:effectLst/>
+              <a:latin typeface="+mn-lt"/>
+              <a:ea typeface="+mn-ea"/>
+              <a:cs typeface="+mn-cs"/>
+            </a:endParaRPr>
+          </a:p>
+          <a:p>
+            <a:pPr lvl="0"/>
+            <a:r>
+              <a:rPr lang="ro-MD" sz="1200" kern="1200" dirty="0" smtClean="0">
+                <a:solidFill>
+                  <a:schemeClr val="tx1"/>
+                </a:solidFill>
+                <a:effectLst/>
+                <a:latin typeface="+mn-lt"/>
+                <a:ea typeface="+mn-ea"/>
+                <a:cs typeface="+mn-cs"/>
+              </a:rPr>
+              <a:t>Sa pot sa recomand utilizatorilor evenimente personalizate, aici voi avea nevoie de un sistem de recomandare.</a:t>
+            </a:r>
+            <a:endParaRPr lang="en-US" sz="1200" kern="1200" dirty="0" smtClean="0">
+              <a:solidFill>
+                <a:schemeClr val="tx1"/>
+              </a:solidFill>
+              <a:effectLst/>
+              <a:latin typeface="+mn-lt"/>
+              <a:ea typeface="+mn-ea"/>
+              <a:cs typeface="+mn-cs"/>
+            </a:endParaRPr>
+          </a:p>
+          <a:p>
+            <a:pPr lvl="0"/>
+            <a:r>
+              <a:rPr lang="ro-MD" sz="1200" kern="1200" dirty="0" smtClean="0">
+                <a:solidFill>
+                  <a:schemeClr val="tx1"/>
+                </a:solidFill>
+                <a:effectLst/>
+                <a:latin typeface="+mn-lt"/>
+                <a:ea typeface="+mn-ea"/>
+                <a:cs typeface="+mn-cs"/>
+              </a:rPr>
+              <a:t>Drept extindere imi doresc sa maersc numarul de surse din care acumulez evenimente. Si din oridunul si-fi ului  sa transform api-ul de evenimente intr unul standart de nivelglobal încat ca sa nu mai fie necesara utilizarea web scrapping-ului.</a:t>
+            </a:r>
+            <a:endParaRPr lang="en-US" sz="1200" kern="1200" dirty="0" smtClean="0">
+              <a:solidFill>
+                <a:schemeClr val="tx1"/>
+              </a:solidFill>
+              <a:effectLst/>
+              <a:latin typeface="+mn-lt"/>
+              <a:ea typeface="+mn-ea"/>
+              <a:cs typeface="+mn-cs"/>
+            </a:endParaRPr>
+          </a:p>
+          <a:p>
+            <a:pPr lvl="0"/>
+            <a:r>
+              <a:rPr lang="ro-MD" sz="1200" kern="1200" dirty="0" smtClean="0">
+                <a:solidFill>
+                  <a:schemeClr val="tx1"/>
+                </a:solidFill>
+                <a:effectLst/>
+                <a:latin typeface="+mn-lt"/>
+                <a:ea typeface="+mn-ea"/>
+                <a:cs typeface="+mn-cs"/>
+              </a:rPr>
+              <a:t>Dupa care sa publi apliacția pe  platformele oficiale de distributie (google play, app-store, windows-store).</a:t>
+            </a:r>
+            <a:endParaRPr lang="en-US" sz="1200" kern="1200" dirty="0" smtClean="0">
+              <a:solidFill>
+                <a:schemeClr val="tx1"/>
+              </a:solidFill>
+              <a:effectLst/>
+              <a:latin typeface="+mn-lt"/>
+              <a:ea typeface="+mn-ea"/>
+              <a:cs typeface="+mn-cs"/>
+            </a:endParaRPr>
+          </a:p>
           <a:p>
             <a:endParaRPr lang="en-US" dirty="0"/>
           </a:p>
@@ -6356,7 +6608,7 @@
           <a:p>
             <a:fld id="{B1A4D89A-48B5-4339-9EBE-922E05634204}" type="datetime1">
               <a:rPr lang="en-US" smtClean="0"/>
-              <a:t>6/26/2017</a:t>
+              <a:t>7/3/2017</a:t>
             </a:fld>
             <a:endParaRPr lang="en-US"/>
           </a:p>
@@ -6546,7 +6798,7 @@
           <a:p>
             <a:fld id="{73FF26E4-51FD-45AD-97A1-1B4287B95E37}" type="datetime1">
               <a:rPr lang="en-US" smtClean="0"/>
-              <a:t>6/26/2017</a:t>
+              <a:t>7/3/2017</a:t>
             </a:fld>
             <a:endParaRPr lang="en-US"/>
           </a:p>
@@ -6741,7 +6993,7 @@
           <a:p>
             <a:fld id="{92E4A9E2-98B2-4178-85C4-E449B3D561D0}" type="datetime1">
               <a:rPr lang="en-US" smtClean="0"/>
-              <a:t>6/26/2017</a:t>
+              <a:t>7/3/2017</a:t>
             </a:fld>
             <a:endParaRPr lang="en-US"/>
           </a:p>
@@ -7013,7 +7265,7 @@
           <a:p>
             <a:fld id="{F3004C3C-B2A2-472B-B6D7-B9D78CCA93DC}" type="datetime1">
               <a:rPr lang="en-US" smtClean="0"/>
-              <a:t>6/26/2017</a:t>
+              <a:t>7/3/2017</a:t>
             </a:fld>
             <a:endParaRPr lang="en-US"/>
           </a:p>
@@ -7198,7 +7450,7 @@
           <a:p>
             <a:fld id="{790148E0-DA51-487F-888C-ECA16D80B2F8}" type="datetime1">
               <a:rPr lang="en-US" smtClean="0"/>
-              <a:t>6/26/2017</a:t>
+              <a:t>7/3/2017</a:t>
             </a:fld>
             <a:endParaRPr lang="en-US"/>
           </a:p>
@@ -7405,7 +7657,7 @@
           <a:p>
             <a:fld id="{2F3CEF38-22CC-4739-8108-581336BD706B}" type="datetime1">
               <a:rPr lang="en-US" smtClean="0"/>
-              <a:t>6/26/2017</a:t>
+              <a:t>7/3/2017</a:t>
             </a:fld>
             <a:endParaRPr lang="en-US"/>
           </a:p>
@@ -7708,7 +7960,7 @@
           <a:p>
             <a:fld id="{AB9904E8-B03A-48E2-907E-1852BC4A121D}" type="datetime1">
               <a:rPr lang="en-US" smtClean="0"/>
-              <a:t>6/26/2017</a:t>
+              <a:t>7/3/2017</a:t>
             </a:fld>
             <a:endParaRPr lang="en-US"/>
           </a:p>
@@ -8166,7 +8418,7 @@
           <a:p>
             <a:fld id="{56A9AABD-655C-44AE-8A83-06C420F04D50}" type="datetime1">
               <a:rPr lang="en-US" smtClean="0"/>
-              <a:t>6/26/2017</a:t>
+              <a:t>7/3/2017</a:t>
             </a:fld>
             <a:endParaRPr lang="en-US"/>
           </a:p>
@@ -8299,7 +8551,7 @@
           <a:p>
             <a:fld id="{AA19A692-D99B-4394-9BE4-6C21ABC994CA}" type="datetime1">
               <a:rPr lang="en-US" smtClean="0"/>
-              <a:t>6/26/2017</a:t>
+              <a:t>7/3/2017</a:t>
             </a:fld>
             <a:endParaRPr lang="en-US"/>
           </a:p>
@@ -8409,7 +8661,7 @@
           <a:p>
             <a:fld id="{3C5A63D1-8C30-4917-9900-7B12313367DF}" type="datetime1">
               <a:rPr lang="en-US" smtClean="0"/>
-              <a:t>6/26/2017</a:t>
+              <a:t>7/3/2017</a:t>
             </a:fld>
             <a:endParaRPr lang="en-US"/>
           </a:p>
@@ -8701,7 +8953,7 @@
           <a:p>
             <a:fld id="{04F94F96-15E0-4F33-AEDE-AAB158E0C25A}" type="datetime1">
               <a:rPr lang="en-US" smtClean="0"/>
-              <a:t>6/26/2017</a:t>
+              <a:t>7/3/2017</a:t>
             </a:fld>
             <a:endParaRPr lang="en-US"/>
           </a:p>
@@ -8973,7 +9225,7 @@
           <a:p>
             <a:fld id="{6E45B47B-E6D4-4FFD-AF94-75913F84D0EA}" type="datetime1">
               <a:rPr lang="en-US" smtClean="0"/>
-              <a:t>6/26/2017</a:t>
+              <a:t>7/3/2017</a:t>
             </a:fld>
             <a:endParaRPr lang="en-US"/>
           </a:p>
@@ -9211,7 +9463,7 @@
           <a:p>
             <a:fld id="{8326B883-F331-4477-AE70-425B476723EA}" type="datetime1">
               <a:rPr lang="en-US" smtClean="0"/>
-              <a:t>6/26/2017</a:t>
+              <a:t>7/3/2017</a:t>
             </a:fld>
             <a:endParaRPr lang="en-US"/>
           </a:p>
@@ -9710,6 +9962,10 @@
           <a:lstStyle/>
           <a:p>
             <a:r>
+              <a:rPr lang="en-US" sz="4000" dirty="0" smtClean="0"/>
+              <a:t>Towards a </a:t>
+            </a:r>
+            <a:r>
               <a:rPr lang="ro-MD" sz="4000" dirty="0" smtClean="0"/>
               <a:t>Smart City</a:t>
             </a:r>
@@ -10791,11 +11047,7 @@
           <a:p>
             <a:r>
               <a:rPr lang="ro-MD" dirty="0" smtClean="0"/>
-              <a:t>Smart </a:t>
-            </a:r>
-            <a:r>
-              <a:rPr lang="ro-MD" dirty="0" smtClean="0"/>
-              <a:t>City &amp; IoT</a:t>
+              <a:t>Smart City &amp; IoT</a:t>
             </a:r>
             <a:r>
               <a:rPr lang="ro-MD" dirty="0"/>
@@ -10820,7 +11072,7 @@
         </p:nvSpPr>
         <p:spPr>
           <a:xfrm>
-            <a:off x="1569700" y="1825625"/>
+            <a:off x="1442777" y="1414145"/>
             <a:ext cx="8232026" cy="4351338"/>
           </a:xfrm>
         </p:spPr>
@@ -10851,7 +11103,15 @@
             <a:pPr lvl="1"/>
             <a:r>
               <a:rPr lang="ro-MD" dirty="0" smtClean="0"/>
-              <a:t>Iteracține oraș - cetățean</a:t>
+              <a:t>I</a:t>
+            </a:r>
+            <a:r>
+              <a:rPr lang="en-US" dirty="0" smtClean="0"/>
+              <a:t>n</a:t>
+            </a:r>
+            <a:r>
+              <a:rPr lang="ro-MD" dirty="0" smtClean="0"/>
+              <a:t>teracține oraș - cetățean</a:t>
             </a:r>
             <a:endParaRPr lang="ro-MD" dirty="0"/>
           </a:p>
@@ -10883,6 +11143,180 @@
           </a:p>
         </p:txBody>
       </p:sp>
+      <p:pic>
+        <p:nvPicPr>
+          <p:cNvPr id="5" name="Picture 4"/>
+          <p:cNvPicPr>
+            <a:picLocks noChangeAspect="1"/>
+          </p:cNvPicPr>
+          <p:nvPr/>
+        </p:nvPicPr>
+        <p:blipFill>
+          <a:blip r:embed="rId3"/>
+          <a:stretch>
+            <a:fillRect/>
+          </a:stretch>
+        </p:blipFill>
+        <p:spPr>
+          <a:xfrm>
+            <a:off x="771311" y="3733312"/>
+            <a:ext cx="2939133" cy="3081191"/>
+          </a:xfrm>
+          <a:prstGeom prst="rect">
+            <a:avLst/>
+          </a:prstGeom>
+        </p:spPr>
+      </p:pic>
+      <p:pic>
+        <p:nvPicPr>
+          <p:cNvPr id="6" name="Picture 5"/>
+          <p:cNvPicPr>
+            <a:picLocks noChangeAspect="1"/>
+          </p:cNvPicPr>
+          <p:nvPr/>
+        </p:nvPicPr>
+        <p:blipFill>
+          <a:blip r:embed="rId4">
+            <a:extLst>
+              <a:ext uri="{28A0092B-C50C-407E-A947-70E740481C1C}">
+                <a14:useLocalDpi xmlns:a14="http://schemas.microsoft.com/office/drawing/2010/main" val="0"/>
+              </a:ext>
+            </a:extLst>
+          </a:blip>
+          <a:stretch>
+            <a:fillRect/>
+          </a:stretch>
+        </p:blipFill>
+        <p:spPr>
+          <a:xfrm>
+            <a:off x="3785944" y="3219007"/>
+            <a:ext cx="2377440" cy="2517648"/>
+          </a:xfrm>
+          <a:prstGeom prst="rect">
+            <a:avLst/>
+          </a:prstGeom>
+        </p:spPr>
+      </p:pic>
+      <p:pic>
+        <p:nvPicPr>
+          <p:cNvPr id="7" name="Picture 6"/>
+          <p:cNvPicPr>
+            <a:picLocks noChangeAspect="1"/>
+          </p:cNvPicPr>
+          <p:nvPr/>
+        </p:nvPicPr>
+        <p:blipFill>
+          <a:blip r:embed="rId5">
+            <a:extLst>
+              <a:ext uri="{28A0092B-C50C-407E-A947-70E740481C1C}">
+                <a14:useLocalDpi xmlns:a14="http://schemas.microsoft.com/office/drawing/2010/main" val="0"/>
+              </a:ext>
+            </a:extLst>
+          </a:blip>
+          <a:stretch>
+            <a:fillRect/>
+          </a:stretch>
+        </p:blipFill>
+        <p:spPr>
+          <a:xfrm>
+            <a:off x="6314383" y="3219007"/>
+            <a:ext cx="1360170" cy="1360170"/>
+          </a:xfrm>
+          <a:prstGeom prst="rect">
+            <a:avLst/>
+          </a:prstGeom>
+        </p:spPr>
+      </p:pic>
+      <p:pic>
+        <p:nvPicPr>
+          <p:cNvPr id="8" name="Picture 7"/>
+          <p:cNvPicPr>
+            <a:picLocks noChangeAspect="1"/>
+          </p:cNvPicPr>
+          <p:nvPr/>
+        </p:nvPicPr>
+        <p:blipFill>
+          <a:blip r:embed="rId6">
+            <a:extLst>
+              <a:ext uri="{28A0092B-C50C-407E-A947-70E740481C1C}">
+                <a14:useLocalDpi xmlns:a14="http://schemas.microsoft.com/office/drawing/2010/main" val="0"/>
+              </a:ext>
+            </a:extLst>
+          </a:blip>
+          <a:stretch>
+            <a:fillRect/>
+          </a:stretch>
+        </p:blipFill>
+        <p:spPr>
+          <a:xfrm>
+            <a:off x="4445845" y="5823619"/>
+            <a:ext cx="2377440" cy="990884"/>
+          </a:xfrm>
+          <a:prstGeom prst="rect">
+            <a:avLst/>
+          </a:prstGeom>
+        </p:spPr>
+      </p:pic>
+      <p:pic>
+        <p:nvPicPr>
+          <p:cNvPr id="9" name="Picture 8"/>
+          <p:cNvPicPr>
+            <a:picLocks noChangeAspect="1"/>
+          </p:cNvPicPr>
+          <p:nvPr/>
+        </p:nvPicPr>
+        <p:blipFill>
+          <a:blip r:embed="rId7">
+            <a:extLst>
+              <a:ext uri="{28A0092B-C50C-407E-A947-70E740481C1C}">
+                <a14:useLocalDpi xmlns:a14="http://schemas.microsoft.com/office/drawing/2010/main" val="0"/>
+              </a:ext>
+            </a:extLst>
+          </a:blip>
+          <a:stretch>
+            <a:fillRect/>
+          </a:stretch>
+        </p:blipFill>
+        <p:spPr>
+          <a:xfrm>
+            <a:off x="7184810" y="4477831"/>
+            <a:ext cx="2937087" cy="2202815"/>
+          </a:xfrm>
+          <a:prstGeom prst="rect">
+            <a:avLst/>
+          </a:prstGeom>
+        </p:spPr>
+      </p:pic>
+      <p:pic>
+        <p:nvPicPr>
+          <p:cNvPr id="10" name="Picture 9"/>
+          <p:cNvPicPr>
+            <a:picLocks noChangeAspect="1"/>
+          </p:cNvPicPr>
+          <p:nvPr/>
+        </p:nvPicPr>
+        <p:blipFill>
+          <a:blip r:embed="rId8">
+            <a:extLst>
+              <a:ext uri="{28A0092B-C50C-407E-A947-70E740481C1C}">
+                <a14:useLocalDpi xmlns:a14="http://schemas.microsoft.com/office/drawing/2010/main" val="0"/>
+              </a:ext>
+            </a:extLst>
+          </a:blip>
+          <a:stretch>
+            <a:fillRect/>
+          </a:stretch>
+        </p:blipFill>
+        <p:spPr>
+          <a:xfrm>
+            <a:off x="8568741" y="2363499"/>
+            <a:ext cx="3112719" cy="2013960"/>
+          </a:xfrm>
+          <a:prstGeom prst="rect">
+            <a:avLst/>
+          </a:prstGeom>
+        </p:spPr>
+      </p:pic>
     </p:spTree>
     <p:extLst>
       <p:ext uri="{BB962C8B-B14F-4D97-AF65-F5344CB8AC3E}">
@@ -10908,7 +11342,348 @@
   <p:timing>
     <p:tnLst>
       <p:par>
-        <p:cTn id="1" dur="indefinite" restart="never" nodeType="tmRoot"/>
+        <p:cTn id="1" dur="indefinite" restart="never" nodeType="tmRoot">
+          <p:childTnLst>
+            <p:seq concurrent="1" nextAc="seek">
+              <p:cTn id="2" dur="indefinite" nodeType="mainSeq">
+                <p:childTnLst>
+                  <p:par>
+                    <p:cTn id="3" fill="hold">
+                      <p:stCondLst>
+                        <p:cond delay="indefinite"/>
+                      </p:stCondLst>
+                      <p:childTnLst>
+                        <p:par>
+                          <p:cTn id="4" fill="hold">
+                            <p:stCondLst>
+                              <p:cond delay="0"/>
+                            </p:stCondLst>
+                            <p:childTnLst>
+                              <p:par>
+                                <p:cTn id="5" presetID="10" presetClass="entr" presetSubtype="0" fill="hold" nodeType="clickEffect">
+                                  <p:stCondLst>
+                                    <p:cond delay="0"/>
+                                  </p:stCondLst>
+                                  <p:childTnLst>
+                                    <p:set>
+                                      <p:cBhvr>
+                                        <p:cTn id="6" dur="1" fill="hold">
+                                          <p:stCondLst>
+                                            <p:cond delay="0"/>
+                                          </p:stCondLst>
+                                        </p:cTn>
+                                        <p:tgtEl>
+                                          <p:spTgt spid="9"/>
+                                        </p:tgtEl>
+                                        <p:attrNameLst>
+                                          <p:attrName>style.visibility</p:attrName>
+                                        </p:attrNameLst>
+                                      </p:cBhvr>
+                                      <p:to>
+                                        <p:strVal val="visible"/>
+                                      </p:to>
+                                    </p:set>
+                                    <p:animEffect transition="in" filter="fade">
+                                      <p:cBhvr>
+                                        <p:cTn id="7" dur="500"/>
+                                        <p:tgtEl>
+                                          <p:spTgt spid="9"/>
+                                        </p:tgtEl>
+                                      </p:cBhvr>
+                                    </p:animEffect>
+                                  </p:childTnLst>
+                                </p:cTn>
+                              </p:par>
+                            </p:childTnLst>
+                          </p:cTn>
+                        </p:par>
+                      </p:childTnLst>
+                    </p:cTn>
+                  </p:par>
+                  <p:par>
+                    <p:cTn id="8" fill="hold">
+                      <p:stCondLst>
+                        <p:cond delay="indefinite"/>
+                      </p:stCondLst>
+                      <p:childTnLst>
+                        <p:par>
+                          <p:cTn id="9" fill="hold">
+                            <p:stCondLst>
+                              <p:cond delay="0"/>
+                            </p:stCondLst>
+                            <p:childTnLst>
+                              <p:par>
+                                <p:cTn id="10" presetID="10" presetClass="entr" presetSubtype="0" fill="hold" nodeType="clickEffect">
+                                  <p:stCondLst>
+                                    <p:cond delay="0"/>
+                                  </p:stCondLst>
+                                  <p:childTnLst>
+                                    <p:set>
+                                      <p:cBhvr>
+                                        <p:cTn id="11" dur="1" fill="hold">
+                                          <p:stCondLst>
+                                            <p:cond delay="0"/>
+                                          </p:stCondLst>
+                                        </p:cTn>
+                                        <p:tgtEl>
+                                          <p:spTgt spid="5"/>
+                                        </p:tgtEl>
+                                        <p:attrNameLst>
+                                          <p:attrName>style.visibility</p:attrName>
+                                        </p:attrNameLst>
+                                      </p:cBhvr>
+                                      <p:to>
+                                        <p:strVal val="visible"/>
+                                      </p:to>
+                                    </p:set>
+                                    <p:animEffect transition="in" filter="fade">
+                                      <p:cBhvr>
+                                        <p:cTn id="12" dur="500"/>
+                                        <p:tgtEl>
+                                          <p:spTgt spid="5"/>
+                                        </p:tgtEl>
+                                      </p:cBhvr>
+                                    </p:animEffect>
+                                  </p:childTnLst>
+                                </p:cTn>
+                              </p:par>
+                            </p:childTnLst>
+                          </p:cTn>
+                        </p:par>
+                      </p:childTnLst>
+                    </p:cTn>
+                  </p:par>
+                  <p:par>
+                    <p:cTn id="13" fill="hold">
+                      <p:stCondLst>
+                        <p:cond delay="indefinite"/>
+                      </p:stCondLst>
+                      <p:childTnLst>
+                        <p:par>
+                          <p:cTn id="14" fill="hold">
+                            <p:stCondLst>
+                              <p:cond delay="0"/>
+                            </p:stCondLst>
+                            <p:childTnLst>
+                              <p:par>
+                                <p:cTn id="15" presetID="10" presetClass="entr" presetSubtype="0" fill="hold" nodeType="clickEffect">
+                                  <p:stCondLst>
+                                    <p:cond delay="0"/>
+                                  </p:stCondLst>
+                                  <p:childTnLst>
+                                    <p:set>
+                                      <p:cBhvr>
+                                        <p:cTn id="16" dur="1" fill="hold">
+                                          <p:stCondLst>
+                                            <p:cond delay="0"/>
+                                          </p:stCondLst>
+                                        </p:cTn>
+                                        <p:tgtEl>
+                                          <p:spTgt spid="6"/>
+                                        </p:tgtEl>
+                                        <p:attrNameLst>
+                                          <p:attrName>style.visibility</p:attrName>
+                                        </p:attrNameLst>
+                                      </p:cBhvr>
+                                      <p:to>
+                                        <p:strVal val="visible"/>
+                                      </p:to>
+                                    </p:set>
+                                    <p:animEffect transition="in" filter="fade">
+                                      <p:cBhvr>
+                                        <p:cTn id="17" dur="500"/>
+                                        <p:tgtEl>
+                                          <p:spTgt spid="6"/>
+                                        </p:tgtEl>
+                                      </p:cBhvr>
+                                    </p:animEffect>
+                                  </p:childTnLst>
+                                </p:cTn>
+                              </p:par>
+                            </p:childTnLst>
+                          </p:cTn>
+                        </p:par>
+                      </p:childTnLst>
+                    </p:cTn>
+                  </p:par>
+                  <p:par>
+                    <p:cTn id="18" fill="hold">
+                      <p:stCondLst>
+                        <p:cond delay="indefinite"/>
+                      </p:stCondLst>
+                      <p:childTnLst>
+                        <p:par>
+                          <p:cTn id="19" fill="hold">
+                            <p:stCondLst>
+                              <p:cond delay="0"/>
+                            </p:stCondLst>
+                            <p:childTnLst>
+                              <p:par>
+                                <p:cTn id="20" presetID="10" presetClass="entr" presetSubtype="0" fill="hold" nodeType="clickEffect">
+                                  <p:stCondLst>
+                                    <p:cond delay="0"/>
+                                  </p:stCondLst>
+                                  <p:childTnLst>
+                                    <p:set>
+                                      <p:cBhvr>
+                                        <p:cTn id="21" dur="1" fill="hold">
+                                          <p:stCondLst>
+                                            <p:cond delay="0"/>
+                                          </p:stCondLst>
+                                        </p:cTn>
+                                        <p:tgtEl>
+                                          <p:spTgt spid="8"/>
+                                        </p:tgtEl>
+                                        <p:attrNameLst>
+                                          <p:attrName>style.visibility</p:attrName>
+                                        </p:attrNameLst>
+                                      </p:cBhvr>
+                                      <p:to>
+                                        <p:strVal val="visible"/>
+                                      </p:to>
+                                    </p:set>
+                                    <p:animEffect transition="in" filter="fade">
+                                      <p:cBhvr>
+                                        <p:cTn id="22" dur="500"/>
+                                        <p:tgtEl>
+                                          <p:spTgt spid="8"/>
+                                        </p:tgtEl>
+                                      </p:cBhvr>
+                                    </p:animEffect>
+                                  </p:childTnLst>
+                                </p:cTn>
+                              </p:par>
+                            </p:childTnLst>
+                          </p:cTn>
+                        </p:par>
+                      </p:childTnLst>
+                    </p:cTn>
+                  </p:par>
+                  <p:par>
+                    <p:cTn id="23" fill="hold">
+                      <p:stCondLst>
+                        <p:cond delay="indefinite"/>
+                      </p:stCondLst>
+                      <p:childTnLst>
+                        <p:par>
+                          <p:cTn id="24" fill="hold">
+                            <p:stCondLst>
+                              <p:cond delay="0"/>
+                            </p:stCondLst>
+                            <p:childTnLst>
+                              <p:par>
+                                <p:cTn id="25" presetID="10" presetClass="entr" presetSubtype="0" fill="hold" nodeType="clickEffect">
+                                  <p:stCondLst>
+                                    <p:cond delay="0"/>
+                                  </p:stCondLst>
+                                  <p:childTnLst>
+                                    <p:set>
+                                      <p:cBhvr>
+                                        <p:cTn id="26" dur="1" fill="hold">
+                                          <p:stCondLst>
+                                            <p:cond delay="0"/>
+                                          </p:stCondLst>
+                                        </p:cTn>
+                                        <p:tgtEl>
+                                          <p:spTgt spid="7"/>
+                                        </p:tgtEl>
+                                        <p:attrNameLst>
+                                          <p:attrName>style.visibility</p:attrName>
+                                        </p:attrNameLst>
+                                      </p:cBhvr>
+                                      <p:to>
+                                        <p:strVal val="visible"/>
+                                      </p:to>
+                                    </p:set>
+                                    <p:animEffect transition="in" filter="fade">
+                                      <p:cBhvr>
+                                        <p:cTn id="27" dur="500"/>
+                                        <p:tgtEl>
+                                          <p:spTgt spid="7"/>
+                                        </p:tgtEl>
+                                      </p:cBhvr>
+                                    </p:animEffect>
+                                  </p:childTnLst>
+                                </p:cTn>
+                              </p:par>
+                            </p:childTnLst>
+                          </p:cTn>
+                        </p:par>
+                      </p:childTnLst>
+                    </p:cTn>
+                  </p:par>
+                  <p:par>
+                    <p:cTn id="28" fill="hold">
+                      <p:stCondLst>
+                        <p:cond delay="indefinite"/>
+                      </p:stCondLst>
+                      <p:childTnLst>
+                        <p:par>
+                          <p:cTn id="29" fill="hold">
+                            <p:stCondLst>
+                              <p:cond delay="0"/>
+                            </p:stCondLst>
+                            <p:childTnLst>
+                              <p:par>
+                                <p:cTn id="30" presetID="10" presetClass="entr" presetSubtype="0" fill="hold" nodeType="clickEffect">
+                                  <p:stCondLst>
+                                    <p:cond delay="0"/>
+                                  </p:stCondLst>
+                                  <p:childTnLst>
+                                    <p:set>
+                                      <p:cBhvr>
+                                        <p:cTn id="31" dur="1" fill="hold">
+                                          <p:stCondLst>
+                                            <p:cond delay="0"/>
+                                          </p:stCondLst>
+                                        </p:cTn>
+                                        <p:tgtEl>
+                                          <p:spTgt spid="10"/>
+                                        </p:tgtEl>
+                                        <p:attrNameLst>
+                                          <p:attrName>style.visibility</p:attrName>
+                                        </p:attrNameLst>
+                                      </p:cBhvr>
+                                      <p:to>
+                                        <p:strVal val="visible"/>
+                                      </p:to>
+                                    </p:set>
+                                    <p:animEffect transition="in" filter="fade">
+                                      <p:cBhvr>
+                                        <p:cTn id="32" dur="500"/>
+                                        <p:tgtEl>
+                                          <p:spTgt spid="10"/>
+                                        </p:tgtEl>
+                                      </p:cBhvr>
+                                    </p:animEffect>
+                                  </p:childTnLst>
+                                </p:cTn>
+                              </p:par>
+                            </p:childTnLst>
+                          </p:cTn>
+                        </p:par>
+                      </p:childTnLst>
+                    </p:cTn>
+                  </p:par>
+                </p:childTnLst>
+              </p:cTn>
+              <p:prevCondLst>
+                <p:cond evt="onPrev" delay="0">
+                  <p:tgtEl>
+                    <p:sldTgt/>
+                  </p:tgtEl>
+                </p:cond>
+              </p:prevCondLst>
+              <p:nextCondLst>
+                <p:cond evt="onNext" delay="0">
+                  <p:tgtEl>
+                    <p:sldTgt/>
+                  </p:tgtEl>
+                </p:cond>
+              </p:nextCondLst>
+            </p:seq>
+          </p:childTnLst>
+        </p:cTn>
       </p:par>
     </p:tnLst>
   </p:timing>
@@ -10954,15 +11729,28 @@
           <a:p>
             <a:r>
               <a:rPr lang="ro-MD" dirty="0" smtClean="0"/>
-              <a:t>Platfrma web este formată din 3 module principale</a:t>
+              <a:t>Platf</a:t>
+            </a:r>
+            <a:r>
+              <a:rPr lang="en-US" dirty="0"/>
+              <a:t>o</a:t>
+            </a:r>
+            <a:r>
+              <a:rPr lang="ro-MD" dirty="0" smtClean="0"/>
+              <a:t>rmă web este formată din 3 module principale</a:t>
             </a:r>
           </a:p>
           <a:p>
             <a:pPr lvl="1"/>
             <a:r>
               <a:rPr lang="ro-MD" dirty="0" smtClean="0"/>
-              <a:t>Aplicația mobil pentru Utiliatori</a:t>
-            </a:r>
+              <a:t>Aplicația mobil pentru </a:t>
+            </a:r>
+            <a:r>
+              <a:rPr lang="en-US" dirty="0" err="1" smtClean="0"/>
+              <a:t>utilizator</a:t>
+            </a:r>
+            <a:endParaRPr lang="ro-MD" dirty="0" smtClean="0"/>
           </a:p>
           <a:p>
             <a:pPr lvl="1"/>
@@ -10970,21 +11758,12 @@
               <a:rPr lang="ro-MD" dirty="0" smtClean="0"/>
               <a:t>Serverul Aplicației </a:t>
             </a:r>
-            <a:endParaRPr lang="ro-MD" dirty="0" smtClean="0"/>
           </a:p>
           <a:p>
             <a:pPr lvl="1"/>
             <a:r>
               <a:rPr lang="ro-MD" dirty="0" smtClean="0"/>
-              <a:t>API </a:t>
-            </a:r>
-            <a:r>
-              <a:rPr lang="ro-MD" dirty="0" smtClean="0"/>
-              <a:t>RESTful </a:t>
-            </a:r>
-            <a:r>
-              <a:rPr lang="ro-MD" dirty="0" smtClean="0"/>
-              <a:t>pentru managementul evenimentelor</a:t>
+              <a:t>API RESTful pentru managementul evenimentelor</a:t>
             </a:r>
           </a:p>
         </p:txBody>
@@ -11035,6 +11814,126 @@
           </a:p>
         </p:txBody>
       </p:sp>
+      <p:pic>
+        <p:nvPicPr>
+          <p:cNvPr id="4" name="Picture 3"/>
+          <p:cNvPicPr>
+            <a:picLocks noChangeAspect="1"/>
+          </p:cNvPicPr>
+          <p:nvPr/>
+        </p:nvPicPr>
+        <p:blipFill>
+          <a:blip r:embed="rId3">
+            <a:extLst>
+              <a:ext uri="{28A0092B-C50C-407E-A947-70E740481C1C}">
+                <a14:useLocalDpi xmlns:a14="http://schemas.microsoft.com/office/drawing/2010/main" val="0"/>
+              </a:ext>
+            </a:extLst>
+          </a:blip>
+          <a:stretch>
+            <a:fillRect/>
+          </a:stretch>
+        </p:blipFill>
+        <p:spPr>
+          <a:xfrm>
+            <a:off x="9432267" y="1591382"/>
+            <a:ext cx="2656863" cy="1741390"/>
+          </a:xfrm>
+          <a:prstGeom prst="rect">
+            <a:avLst/>
+          </a:prstGeom>
+        </p:spPr>
+      </p:pic>
+      <p:pic>
+        <p:nvPicPr>
+          <p:cNvPr id="6" name="Picture 5"/>
+          <p:cNvPicPr>
+            <a:picLocks noChangeAspect="1"/>
+          </p:cNvPicPr>
+          <p:nvPr/>
+        </p:nvPicPr>
+        <p:blipFill>
+          <a:blip r:embed="rId4">
+            <a:extLst>
+              <a:ext uri="{28A0092B-C50C-407E-A947-70E740481C1C}">
+                <a14:useLocalDpi xmlns:a14="http://schemas.microsoft.com/office/drawing/2010/main" val="0"/>
+              </a:ext>
+            </a:extLst>
+          </a:blip>
+          <a:stretch>
+            <a:fillRect/>
+          </a:stretch>
+        </p:blipFill>
+        <p:spPr>
+          <a:xfrm>
+            <a:off x="1550363" y="4391191"/>
+            <a:ext cx="2992107" cy="2205268"/>
+          </a:xfrm>
+          <a:prstGeom prst="rect">
+            <a:avLst/>
+          </a:prstGeom>
+        </p:spPr>
+      </p:pic>
+      <p:pic>
+        <p:nvPicPr>
+          <p:cNvPr id="7" name="Picture 6"/>
+          <p:cNvPicPr>
+            <a:picLocks noChangeAspect="1"/>
+          </p:cNvPicPr>
+          <p:nvPr/>
+        </p:nvPicPr>
+        <p:blipFill>
+          <a:blip r:embed="rId5">
+            <a:extLst>
+              <a:ext uri="{28A0092B-C50C-407E-A947-70E740481C1C}">
+                <a14:useLocalDpi xmlns:a14="http://schemas.microsoft.com/office/drawing/2010/main" val="0"/>
+              </a:ext>
+            </a:extLst>
+          </a:blip>
+          <a:stretch>
+            <a:fillRect/>
+          </a:stretch>
+        </p:blipFill>
+        <p:spPr>
+          <a:xfrm>
+            <a:off x="5543299" y="3520529"/>
+            <a:ext cx="2754222" cy="1910788"/>
+          </a:xfrm>
+          <a:prstGeom prst="rect">
+            <a:avLst/>
+          </a:prstGeom>
+        </p:spPr>
+      </p:pic>
+      <p:pic>
+        <p:nvPicPr>
+          <p:cNvPr id="8" name="Picture 7"/>
+          <p:cNvPicPr>
+            <a:picLocks noChangeAspect="1"/>
+          </p:cNvPicPr>
+          <p:nvPr/>
+        </p:nvPicPr>
+        <p:blipFill>
+          <a:blip r:embed="rId6">
+            <a:extLst>
+              <a:ext uri="{28A0092B-C50C-407E-A947-70E740481C1C}">
+                <a14:useLocalDpi xmlns:a14="http://schemas.microsoft.com/office/drawing/2010/main" val="0"/>
+              </a:ext>
+            </a:extLst>
+          </a:blip>
+          <a:stretch>
+            <a:fillRect/>
+          </a:stretch>
+        </p:blipFill>
+        <p:spPr>
+          <a:xfrm>
+            <a:off x="8143920" y="5162613"/>
+            <a:ext cx="4053840" cy="1387173"/>
+          </a:xfrm>
+          <a:prstGeom prst="rect">
+            <a:avLst/>
+          </a:prstGeom>
+        </p:spPr>
+      </p:pic>
     </p:spTree>
     <p:extLst>
       <p:ext uri="{BB962C8B-B14F-4D97-AF65-F5344CB8AC3E}">
@@ -11060,7 +11959,374 @@
   <p:timing>
     <p:tnLst>
       <p:par>
-        <p:cTn id="1" dur="indefinite" restart="never" nodeType="tmRoot"/>
+        <p:cTn id="1" dur="indefinite" restart="never" nodeType="tmRoot">
+          <p:childTnLst>
+            <p:seq concurrent="1" nextAc="seek">
+              <p:cTn id="2" dur="indefinite" nodeType="mainSeq">
+                <p:childTnLst>
+                  <p:par>
+                    <p:cTn id="3" fill="hold">
+                      <p:stCondLst>
+                        <p:cond delay="indefinite"/>
+                        <p:cond evt="onBegin" delay="0">
+                          <p:tn val="2"/>
+                        </p:cond>
+                      </p:stCondLst>
+                      <p:childTnLst>
+                        <p:par>
+                          <p:cTn id="4" fill="hold">
+                            <p:stCondLst>
+                              <p:cond delay="0"/>
+                            </p:stCondLst>
+                            <p:childTnLst>
+                              <p:par>
+                                <p:cTn id="5" presetID="10" presetClass="entr" presetSubtype="0" fill="hold" nodeType="withEffect">
+                                  <p:stCondLst>
+                                    <p:cond delay="0"/>
+                                  </p:stCondLst>
+                                  <p:childTnLst>
+                                    <p:set>
+                                      <p:cBhvr>
+                                        <p:cTn id="6" dur="1" fill="hold">
+                                          <p:stCondLst>
+                                            <p:cond delay="0"/>
+                                          </p:stCondLst>
+                                        </p:cTn>
+                                        <p:tgtEl>
+                                          <p:spTgt spid="4"/>
+                                        </p:tgtEl>
+                                        <p:attrNameLst>
+                                          <p:attrName>style.visibility</p:attrName>
+                                        </p:attrNameLst>
+                                      </p:cBhvr>
+                                      <p:to>
+                                        <p:strVal val="visible"/>
+                                      </p:to>
+                                    </p:set>
+                                    <p:animEffect transition="in" filter="fade">
+                                      <p:cBhvr>
+                                        <p:cTn id="7" dur="500"/>
+                                        <p:tgtEl>
+                                          <p:spTgt spid="4"/>
+                                        </p:tgtEl>
+                                      </p:cBhvr>
+                                    </p:animEffect>
+                                  </p:childTnLst>
+                                </p:cTn>
+                              </p:par>
+                            </p:childTnLst>
+                          </p:cTn>
+                        </p:par>
+                      </p:childTnLst>
+                    </p:cTn>
+                  </p:par>
+                  <p:par>
+                    <p:cTn id="8" fill="hold">
+                      <p:stCondLst>
+                        <p:cond delay="indefinite"/>
+                      </p:stCondLst>
+                      <p:childTnLst>
+                        <p:par>
+                          <p:cTn id="9" fill="hold">
+                            <p:stCondLst>
+                              <p:cond delay="0"/>
+                            </p:stCondLst>
+                            <p:childTnLst>
+                              <p:par>
+                                <p:cTn id="10" presetID="10" presetClass="entr" presetSubtype="0" fill="hold" nodeType="clickEffect">
+                                  <p:stCondLst>
+                                    <p:cond delay="0"/>
+                                  </p:stCondLst>
+                                  <p:childTnLst>
+                                    <p:set>
+                                      <p:cBhvr>
+                                        <p:cTn id="11" dur="1" fill="hold">
+                                          <p:stCondLst>
+                                            <p:cond delay="0"/>
+                                          </p:stCondLst>
+                                        </p:cTn>
+                                        <p:tgtEl>
+                                          <p:spTgt spid="3">
+                                            <p:txEl>
+                                              <p:pRg st="1" end="1"/>
+                                            </p:txEl>
+                                          </p:spTgt>
+                                        </p:tgtEl>
+                                        <p:attrNameLst>
+                                          <p:attrName>style.visibility</p:attrName>
+                                        </p:attrNameLst>
+                                      </p:cBhvr>
+                                      <p:to>
+                                        <p:strVal val="visible"/>
+                                      </p:to>
+                                    </p:set>
+                                    <p:animEffect transition="in" filter="fade">
+                                      <p:cBhvr>
+                                        <p:cTn id="12" dur="500"/>
+                                        <p:tgtEl>
+                                          <p:spTgt spid="3">
+                                            <p:txEl>
+                                              <p:pRg st="1" end="1"/>
+                                            </p:txEl>
+                                          </p:spTgt>
+                                        </p:tgtEl>
+                                      </p:cBhvr>
+                                    </p:animEffect>
+                                  </p:childTnLst>
+                                </p:cTn>
+                              </p:par>
+                              <p:par>
+                                <p:cTn id="13" presetID="10" presetClass="entr" presetSubtype="0" fill="hold" nodeType="withEffect">
+                                  <p:stCondLst>
+                                    <p:cond delay="0"/>
+                                  </p:stCondLst>
+                                  <p:childTnLst>
+                                    <p:set>
+                                      <p:cBhvr>
+                                        <p:cTn id="14" dur="1" fill="hold">
+                                          <p:stCondLst>
+                                            <p:cond delay="0"/>
+                                          </p:stCondLst>
+                                        </p:cTn>
+                                        <p:tgtEl>
+                                          <p:spTgt spid="6"/>
+                                        </p:tgtEl>
+                                        <p:attrNameLst>
+                                          <p:attrName>style.visibility</p:attrName>
+                                        </p:attrNameLst>
+                                      </p:cBhvr>
+                                      <p:to>
+                                        <p:strVal val="visible"/>
+                                      </p:to>
+                                    </p:set>
+                                    <p:animEffect transition="in" filter="fade">
+                                      <p:cBhvr>
+                                        <p:cTn id="15" dur="500"/>
+                                        <p:tgtEl>
+                                          <p:spTgt spid="6"/>
+                                        </p:tgtEl>
+                                      </p:cBhvr>
+                                    </p:animEffect>
+                                  </p:childTnLst>
+                                </p:cTn>
+                              </p:par>
+                            </p:childTnLst>
+                          </p:cTn>
+                        </p:par>
+                      </p:childTnLst>
+                    </p:cTn>
+                  </p:par>
+                  <p:par>
+                    <p:cTn id="16" fill="hold">
+                      <p:stCondLst>
+                        <p:cond delay="indefinite"/>
+                      </p:stCondLst>
+                      <p:childTnLst>
+                        <p:par>
+                          <p:cTn id="17" fill="hold">
+                            <p:stCondLst>
+                              <p:cond delay="0"/>
+                            </p:stCondLst>
+                            <p:childTnLst>
+                              <p:par>
+                                <p:cTn id="18" presetID="10" presetClass="entr" presetSubtype="0" fill="hold" nodeType="clickEffect">
+                                  <p:stCondLst>
+                                    <p:cond delay="0"/>
+                                  </p:stCondLst>
+                                  <p:childTnLst>
+                                    <p:set>
+                                      <p:cBhvr>
+                                        <p:cTn id="19" dur="1" fill="hold">
+                                          <p:stCondLst>
+                                            <p:cond delay="0"/>
+                                          </p:stCondLst>
+                                        </p:cTn>
+                                        <p:tgtEl>
+                                          <p:spTgt spid="3">
+                                            <p:txEl>
+                                              <p:pRg st="2" end="2"/>
+                                            </p:txEl>
+                                          </p:spTgt>
+                                        </p:tgtEl>
+                                        <p:attrNameLst>
+                                          <p:attrName>style.visibility</p:attrName>
+                                        </p:attrNameLst>
+                                      </p:cBhvr>
+                                      <p:to>
+                                        <p:strVal val="visible"/>
+                                      </p:to>
+                                    </p:set>
+                                    <p:animEffect transition="in" filter="fade">
+                                      <p:cBhvr>
+                                        <p:cTn id="20" dur="500"/>
+                                        <p:tgtEl>
+                                          <p:spTgt spid="3">
+                                            <p:txEl>
+                                              <p:pRg st="2" end="2"/>
+                                            </p:txEl>
+                                          </p:spTgt>
+                                        </p:tgtEl>
+                                      </p:cBhvr>
+                                    </p:animEffect>
+                                  </p:childTnLst>
+                                </p:cTn>
+                              </p:par>
+                              <p:par>
+                                <p:cTn id="21" presetID="10" presetClass="entr" presetSubtype="0" fill="hold" nodeType="withEffect">
+                                  <p:stCondLst>
+                                    <p:cond delay="0"/>
+                                  </p:stCondLst>
+                                  <p:childTnLst>
+                                    <p:set>
+                                      <p:cBhvr>
+                                        <p:cTn id="22" dur="1" fill="hold">
+                                          <p:stCondLst>
+                                            <p:cond delay="0"/>
+                                          </p:stCondLst>
+                                        </p:cTn>
+                                        <p:tgtEl>
+                                          <p:spTgt spid="7"/>
+                                        </p:tgtEl>
+                                        <p:attrNameLst>
+                                          <p:attrName>style.visibility</p:attrName>
+                                        </p:attrNameLst>
+                                      </p:cBhvr>
+                                      <p:to>
+                                        <p:strVal val="visible"/>
+                                      </p:to>
+                                    </p:set>
+                                    <p:animEffect transition="in" filter="fade">
+                                      <p:cBhvr>
+                                        <p:cTn id="23" dur="500"/>
+                                        <p:tgtEl>
+                                          <p:spTgt spid="7"/>
+                                        </p:tgtEl>
+                                      </p:cBhvr>
+                                    </p:animEffect>
+                                  </p:childTnLst>
+                                </p:cTn>
+                              </p:par>
+                            </p:childTnLst>
+                          </p:cTn>
+                        </p:par>
+                      </p:childTnLst>
+                    </p:cTn>
+                  </p:par>
+                  <p:par>
+                    <p:cTn id="24" fill="hold">
+                      <p:stCondLst>
+                        <p:cond delay="indefinite"/>
+                      </p:stCondLst>
+                      <p:childTnLst>
+                        <p:par>
+                          <p:cTn id="25" fill="hold">
+                            <p:stCondLst>
+                              <p:cond delay="0"/>
+                            </p:stCondLst>
+                            <p:childTnLst>
+                              <p:par>
+                                <p:cTn id="26" presetID="10" presetClass="entr" presetSubtype="0" fill="hold" nodeType="clickEffect">
+                                  <p:stCondLst>
+                                    <p:cond delay="0"/>
+                                  </p:stCondLst>
+                                  <p:childTnLst>
+                                    <p:set>
+                                      <p:cBhvr>
+                                        <p:cTn id="27" dur="1" fill="hold">
+                                          <p:stCondLst>
+                                            <p:cond delay="0"/>
+                                          </p:stCondLst>
+                                        </p:cTn>
+                                        <p:tgtEl>
+                                          <p:spTgt spid="3">
+                                            <p:txEl>
+                                              <p:pRg st="3" end="3"/>
+                                            </p:txEl>
+                                          </p:spTgt>
+                                        </p:tgtEl>
+                                        <p:attrNameLst>
+                                          <p:attrName>style.visibility</p:attrName>
+                                        </p:attrNameLst>
+                                      </p:cBhvr>
+                                      <p:to>
+                                        <p:strVal val="visible"/>
+                                      </p:to>
+                                    </p:set>
+                                    <p:animEffect transition="in" filter="fade">
+                                      <p:cBhvr>
+                                        <p:cTn id="28" dur="500"/>
+                                        <p:tgtEl>
+                                          <p:spTgt spid="3">
+                                            <p:txEl>
+                                              <p:pRg st="3" end="3"/>
+                                            </p:txEl>
+                                          </p:spTgt>
+                                        </p:tgtEl>
+                                      </p:cBhvr>
+                                    </p:animEffect>
+                                  </p:childTnLst>
+                                </p:cTn>
+                              </p:par>
+                              <p:par>
+                                <p:cTn id="29" presetID="10" presetClass="entr" presetSubtype="0" fill="hold" nodeType="withEffect">
+                                  <p:stCondLst>
+                                    <p:cond delay="0"/>
+                                  </p:stCondLst>
+                                  <p:childTnLst>
+                                    <p:set>
+                                      <p:cBhvr>
+                                        <p:cTn id="30" dur="1" fill="hold">
+                                          <p:stCondLst>
+                                            <p:cond delay="0"/>
+                                          </p:stCondLst>
+                                        </p:cTn>
+                                        <p:tgtEl>
+                                          <p:spTgt spid="8"/>
+                                        </p:tgtEl>
+                                        <p:attrNameLst>
+                                          <p:attrName>style.visibility</p:attrName>
+                                        </p:attrNameLst>
+                                      </p:cBhvr>
+                                      <p:to>
+                                        <p:strVal val="visible"/>
+                                      </p:to>
+                                    </p:set>
+                                    <p:animEffect transition="in" filter="fade">
+                                      <p:cBhvr>
+                                        <p:cTn id="31" dur="500"/>
+                                        <p:tgtEl>
+                                          <p:spTgt spid="8"/>
+                                        </p:tgtEl>
+                                      </p:cBhvr>
+                                    </p:animEffect>
+                                  </p:childTnLst>
+                                </p:cTn>
+                              </p:par>
+                            </p:childTnLst>
+                          </p:cTn>
+                        </p:par>
+                      </p:childTnLst>
+                    </p:cTn>
+                  </p:par>
+                </p:childTnLst>
+              </p:cTn>
+              <p:prevCondLst>
+                <p:cond evt="onPrev" delay="0">
+                  <p:tgtEl>
+                    <p:sldTgt/>
+                  </p:tgtEl>
+                </p:cond>
+              </p:prevCondLst>
+              <p:nextCondLst>
+                <p:cond evt="onNext" delay="0">
+                  <p:tgtEl>
+                    <p:sldTgt/>
+                  </p:tgtEl>
+                </p:cond>
+              </p:nextCondLst>
+            </p:seq>
+          </p:childTnLst>
+        </p:cTn>
       </p:par>
     </p:tnLst>
   </p:timing>
@@ -11550,6 +12816,66 @@
           </a:prstGeom>
         </p:spPr>
       </p:pic>
+      <p:pic>
+        <p:nvPicPr>
+          <p:cNvPr id="3" name="Picture 2"/>
+          <p:cNvPicPr>
+            <a:picLocks noChangeAspect="1"/>
+          </p:cNvPicPr>
+          <p:nvPr/>
+        </p:nvPicPr>
+        <p:blipFill>
+          <a:blip r:embed="rId7">
+            <a:extLst>
+              <a:ext uri="{28A0092B-C50C-407E-A947-70E740481C1C}">
+                <a14:useLocalDpi xmlns:a14="http://schemas.microsoft.com/office/drawing/2010/main" val="0"/>
+              </a:ext>
+            </a:extLst>
+          </a:blip>
+          <a:stretch>
+            <a:fillRect/>
+          </a:stretch>
+        </p:blipFill>
+        <p:spPr>
+          <a:xfrm>
+            <a:off x="2497654" y="29410"/>
+            <a:ext cx="2188832" cy="800487"/>
+          </a:xfrm>
+          <a:prstGeom prst="rect">
+            <a:avLst/>
+          </a:prstGeom>
+        </p:spPr>
+      </p:pic>
+      <p:pic>
+        <p:nvPicPr>
+          <p:cNvPr id="6" name="Picture 5"/>
+          <p:cNvPicPr>
+            <a:picLocks noChangeAspect="1"/>
+          </p:cNvPicPr>
+          <p:nvPr/>
+        </p:nvPicPr>
+        <p:blipFill>
+          <a:blip r:embed="rId8">
+            <a:extLst>
+              <a:ext uri="{28A0092B-C50C-407E-A947-70E740481C1C}">
+                <a14:useLocalDpi xmlns:a14="http://schemas.microsoft.com/office/drawing/2010/main" val="0"/>
+              </a:ext>
+            </a:extLst>
+          </a:blip>
+          <a:stretch>
+            <a:fillRect/>
+          </a:stretch>
+        </p:blipFill>
+        <p:spPr>
+          <a:xfrm>
+            <a:off x="179909" y="4519997"/>
+            <a:ext cx="1045388" cy="539555"/>
+          </a:xfrm>
+          <a:prstGeom prst="rect">
+            <a:avLst/>
+          </a:prstGeom>
+        </p:spPr>
+      </p:pic>
     </p:spTree>
     <p:extLst>
       <p:ext uri="{BB962C8B-B14F-4D97-AF65-F5344CB8AC3E}">
@@ -11575,9 +12901,619 @@
   <p:timing>
     <p:tnLst>
       <p:par>
-        <p:cTn id="1" dur="indefinite" restart="never" nodeType="tmRoot"/>
+        <p:cTn id="1" dur="indefinite" restart="never" nodeType="tmRoot">
+          <p:childTnLst>
+            <p:seq concurrent="1" nextAc="seek">
+              <p:cTn id="2" dur="indefinite" nodeType="mainSeq">
+                <p:childTnLst>
+                  <p:par>
+                    <p:cTn id="3" fill="hold">
+                      <p:stCondLst>
+                        <p:cond delay="indefinite"/>
+                      </p:stCondLst>
+                      <p:childTnLst>
+                        <p:par>
+                          <p:cTn id="4" fill="hold">
+                            <p:stCondLst>
+                              <p:cond delay="0"/>
+                            </p:stCondLst>
+                            <p:childTnLst>
+                              <p:par>
+                                <p:cTn id="5" presetID="10" presetClass="entr" presetSubtype="0" fill="hold" nodeType="clickEffect">
+                                  <p:stCondLst>
+                                    <p:cond delay="0"/>
+                                  </p:stCondLst>
+                                  <p:childTnLst>
+                                    <p:set>
+                                      <p:cBhvr>
+                                        <p:cTn id="6" dur="1" fill="hold">
+                                          <p:stCondLst>
+                                            <p:cond delay="0"/>
+                                          </p:stCondLst>
+                                        </p:cTn>
+                                        <p:tgtEl>
+                                          <p:spTgt spid="5"/>
+                                        </p:tgtEl>
+                                        <p:attrNameLst>
+                                          <p:attrName>style.visibility</p:attrName>
+                                        </p:attrNameLst>
+                                      </p:cBhvr>
+                                      <p:to>
+                                        <p:strVal val="visible"/>
+                                      </p:to>
+                                    </p:set>
+                                    <p:animEffect transition="in" filter="fade">
+                                      <p:cBhvr>
+                                        <p:cTn id="7" dur="500"/>
+                                        <p:tgtEl>
+                                          <p:spTgt spid="5"/>
+                                        </p:tgtEl>
+                                      </p:cBhvr>
+                                    </p:animEffect>
+                                  </p:childTnLst>
+                                </p:cTn>
+                              </p:par>
+                            </p:childTnLst>
+                          </p:cTn>
+                        </p:par>
+                      </p:childTnLst>
+                    </p:cTn>
+                  </p:par>
+                  <p:par>
+                    <p:cTn id="8" fill="hold">
+                      <p:stCondLst>
+                        <p:cond delay="indefinite"/>
+                      </p:stCondLst>
+                      <p:childTnLst>
+                        <p:par>
+                          <p:cTn id="9" fill="hold">
+                            <p:stCondLst>
+                              <p:cond delay="0"/>
+                            </p:stCondLst>
+                            <p:childTnLst>
+                              <p:par>
+                                <p:cTn id="10" presetID="10" presetClass="entr" presetSubtype="0" fill="hold" nodeType="clickEffect">
+                                  <p:stCondLst>
+                                    <p:cond delay="0"/>
+                                  </p:stCondLst>
+                                  <p:childTnLst>
+                                    <p:set>
+                                      <p:cBhvr>
+                                        <p:cTn id="11" dur="1" fill="hold">
+                                          <p:stCondLst>
+                                            <p:cond delay="0"/>
+                                          </p:stCondLst>
+                                        </p:cTn>
+                                        <p:tgtEl>
+                                          <p:spTgt spid="31"/>
+                                        </p:tgtEl>
+                                        <p:attrNameLst>
+                                          <p:attrName>style.visibility</p:attrName>
+                                        </p:attrNameLst>
+                                      </p:cBhvr>
+                                      <p:to>
+                                        <p:strVal val="visible"/>
+                                      </p:to>
+                                    </p:set>
+                                    <p:animEffect transition="in" filter="fade">
+                                      <p:cBhvr>
+                                        <p:cTn id="12" dur="500"/>
+                                        <p:tgtEl>
+                                          <p:spTgt spid="31"/>
+                                        </p:tgtEl>
+                                      </p:cBhvr>
+                                    </p:animEffect>
+                                  </p:childTnLst>
+                                </p:cTn>
+                              </p:par>
+                            </p:childTnLst>
+                          </p:cTn>
+                        </p:par>
+                      </p:childTnLst>
+                    </p:cTn>
+                  </p:par>
+                  <p:par>
+                    <p:cTn id="13" fill="hold">
+                      <p:stCondLst>
+                        <p:cond delay="indefinite"/>
+                      </p:stCondLst>
+                      <p:childTnLst>
+                        <p:par>
+                          <p:cTn id="14" fill="hold">
+                            <p:stCondLst>
+                              <p:cond delay="0"/>
+                            </p:stCondLst>
+                            <p:childTnLst>
+                              <p:par>
+                                <p:cTn id="15" presetID="10" presetClass="entr" presetSubtype="0" fill="hold" nodeType="clickEffect">
+                                  <p:stCondLst>
+                                    <p:cond delay="0"/>
+                                  </p:stCondLst>
+                                  <p:childTnLst>
+                                    <p:set>
+                                      <p:cBhvr>
+                                        <p:cTn id="16" dur="1" fill="hold">
+                                          <p:stCondLst>
+                                            <p:cond delay="0"/>
+                                          </p:stCondLst>
+                                        </p:cTn>
+                                        <p:tgtEl>
+                                          <p:spTgt spid="3"/>
+                                        </p:tgtEl>
+                                        <p:attrNameLst>
+                                          <p:attrName>style.visibility</p:attrName>
+                                        </p:attrNameLst>
+                                      </p:cBhvr>
+                                      <p:to>
+                                        <p:strVal val="visible"/>
+                                      </p:to>
+                                    </p:set>
+                                    <p:animEffect transition="in" filter="fade">
+                                      <p:cBhvr>
+                                        <p:cTn id="17" dur="500"/>
+                                        <p:tgtEl>
+                                          <p:spTgt spid="3"/>
+                                        </p:tgtEl>
+                                      </p:cBhvr>
+                                    </p:animEffect>
+                                  </p:childTnLst>
+                                </p:cTn>
+                              </p:par>
+                            </p:childTnLst>
+                          </p:cTn>
+                        </p:par>
+                      </p:childTnLst>
+                    </p:cTn>
+                  </p:par>
+                  <p:par>
+                    <p:cTn id="18" fill="hold">
+                      <p:stCondLst>
+                        <p:cond delay="indefinite"/>
+                      </p:stCondLst>
+                      <p:childTnLst>
+                        <p:par>
+                          <p:cTn id="19" fill="hold">
+                            <p:stCondLst>
+                              <p:cond delay="0"/>
+                            </p:stCondLst>
+                            <p:childTnLst>
+                              <p:par>
+                                <p:cTn id="20" presetID="10" presetClass="entr" presetSubtype="0" fill="hold" nodeType="clickEffect">
+                                  <p:stCondLst>
+                                    <p:cond delay="0"/>
+                                  </p:stCondLst>
+                                  <p:childTnLst>
+                                    <p:set>
+                                      <p:cBhvr>
+                                        <p:cTn id="21" dur="1" fill="hold">
+                                          <p:stCondLst>
+                                            <p:cond delay="0"/>
+                                          </p:stCondLst>
+                                        </p:cTn>
+                                        <p:tgtEl>
+                                          <p:spTgt spid="15"/>
+                                        </p:tgtEl>
+                                        <p:attrNameLst>
+                                          <p:attrName>style.visibility</p:attrName>
+                                        </p:attrNameLst>
+                                      </p:cBhvr>
+                                      <p:to>
+                                        <p:strVal val="visible"/>
+                                      </p:to>
+                                    </p:set>
+                                    <p:animEffect transition="in" filter="fade">
+                                      <p:cBhvr>
+                                        <p:cTn id="22" dur="500"/>
+                                        <p:tgtEl>
+                                          <p:spTgt spid="15"/>
+                                        </p:tgtEl>
+                                      </p:cBhvr>
+                                    </p:animEffect>
+                                  </p:childTnLst>
+                                </p:cTn>
+                              </p:par>
+                            </p:childTnLst>
+                          </p:cTn>
+                        </p:par>
+                      </p:childTnLst>
+                    </p:cTn>
+                  </p:par>
+                  <p:par>
+                    <p:cTn id="23" fill="hold">
+                      <p:stCondLst>
+                        <p:cond delay="indefinite"/>
+                      </p:stCondLst>
+                      <p:childTnLst>
+                        <p:par>
+                          <p:cTn id="24" fill="hold">
+                            <p:stCondLst>
+                              <p:cond delay="0"/>
+                            </p:stCondLst>
+                            <p:childTnLst>
+                              <p:par>
+                                <p:cTn id="25" presetID="10" presetClass="entr" presetSubtype="0" fill="hold" nodeType="clickEffect">
+                                  <p:stCondLst>
+                                    <p:cond delay="0"/>
+                                  </p:stCondLst>
+                                  <p:childTnLst>
+                                    <p:set>
+                                      <p:cBhvr>
+                                        <p:cTn id="26" dur="1" fill="hold">
+                                          <p:stCondLst>
+                                            <p:cond delay="0"/>
+                                          </p:stCondLst>
+                                        </p:cTn>
+                                        <p:tgtEl>
+                                          <p:spTgt spid="6"/>
+                                        </p:tgtEl>
+                                        <p:attrNameLst>
+                                          <p:attrName>style.visibility</p:attrName>
+                                        </p:attrNameLst>
+                                      </p:cBhvr>
+                                      <p:to>
+                                        <p:strVal val="visible"/>
+                                      </p:to>
+                                    </p:set>
+                                    <p:animEffect transition="in" filter="fade">
+                                      <p:cBhvr>
+                                        <p:cTn id="27" dur="500"/>
+                                        <p:tgtEl>
+                                          <p:spTgt spid="6"/>
+                                        </p:tgtEl>
+                                      </p:cBhvr>
+                                    </p:animEffect>
+                                  </p:childTnLst>
+                                </p:cTn>
+                              </p:par>
+                            </p:childTnLst>
+                          </p:cTn>
+                        </p:par>
+                      </p:childTnLst>
+                    </p:cTn>
+                  </p:par>
+                  <p:par>
+                    <p:cTn id="28" fill="hold">
+                      <p:stCondLst>
+                        <p:cond delay="indefinite"/>
+                      </p:stCondLst>
+                      <p:childTnLst>
+                        <p:par>
+                          <p:cTn id="29" fill="hold">
+                            <p:stCondLst>
+                              <p:cond delay="0"/>
+                            </p:stCondLst>
+                            <p:childTnLst>
+                              <p:par>
+                                <p:cTn id="30" presetID="10" presetClass="entr" presetSubtype="0" fill="hold" grpId="0" nodeType="clickEffect">
+                                  <p:stCondLst>
+                                    <p:cond delay="0"/>
+                                  </p:stCondLst>
+                                  <p:childTnLst>
+                                    <p:set>
+                                      <p:cBhvr>
+                                        <p:cTn id="31" dur="1" fill="hold">
+                                          <p:stCondLst>
+                                            <p:cond delay="0"/>
+                                          </p:stCondLst>
+                                        </p:cTn>
+                                        <p:tgtEl>
+                                          <p:spTgt spid="21"/>
+                                        </p:tgtEl>
+                                        <p:attrNameLst>
+                                          <p:attrName>style.visibility</p:attrName>
+                                        </p:attrNameLst>
+                                      </p:cBhvr>
+                                      <p:to>
+                                        <p:strVal val="visible"/>
+                                      </p:to>
+                                    </p:set>
+                                    <p:animEffect transition="in" filter="fade">
+                                      <p:cBhvr>
+                                        <p:cTn id="32" dur="500"/>
+                                        <p:tgtEl>
+                                          <p:spTgt spid="21"/>
+                                        </p:tgtEl>
+                                      </p:cBhvr>
+                                    </p:animEffect>
+                                  </p:childTnLst>
+                                </p:cTn>
+                              </p:par>
+                              <p:par>
+                                <p:cTn id="33" presetID="10" presetClass="entr" presetSubtype="0" fill="hold" nodeType="withEffect">
+                                  <p:stCondLst>
+                                    <p:cond delay="0"/>
+                                  </p:stCondLst>
+                                  <p:childTnLst>
+                                    <p:set>
+                                      <p:cBhvr>
+                                        <p:cTn id="34" dur="1" fill="hold">
+                                          <p:stCondLst>
+                                            <p:cond delay="0"/>
+                                          </p:stCondLst>
+                                        </p:cTn>
+                                        <p:tgtEl>
+                                          <p:spTgt spid="11"/>
+                                        </p:tgtEl>
+                                        <p:attrNameLst>
+                                          <p:attrName>style.visibility</p:attrName>
+                                        </p:attrNameLst>
+                                      </p:cBhvr>
+                                      <p:to>
+                                        <p:strVal val="visible"/>
+                                      </p:to>
+                                    </p:set>
+                                    <p:animEffect transition="in" filter="fade">
+                                      <p:cBhvr>
+                                        <p:cTn id="35" dur="500"/>
+                                        <p:tgtEl>
+                                          <p:spTgt spid="11"/>
+                                        </p:tgtEl>
+                                      </p:cBhvr>
+                                    </p:animEffect>
+                                  </p:childTnLst>
+                                </p:cTn>
+                              </p:par>
+                              <p:par>
+                                <p:cTn id="36" presetID="10" presetClass="entr" presetSubtype="0" fill="hold" nodeType="withEffect">
+                                  <p:stCondLst>
+                                    <p:cond delay="0"/>
+                                  </p:stCondLst>
+                                  <p:childTnLst>
+                                    <p:set>
+                                      <p:cBhvr>
+                                        <p:cTn id="37" dur="1" fill="hold">
+                                          <p:stCondLst>
+                                            <p:cond delay="0"/>
+                                          </p:stCondLst>
+                                        </p:cTn>
+                                        <p:tgtEl>
+                                          <p:spTgt spid="4"/>
+                                        </p:tgtEl>
+                                        <p:attrNameLst>
+                                          <p:attrName>style.visibility</p:attrName>
+                                        </p:attrNameLst>
+                                      </p:cBhvr>
+                                      <p:to>
+                                        <p:strVal val="visible"/>
+                                      </p:to>
+                                    </p:set>
+                                    <p:animEffect transition="in" filter="fade">
+                                      <p:cBhvr>
+                                        <p:cTn id="38" dur="500"/>
+                                        <p:tgtEl>
+                                          <p:spTgt spid="4"/>
+                                        </p:tgtEl>
+                                      </p:cBhvr>
+                                    </p:animEffect>
+                                  </p:childTnLst>
+                                </p:cTn>
+                              </p:par>
+                              <p:par>
+                                <p:cTn id="39" presetID="10" presetClass="entr" presetSubtype="0" fill="hold" grpId="0" nodeType="withEffect">
+                                  <p:stCondLst>
+                                    <p:cond delay="0"/>
+                                  </p:stCondLst>
+                                  <p:childTnLst>
+                                    <p:set>
+                                      <p:cBhvr>
+                                        <p:cTn id="40" dur="1" fill="hold">
+                                          <p:stCondLst>
+                                            <p:cond delay="0"/>
+                                          </p:stCondLst>
+                                        </p:cTn>
+                                        <p:tgtEl>
+                                          <p:spTgt spid="8"/>
+                                        </p:tgtEl>
+                                        <p:attrNameLst>
+                                          <p:attrName>style.visibility</p:attrName>
+                                        </p:attrNameLst>
+                                      </p:cBhvr>
+                                      <p:to>
+                                        <p:strVal val="visible"/>
+                                      </p:to>
+                                    </p:set>
+                                    <p:animEffect transition="in" filter="fade">
+                                      <p:cBhvr>
+                                        <p:cTn id="41" dur="500"/>
+                                        <p:tgtEl>
+                                          <p:spTgt spid="8"/>
+                                        </p:tgtEl>
+                                      </p:cBhvr>
+                                    </p:animEffect>
+                                  </p:childTnLst>
+                                </p:cTn>
+                              </p:par>
+                            </p:childTnLst>
+                          </p:cTn>
+                        </p:par>
+                      </p:childTnLst>
+                    </p:cTn>
+                  </p:par>
+                  <p:par>
+                    <p:cTn id="42" fill="hold">
+                      <p:stCondLst>
+                        <p:cond delay="indefinite"/>
+                      </p:stCondLst>
+                      <p:childTnLst>
+                        <p:par>
+                          <p:cTn id="43" fill="hold">
+                            <p:stCondLst>
+                              <p:cond delay="0"/>
+                            </p:stCondLst>
+                            <p:childTnLst>
+                              <p:par>
+                                <p:cTn id="44" presetID="10" presetClass="entr" presetSubtype="0" fill="hold" nodeType="clickEffect">
+                                  <p:stCondLst>
+                                    <p:cond delay="0"/>
+                                  </p:stCondLst>
+                                  <p:childTnLst>
+                                    <p:set>
+                                      <p:cBhvr>
+                                        <p:cTn id="45" dur="1" fill="hold">
+                                          <p:stCondLst>
+                                            <p:cond delay="0"/>
+                                          </p:stCondLst>
+                                        </p:cTn>
+                                        <p:tgtEl>
+                                          <p:spTgt spid="23"/>
+                                        </p:tgtEl>
+                                        <p:attrNameLst>
+                                          <p:attrName>style.visibility</p:attrName>
+                                        </p:attrNameLst>
+                                      </p:cBhvr>
+                                      <p:to>
+                                        <p:strVal val="visible"/>
+                                      </p:to>
+                                    </p:set>
+                                    <p:animEffect transition="in" filter="fade">
+                                      <p:cBhvr>
+                                        <p:cTn id="46" dur="500"/>
+                                        <p:tgtEl>
+                                          <p:spTgt spid="23"/>
+                                        </p:tgtEl>
+                                      </p:cBhvr>
+                                    </p:animEffect>
+                                  </p:childTnLst>
+                                </p:cTn>
+                              </p:par>
+                              <p:par>
+                                <p:cTn id="47" presetID="10" presetClass="entr" presetSubtype="0" fill="hold" grpId="0" nodeType="withEffect">
+                                  <p:stCondLst>
+                                    <p:cond delay="0"/>
+                                  </p:stCondLst>
+                                  <p:childTnLst>
+                                    <p:set>
+                                      <p:cBhvr>
+                                        <p:cTn id="48" dur="1" fill="hold">
+                                          <p:stCondLst>
+                                            <p:cond delay="0"/>
+                                          </p:stCondLst>
+                                        </p:cTn>
+                                        <p:tgtEl>
+                                          <p:spTgt spid="25"/>
+                                        </p:tgtEl>
+                                        <p:attrNameLst>
+                                          <p:attrName>style.visibility</p:attrName>
+                                        </p:attrNameLst>
+                                      </p:cBhvr>
+                                      <p:to>
+                                        <p:strVal val="visible"/>
+                                      </p:to>
+                                    </p:set>
+                                    <p:animEffect transition="in" filter="fade">
+                                      <p:cBhvr>
+                                        <p:cTn id="49" dur="500"/>
+                                        <p:tgtEl>
+                                          <p:spTgt spid="25"/>
+                                        </p:tgtEl>
+                                      </p:cBhvr>
+                                    </p:animEffect>
+                                  </p:childTnLst>
+                                </p:cTn>
+                              </p:par>
+                              <p:par>
+                                <p:cTn id="50" presetID="10" presetClass="entr" presetSubtype="0" fill="hold" nodeType="withEffect">
+                                  <p:stCondLst>
+                                    <p:cond delay="0"/>
+                                  </p:stCondLst>
+                                  <p:childTnLst>
+                                    <p:set>
+                                      <p:cBhvr>
+                                        <p:cTn id="51" dur="1" fill="hold">
+                                          <p:stCondLst>
+                                            <p:cond delay="0"/>
+                                          </p:stCondLst>
+                                        </p:cTn>
+                                        <p:tgtEl>
+                                          <p:spTgt spid="28"/>
+                                        </p:tgtEl>
+                                        <p:attrNameLst>
+                                          <p:attrName>style.visibility</p:attrName>
+                                        </p:attrNameLst>
+                                      </p:cBhvr>
+                                      <p:to>
+                                        <p:strVal val="visible"/>
+                                      </p:to>
+                                    </p:set>
+                                    <p:animEffect transition="in" filter="fade">
+                                      <p:cBhvr>
+                                        <p:cTn id="52" dur="500"/>
+                                        <p:tgtEl>
+                                          <p:spTgt spid="28"/>
+                                        </p:tgtEl>
+                                      </p:cBhvr>
+                                    </p:animEffect>
+                                  </p:childTnLst>
+                                </p:cTn>
+                              </p:par>
+                              <p:par>
+                                <p:cTn id="53" presetID="10" presetClass="entr" presetSubtype="0" fill="hold" grpId="0" nodeType="withEffect">
+                                  <p:stCondLst>
+                                    <p:cond delay="0"/>
+                                  </p:stCondLst>
+                                  <p:childTnLst>
+                                    <p:set>
+                                      <p:cBhvr>
+                                        <p:cTn id="54" dur="1" fill="hold">
+                                          <p:stCondLst>
+                                            <p:cond delay="0"/>
+                                          </p:stCondLst>
+                                        </p:cTn>
+                                        <p:tgtEl>
+                                          <p:spTgt spid="30"/>
+                                        </p:tgtEl>
+                                        <p:attrNameLst>
+                                          <p:attrName>style.visibility</p:attrName>
+                                        </p:attrNameLst>
+                                      </p:cBhvr>
+                                      <p:to>
+                                        <p:strVal val="visible"/>
+                                      </p:to>
+                                    </p:set>
+                                    <p:animEffect transition="in" filter="fade">
+                                      <p:cBhvr>
+                                        <p:cTn id="55" dur="500"/>
+                                        <p:tgtEl>
+                                          <p:spTgt spid="30"/>
+                                        </p:tgtEl>
+                                      </p:cBhvr>
+                                    </p:animEffect>
+                                  </p:childTnLst>
+                                </p:cTn>
+                              </p:par>
+                            </p:childTnLst>
+                          </p:cTn>
+                        </p:par>
+                      </p:childTnLst>
+                    </p:cTn>
+                  </p:par>
+                </p:childTnLst>
+              </p:cTn>
+              <p:prevCondLst>
+                <p:cond evt="onPrev" delay="0">
+                  <p:tgtEl>
+                    <p:sldTgt/>
+                  </p:tgtEl>
+                </p:cond>
+              </p:prevCondLst>
+              <p:nextCondLst>
+                <p:cond evt="onNext" delay="0">
+                  <p:tgtEl>
+                    <p:sldTgt/>
+                  </p:tgtEl>
+                </p:cond>
+              </p:nextCondLst>
+            </p:seq>
+          </p:childTnLst>
+        </p:cTn>
       </p:par>
     </p:tnLst>
+    <p:bldLst>
+      <p:bldP spid="8" grpId="0"/>
+      <p:bldP spid="21" grpId="0"/>
+      <p:bldP spid="25" grpId="0"/>
+      <p:bldP spid="30" grpId="0"/>
+    </p:bldLst>
   </p:timing>
 </p:sld>
 </file>
@@ -11686,9 +13622,80 @@
   <p:timing>
     <p:tnLst>
       <p:par>
-        <p:cTn id="1" dur="indefinite" restart="never" nodeType="tmRoot"/>
+        <p:cTn id="1" dur="indefinite" restart="never" nodeType="tmRoot">
+          <p:childTnLst>
+            <p:seq concurrent="1" nextAc="seek">
+              <p:cTn id="2" dur="indefinite" nodeType="mainSeq">
+                <p:childTnLst>
+                  <p:par>
+                    <p:cTn id="3" fill="hold">
+                      <p:stCondLst>
+                        <p:cond delay="indefinite"/>
+                      </p:stCondLst>
+                      <p:childTnLst>
+                        <p:par>
+                          <p:cTn id="4" fill="hold">
+                            <p:stCondLst>
+                              <p:cond delay="0"/>
+                            </p:stCondLst>
+                            <p:childTnLst>
+                              <p:par>
+                                <p:cTn id="5" presetID="1" presetClass="entr" presetSubtype="0" fill="hold" grpId="0" nodeType="clickEffect">
+                                  <p:stCondLst>
+                                    <p:cond delay="0"/>
+                                  </p:stCondLst>
+                                  <p:childTnLst>
+                                    <p:set>
+                                      <p:cBhvr>
+                                        <p:cTn id="6" dur="1" fill="hold">
+                                          <p:stCondLst>
+                                            <p:cond delay="0"/>
+                                          </p:stCondLst>
+                                        </p:cTn>
+                                        <p:tgtEl>
+                                          <p:spTgt spid="5"/>
+                                        </p:tgtEl>
+                                        <p:attrNameLst>
+                                          <p:attrName>style.visibility</p:attrName>
+                                        </p:attrNameLst>
+                                      </p:cBhvr>
+                                      <p:to>
+                                        <p:strVal val="visible"/>
+                                      </p:to>
+                                    </p:set>
+                                  </p:childTnLst>
+                                </p:cTn>
+                              </p:par>
+                            </p:childTnLst>
+                          </p:cTn>
+                        </p:par>
+                      </p:childTnLst>
+                    </p:cTn>
+                  </p:par>
+                </p:childTnLst>
+              </p:cTn>
+              <p:prevCondLst>
+                <p:cond evt="onPrev" delay="0">
+                  <p:tgtEl>
+                    <p:sldTgt/>
+                  </p:tgtEl>
+                </p:cond>
+              </p:prevCondLst>
+              <p:nextCondLst>
+                <p:cond evt="onNext" delay="0">
+                  <p:tgtEl>
+                    <p:sldTgt/>
+                  </p:tgtEl>
+                </p:cond>
+              </p:nextCondLst>
+            </p:seq>
+          </p:childTnLst>
+        </p:cTn>
       </p:par>
     </p:tnLst>
+    <p:bldLst>
+      <p:bldP spid="5" grpId="0"/>
+    </p:bldLst>
   </p:timing>
 </p:sld>
 </file>
@@ -11755,7 +13762,7 @@
           <a:p>
             <a:r>
               <a:rPr lang="ro-MD" dirty="0" smtClean="0"/>
-              <a:t>Platforma monitorizarză cu succes nivelul de zgomot de la locațiile la care este cel putin un dispozitiv.</a:t>
+              <a:t>Platforma monitorizează cu succes nivelul de zgomot de la locațiile la care este cel putin un dispozitiv.</a:t>
             </a:r>
           </a:p>
           <a:p>
@@ -11908,15 +13915,33 @@
           <a:p>
             <a:r>
               <a:rPr lang="ro-MD" dirty="0" smtClean="0"/>
-              <a:t>Marirea numarului de surse </a:t>
+              <a:t>Marirea numarului de surse utilizate in scopul </a:t>
+            </a:r>
+            <a:r>
+              <a:rPr lang="en-US" dirty="0" err="1" smtClean="0"/>
+              <a:t>acumul</a:t>
             </a:r>
             <a:r>
               <a:rPr lang="ro-MD" dirty="0" smtClean="0"/>
-              <a:t>utilizate in scopul procurării de evenimente</a:t>
+              <a:t>ă</a:t>
+            </a:r>
+            <a:r>
+              <a:rPr lang="en-US" dirty="0" err="1" smtClean="0"/>
+              <a:t>rii</a:t>
+            </a:r>
+            <a:r>
+              <a:rPr lang="en-US" dirty="0" smtClean="0"/>
+              <a:t> </a:t>
             </a:r>
             <a:r>
               <a:rPr lang="ro-MD" dirty="0" smtClean="0"/>
-              <a:t>.</a:t>
+              <a:t>de evenimente.</a:t>
+            </a:r>
+          </a:p>
+          <a:p>
+            <a:r>
+              <a:rPr lang="ro-MD" dirty="0" smtClean="0"/>
+              <a:t>Publicarea aplicației</a:t>
             </a:r>
           </a:p>
           <a:p>
@@ -11975,7 +14000,274 @@
   <p:timing>
     <p:tnLst>
       <p:par>
-        <p:cTn id="1" dur="indefinite" restart="never" nodeType="tmRoot"/>
+        <p:cTn id="1" dur="indefinite" restart="never" nodeType="tmRoot">
+          <p:childTnLst>
+            <p:seq concurrent="1" nextAc="seek">
+              <p:cTn id="2" dur="indefinite" nodeType="mainSeq">
+                <p:childTnLst>
+                  <p:par>
+                    <p:cTn id="3" fill="hold">
+                      <p:stCondLst>
+                        <p:cond delay="indefinite"/>
+                      </p:stCondLst>
+                      <p:childTnLst>
+                        <p:par>
+                          <p:cTn id="4" fill="hold">
+                            <p:stCondLst>
+                              <p:cond delay="0"/>
+                            </p:stCondLst>
+                            <p:childTnLst>
+                              <p:par>
+                                <p:cTn id="5" presetID="10" presetClass="entr" presetSubtype="0" fill="hold" nodeType="clickEffect">
+                                  <p:stCondLst>
+                                    <p:cond delay="0"/>
+                                  </p:stCondLst>
+                                  <p:childTnLst>
+                                    <p:set>
+                                      <p:cBhvr>
+                                        <p:cTn id="6" dur="1" fill="hold">
+                                          <p:stCondLst>
+                                            <p:cond delay="0"/>
+                                          </p:stCondLst>
+                                        </p:cTn>
+                                        <p:tgtEl>
+                                          <p:spTgt spid="9">
+                                            <p:txEl>
+                                              <p:pRg st="0" end="0"/>
+                                            </p:txEl>
+                                          </p:spTgt>
+                                        </p:tgtEl>
+                                        <p:attrNameLst>
+                                          <p:attrName>style.visibility</p:attrName>
+                                        </p:attrNameLst>
+                                      </p:cBhvr>
+                                      <p:to>
+                                        <p:strVal val="visible"/>
+                                      </p:to>
+                                    </p:set>
+                                    <p:animEffect transition="in" filter="fade">
+                                      <p:cBhvr>
+                                        <p:cTn id="7" dur="500"/>
+                                        <p:tgtEl>
+                                          <p:spTgt spid="9">
+                                            <p:txEl>
+                                              <p:pRg st="0" end="0"/>
+                                            </p:txEl>
+                                          </p:spTgt>
+                                        </p:tgtEl>
+                                      </p:cBhvr>
+                                    </p:animEffect>
+                                  </p:childTnLst>
+                                </p:cTn>
+                              </p:par>
+                            </p:childTnLst>
+                          </p:cTn>
+                        </p:par>
+                      </p:childTnLst>
+                    </p:cTn>
+                  </p:par>
+                  <p:par>
+                    <p:cTn id="8" fill="hold">
+                      <p:stCondLst>
+                        <p:cond delay="indefinite"/>
+                      </p:stCondLst>
+                      <p:childTnLst>
+                        <p:par>
+                          <p:cTn id="9" fill="hold">
+                            <p:stCondLst>
+                              <p:cond delay="0"/>
+                            </p:stCondLst>
+                            <p:childTnLst>
+                              <p:par>
+                                <p:cTn id="10" presetID="10" presetClass="entr" presetSubtype="0" fill="hold" nodeType="clickEffect">
+                                  <p:stCondLst>
+                                    <p:cond delay="0"/>
+                                  </p:stCondLst>
+                                  <p:childTnLst>
+                                    <p:set>
+                                      <p:cBhvr>
+                                        <p:cTn id="11" dur="1" fill="hold">
+                                          <p:stCondLst>
+                                            <p:cond delay="0"/>
+                                          </p:stCondLst>
+                                        </p:cTn>
+                                        <p:tgtEl>
+                                          <p:spTgt spid="9">
+                                            <p:txEl>
+                                              <p:pRg st="1" end="1"/>
+                                            </p:txEl>
+                                          </p:spTgt>
+                                        </p:tgtEl>
+                                        <p:attrNameLst>
+                                          <p:attrName>style.visibility</p:attrName>
+                                        </p:attrNameLst>
+                                      </p:cBhvr>
+                                      <p:to>
+                                        <p:strVal val="visible"/>
+                                      </p:to>
+                                    </p:set>
+                                    <p:animEffect transition="in" filter="fade">
+                                      <p:cBhvr>
+                                        <p:cTn id="12" dur="500"/>
+                                        <p:tgtEl>
+                                          <p:spTgt spid="9">
+                                            <p:txEl>
+                                              <p:pRg st="1" end="1"/>
+                                            </p:txEl>
+                                          </p:spTgt>
+                                        </p:tgtEl>
+                                      </p:cBhvr>
+                                    </p:animEffect>
+                                  </p:childTnLst>
+                                </p:cTn>
+                              </p:par>
+                            </p:childTnLst>
+                          </p:cTn>
+                        </p:par>
+                      </p:childTnLst>
+                    </p:cTn>
+                  </p:par>
+                  <p:par>
+                    <p:cTn id="13" fill="hold">
+                      <p:stCondLst>
+                        <p:cond delay="indefinite"/>
+                      </p:stCondLst>
+                      <p:childTnLst>
+                        <p:par>
+                          <p:cTn id="14" fill="hold">
+                            <p:stCondLst>
+                              <p:cond delay="0"/>
+                            </p:stCondLst>
+                            <p:childTnLst>
+                              <p:par>
+                                <p:cTn id="15" presetID="10" presetClass="entr" presetSubtype="0" fill="hold" nodeType="clickEffect">
+                                  <p:stCondLst>
+                                    <p:cond delay="0"/>
+                                  </p:stCondLst>
+                                  <p:childTnLst>
+                                    <p:set>
+                                      <p:cBhvr>
+                                        <p:cTn id="16" dur="1" fill="hold">
+                                          <p:stCondLst>
+                                            <p:cond delay="0"/>
+                                          </p:stCondLst>
+                                        </p:cTn>
+                                        <p:tgtEl>
+                                          <p:spTgt spid="9">
+                                            <p:txEl>
+                                              <p:pRg st="2" end="2"/>
+                                            </p:txEl>
+                                          </p:spTgt>
+                                        </p:tgtEl>
+                                        <p:attrNameLst>
+                                          <p:attrName>style.visibility</p:attrName>
+                                        </p:attrNameLst>
+                                      </p:cBhvr>
+                                      <p:to>
+                                        <p:strVal val="visible"/>
+                                      </p:to>
+                                    </p:set>
+                                    <p:animEffect transition="in" filter="fade">
+                                      <p:cBhvr>
+                                        <p:cTn id="17" dur="500"/>
+                                        <p:tgtEl>
+                                          <p:spTgt spid="9">
+                                            <p:txEl>
+                                              <p:pRg st="2" end="2"/>
+                                            </p:txEl>
+                                          </p:spTgt>
+                                        </p:tgtEl>
+                                      </p:cBhvr>
+                                    </p:animEffect>
+                                  </p:childTnLst>
+                                </p:cTn>
+                              </p:par>
+                            </p:childTnLst>
+                          </p:cTn>
+                        </p:par>
+                      </p:childTnLst>
+                    </p:cTn>
+                  </p:par>
+                  <p:par>
+                    <p:cTn id="18" fill="hold">
+                      <p:stCondLst>
+                        <p:cond delay="indefinite"/>
+                      </p:stCondLst>
+                      <p:childTnLst>
+                        <p:par>
+                          <p:cTn id="19" fill="hold">
+                            <p:stCondLst>
+                              <p:cond delay="0"/>
+                            </p:stCondLst>
+                            <p:childTnLst>
+                              <p:par>
+                                <p:cTn id="20" presetID="10" presetClass="entr" presetSubtype="0" fill="hold" nodeType="clickEffect">
+                                  <p:stCondLst>
+                                    <p:cond delay="0"/>
+                                  </p:stCondLst>
+                                  <p:childTnLst>
+                                    <p:set>
+                                      <p:cBhvr>
+                                        <p:cTn id="21" dur="1" fill="hold">
+                                          <p:stCondLst>
+                                            <p:cond delay="0"/>
+                                          </p:stCondLst>
+                                        </p:cTn>
+                                        <p:tgtEl>
+                                          <p:spTgt spid="9">
+                                            <p:txEl>
+                                              <p:pRg st="3" end="3"/>
+                                            </p:txEl>
+                                          </p:spTgt>
+                                        </p:tgtEl>
+                                        <p:attrNameLst>
+                                          <p:attrName>style.visibility</p:attrName>
+                                        </p:attrNameLst>
+                                      </p:cBhvr>
+                                      <p:to>
+                                        <p:strVal val="visible"/>
+                                      </p:to>
+                                    </p:set>
+                                    <p:animEffect transition="in" filter="fade">
+                                      <p:cBhvr>
+                                        <p:cTn id="22" dur="500"/>
+                                        <p:tgtEl>
+                                          <p:spTgt spid="9">
+                                            <p:txEl>
+                                              <p:pRg st="3" end="3"/>
+                                            </p:txEl>
+                                          </p:spTgt>
+                                        </p:tgtEl>
+                                      </p:cBhvr>
+                                    </p:animEffect>
+                                  </p:childTnLst>
+                                </p:cTn>
+                              </p:par>
+                            </p:childTnLst>
+                          </p:cTn>
+                        </p:par>
+                      </p:childTnLst>
+                    </p:cTn>
+                  </p:par>
+                </p:childTnLst>
+              </p:cTn>
+              <p:prevCondLst>
+                <p:cond evt="onPrev" delay="0">
+                  <p:tgtEl>
+                    <p:sldTgt/>
+                  </p:tgtEl>
+                </p:cond>
+              </p:prevCondLst>
+              <p:nextCondLst>
+                <p:cond evt="onNext" delay="0">
+                  <p:tgtEl>
+                    <p:sldTgt/>
+                  </p:tgtEl>
+                </p:cond>
+              </p:nextCondLst>
+            </p:seq>
+          </p:childTnLst>
+        </p:cTn>
       </p:par>
     </p:tnLst>
   </p:timing>
@@ -12891,26 +15183,6 @@
 </file>
 
 <file path=customXml/item1.xml><?xml version="1.0" encoding="utf-8"?>
-<p:properties xmlns:p="http://schemas.microsoft.com/office/2006/metadata/properties" xmlns:xsi="http://www.w3.org/2001/XMLSchema-instance" xmlns:pc="http://schemas.microsoft.com/office/infopath/2007/PartnerControls">
-  <documentManagement>
-    <VSO_x0020_item_x0020_id xmlns="40262f94-9f35-4ac3-9a90-690165a166b7" xsi:nil="true"/>
-    <Assetid_x0020_ xmlns="40262f94-9f35-4ac3-9a90-690165a166b7" xsi:nil="true"/>
-    <Item_x0020_Details xmlns="40262f94-9f35-4ac3-9a90-690165a166b7" xsi:nil="true"/>
-    <Template_x0020_details xmlns="40262f94-9f35-4ac3-9a90-690165a166b7" xsi:nil="true"/>
-  </documentManagement>
-</p:properties>
-</file>
-
-<file path=customXml/item2.xml><?xml version="1.0" encoding="utf-8"?>
-<?mso-contentType ?>
-<FormTemplates xmlns="http://schemas.microsoft.com/sharepoint/v3/contenttype/forms">
-  <Display>DocumentLibraryForm</Display>
-  <Edit>DocumentLibraryForm</Edit>
-  <New>DocumentLibraryForm</New>
-</FormTemplates>
-</file>
-
-<file path=customXml/item3.xml><?xml version="1.0" encoding="utf-8"?>
 <ct:contentTypeSchema xmlns:ct="http://schemas.microsoft.com/office/2006/metadata/contentType" xmlns:ma="http://schemas.microsoft.com/office/2006/metadata/properties/metaAttributes" ct:_="" ma:_="" ma:contentTypeName="Document" ma:contentTypeID="0x010100AA3F7D94069FF64A86F7DFF56D60E3BE" ma:contentTypeVersion="6" ma:contentTypeDescription="Create a new document." ma:contentTypeScope="" ma:versionID="c32302c77d4085ecf495bdddb7f5e889">
   <xsd:schema xmlns:xsd="http://www.w3.org/2001/XMLSchema" xmlns:xs="http://www.w3.org/2001/XMLSchema" xmlns:p="http://schemas.microsoft.com/office/2006/metadata/properties" xmlns:ns2="a4f35948-e619-41b3-aa29-22878b09cfd2" xmlns:ns3="40262f94-9f35-4ac3-9a90-690165a166b7" targetNamespace="http://schemas.microsoft.com/office/2006/metadata/properties" ma:root="true" ma:fieldsID="4ab5ae46be95f9d0be6107e8200be7a2" ns2:_="" ns3:_="">
     <xsd:import namespace="a4f35948-e619-41b3-aa29-22878b09cfd2"/>
@@ -13091,32 +15363,27 @@
 </ct:contentTypeSchema>
 </file>
 
-<file path=customXml/itemProps1.xml><?xml version="1.0" encoding="utf-8"?>
-<ds:datastoreItem xmlns:ds="http://schemas.openxmlformats.org/officeDocument/2006/customXml" ds:itemID="{DEDD01B8-816B-49B7-8C81-03AB51D87C54}">
-  <ds:schemaRefs>
-    <ds:schemaRef ds:uri="http://schemas.microsoft.com/office/2006/documentManagement/types"/>
-    <ds:schemaRef ds:uri="http://purl.org/dc/terms/"/>
-    <ds:schemaRef ds:uri="http://schemas.openxmlformats.org/package/2006/metadata/core-properties"/>
-    <ds:schemaRef ds:uri="http://purl.org/dc/dcmitype/"/>
-    <ds:schemaRef ds:uri="http://schemas.microsoft.com/office/infopath/2007/PartnerControls"/>
-    <ds:schemaRef ds:uri="http://purl.org/dc/elements/1.1/"/>
-    <ds:schemaRef ds:uri="http://schemas.microsoft.com/office/2006/metadata/properties"/>
-    <ds:schemaRef ds:uri="40262f94-9f35-4ac3-9a90-690165a166b7"/>
-    <ds:schemaRef ds:uri="a4f35948-e619-41b3-aa29-22878b09cfd2"/>
-    <ds:schemaRef ds:uri="http://www.w3.org/XML/1998/namespace"/>
-  </ds:schemaRefs>
-</ds:datastoreItem>
+<file path=customXml/item2.xml><?xml version="1.0" encoding="utf-8"?>
+<?mso-contentType ?>
+<FormTemplates xmlns="http://schemas.microsoft.com/sharepoint/v3/contenttype/forms">
+  <Display>DocumentLibraryForm</Display>
+  <Edit>DocumentLibraryForm</Edit>
+  <New>DocumentLibraryForm</New>
+</FormTemplates>
 </file>
 
-<file path=customXml/itemProps2.xml><?xml version="1.0" encoding="utf-8"?>
-<ds:datastoreItem xmlns:ds="http://schemas.openxmlformats.org/officeDocument/2006/customXml" ds:itemID="{B024FD56-CE1B-42FC-9E83-BFBF160724C6}">
-  <ds:schemaRefs>
-    <ds:schemaRef ds:uri="http://schemas.microsoft.com/sharepoint/v3/contenttype/forms"/>
-  </ds:schemaRefs>
-</ds:datastoreItem>
+<file path=customXml/item3.xml><?xml version="1.0" encoding="utf-8"?>
+<p:properties xmlns:p="http://schemas.microsoft.com/office/2006/metadata/properties" xmlns:xsi="http://www.w3.org/2001/XMLSchema-instance" xmlns:pc="http://schemas.microsoft.com/office/infopath/2007/PartnerControls">
+  <documentManagement>
+    <VSO_x0020_item_x0020_id xmlns="40262f94-9f35-4ac3-9a90-690165a166b7" xsi:nil="true"/>
+    <Assetid_x0020_ xmlns="40262f94-9f35-4ac3-9a90-690165a166b7" xsi:nil="true"/>
+    <Item_x0020_Details xmlns="40262f94-9f35-4ac3-9a90-690165a166b7" xsi:nil="true"/>
+    <Template_x0020_details xmlns="40262f94-9f35-4ac3-9a90-690165a166b7" xsi:nil="true"/>
+  </documentManagement>
+</p:properties>
 </file>
 
-<file path=customXml/itemProps3.xml><?xml version="1.0" encoding="utf-8"?>
+<file path=customXml/itemProps1.xml><?xml version="1.0" encoding="utf-8"?>
 <ds:datastoreItem xmlns:ds="http://schemas.openxmlformats.org/officeDocument/2006/customXml" ds:itemID="{6253D857-4181-4777-8893-6E45A690F9F7}">
   <ds:schemaRefs>
     <ds:schemaRef ds:uri="http://schemas.microsoft.com/office/2006/metadata/contentType"/>
@@ -13133,4 +15400,29 @@
     <ds:schemaRef ds:uri="http://schemas.microsoft.com/internal/obd"/>
   </ds:schemaRefs>
 </ds:datastoreItem>
+</file>
+
+<file path=customXml/itemProps2.xml><?xml version="1.0" encoding="utf-8"?>
+<ds:datastoreItem xmlns:ds="http://schemas.openxmlformats.org/officeDocument/2006/customXml" ds:itemID="{B024FD56-CE1B-42FC-9E83-BFBF160724C6}">
+  <ds:schemaRefs>
+    <ds:schemaRef ds:uri="http://schemas.microsoft.com/sharepoint/v3/contenttype/forms"/>
+  </ds:schemaRefs>
+</ds:datastoreItem>
+</file>
+
+<file path=customXml/itemProps3.xml><?xml version="1.0" encoding="utf-8"?>
+<ds:datastoreItem xmlns:ds="http://schemas.openxmlformats.org/officeDocument/2006/customXml" ds:itemID="{DEDD01B8-816B-49B7-8C81-03AB51D87C54}">
+  <ds:schemaRefs>
+    <ds:schemaRef ds:uri="http://schemas.microsoft.com/office/2006/documentManagement/types"/>
+    <ds:schemaRef ds:uri="http://purl.org/dc/terms/"/>
+    <ds:schemaRef ds:uri="http://schemas.openxmlformats.org/package/2006/metadata/core-properties"/>
+    <ds:schemaRef ds:uri="http://purl.org/dc/dcmitype/"/>
+    <ds:schemaRef ds:uri="http://schemas.microsoft.com/office/infopath/2007/PartnerControls"/>
+    <ds:schemaRef ds:uri="http://purl.org/dc/elements/1.1/"/>
+    <ds:schemaRef ds:uri="http://schemas.microsoft.com/office/2006/metadata/properties"/>
+    <ds:schemaRef ds:uri="40262f94-9f35-4ac3-9a90-690165a166b7"/>
+    <ds:schemaRef ds:uri="a4f35948-e619-41b3-aa29-22878b09cfd2"/>
+    <ds:schemaRef ds:uri="http://www.w3.org/XML/1998/namespace"/>
+  </ds:schemaRefs>
+</ds:datastoreItem>
 </file>